--- a/contents/Ch1, 2.pptx
+++ b/contents/Ch1, 2.pptx
@@ -4,8 +4,24 @@
   <p:sldMasterIdLst>
     <p:sldMasterId id="2147483648" r:id="rId1"/>
   </p:sldMasterIdLst>
+  <p:notesMasterIdLst>
+    <p:notesMasterId r:id="rId16"/>
+  </p:notesMasterIdLst>
   <p:sldIdLst>
     <p:sldId id="256" r:id="rId2"/>
+    <p:sldId id="257" r:id="rId3"/>
+    <p:sldId id="262" r:id="rId4"/>
+    <p:sldId id="258" r:id="rId5"/>
+    <p:sldId id="263" r:id="rId6"/>
+    <p:sldId id="259" r:id="rId7"/>
+    <p:sldId id="260" r:id="rId8"/>
+    <p:sldId id="264" r:id="rId9"/>
+    <p:sldId id="265" r:id="rId10"/>
+    <p:sldId id="266" r:id="rId11"/>
+    <p:sldId id="261" r:id="rId12"/>
+    <p:sldId id="267" r:id="rId13"/>
+    <p:sldId id="268" r:id="rId14"/>
+    <p:sldId id="269" r:id="rId15"/>
   </p:sldIdLst>
   <p:sldSz cx="12192000" cy="6858000"/>
   <p:notesSz cx="6858000" cy="9144000"/>
@@ -104,7 +120,2044 @@
       </a:defRPr>
     </a:lvl9pPr>
   </p:defaultTextStyle>
+  <p:extLst>
+    <p:ext uri="{EFAFB233-063F-42B5-8137-9DF3F51BA10A}">
+      <p15:sldGuideLst xmlns:p15="http://schemas.microsoft.com/office/powerpoint/2012/main"/>
+    </p:ext>
+  </p:extLst>
 </p:presentation>
+</file>
+
+<file path=ppt/notesMasters/notesMaster1.xml><?xml version="1.0" encoding="utf-8"?>
+<p:notesMaster xmlns:a="http://schemas.openxmlformats.org/drawingml/2006/main" xmlns:r="http://schemas.openxmlformats.org/officeDocument/2006/relationships" xmlns:p="http://schemas.openxmlformats.org/presentationml/2006/main">
+  <p:cSld>
+    <p:bg>
+      <p:bgRef idx="1001">
+        <a:schemeClr val="bg1"/>
+      </p:bgRef>
+    </p:bg>
+    <p:spTree>
+      <p:nvGrpSpPr>
+        <p:cNvPr id="1" name=""/>
+        <p:cNvGrpSpPr/>
+        <p:nvPr/>
+      </p:nvGrpSpPr>
+      <p:grpSpPr>
+        <a:xfrm>
+          <a:off x="0" y="0"/>
+          <a:ext cx="0" cy="0"/>
+          <a:chOff x="0" y="0"/>
+          <a:chExt cx="0" cy="0"/>
+        </a:xfrm>
+      </p:grpSpPr>
+      <p:sp>
+        <p:nvSpPr>
+          <p:cNvPr id="2" name="머리글 개체 틀 1"/>
+          <p:cNvSpPr>
+            <a:spLocks noGrp="1"/>
+          </p:cNvSpPr>
+          <p:nvPr>
+            <p:ph type="hdr" sz="quarter"/>
+          </p:nvPr>
+        </p:nvSpPr>
+        <p:spPr>
+          <a:xfrm>
+            <a:off x="0" y="0"/>
+            <a:ext cx="2971800" cy="458788"/>
+          </a:xfrm>
+          <a:prstGeom prst="rect">
+            <a:avLst/>
+          </a:prstGeom>
+        </p:spPr>
+        <p:txBody>
+          <a:bodyPr vert="horz" lIns="91440" tIns="45720" rIns="91440" bIns="45720" rtlCol="0"/>
+          <a:lstStyle>
+            <a:lvl1pPr algn="l">
+              <a:defRPr sz="1200"/>
+            </a:lvl1pPr>
+          </a:lstStyle>
+          <a:p>
+            <a:endParaRPr lang="ko-KR" altLang="en-US"/>
+          </a:p>
+        </p:txBody>
+      </p:sp>
+      <p:sp>
+        <p:nvSpPr>
+          <p:cNvPr id="3" name="날짜 개체 틀 2"/>
+          <p:cNvSpPr>
+            <a:spLocks noGrp="1"/>
+          </p:cNvSpPr>
+          <p:nvPr>
+            <p:ph type="dt" idx="1"/>
+          </p:nvPr>
+        </p:nvSpPr>
+        <p:spPr>
+          <a:xfrm>
+            <a:off x="3884613" y="0"/>
+            <a:ext cx="2971800" cy="458788"/>
+          </a:xfrm>
+          <a:prstGeom prst="rect">
+            <a:avLst/>
+          </a:prstGeom>
+        </p:spPr>
+        <p:txBody>
+          <a:bodyPr vert="horz" lIns="91440" tIns="45720" rIns="91440" bIns="45720" rtlCol="0"/>
+          <a:lstStyle>
+            <a:lvl1pPr algn="r">
+              <a:defRPr sz="1200"/>
+            </a:lvl1pPr>
+          </a:lstStyle>
+          <a:p>
+            <a:fld id="{0B62C143-31C1-45EA-B896-287C22D0B410}" type="datetimeFigureOut">
+              <a:rPr lang="ko-KR" altLang="en-US" smtClean="0"/>
+              <a:t>2024-04-17</a:t>
+            </a:fld>
+            <a:endParaRPr lang="ko-KR" altLang="en-US"/>
+          </a:p>
+        </p:txBody>
+      </p:sp>
+      <p:sp>
+        <p:nvSpPr>
+          <p:cNvPr id="4" name="슬라이드 이미지 개체 틀 3"/>
+          <p:cNvSpPr>
+            <a:spLocks noGrp="1" noRot="1" noChangeAspect="1"/>
+          </p:cNvSpPr>
+          <p:nvPr>
+            <p:ph type="sldImg" idx="2"/>
+          </p:nvPr>
+        </p:nvSpPr>
+        <p:spPr>
+          <a:xfrm>
+            <a:off x="685800" y="1143000"/>
+            <a:ext cx="5486400" cy="3086100"/>
+          </a:xfrm>
+          <a:prstGeom prst="rect">
+            <a:avLst/>
+          </a:prstGeom>
+          <a:noFill/>
+          <a:ln w="12700">
+            <a:solidFill>
+              <a:prstClr val="black"/>
+            </a:solidFill>
+          </a:ln>
+        </p:spPr>
+        <p:txBody>
+          <a:bodyPr vert="horz" lIns="91440" tIns="45720" rIns="91440" bIns="45720" rtlCol="0" anchor="ctr"/>
+          <a:lstStyle/>
+          <a:p>
+            <a:endParaRPr lang="ko-KR" altLang="en-US"/>
+          </a:p>
+        </p:txBody>
+      </p:sp>
+      <p:sp>
+        <p:nvSpPr>
+          <p:cNvPr id="5" name="슬라이드 노트 개체 틀 4"/>
+          <p:cNvSpPr>
+            <a:spLocks noGrp="1"/>
+          </p:cNvSpPr>
+          <p:nvPr>
+            <p:ph type="body" sz="quarter" idx="3"/>
+          </p:nvPr>
+        </p:nvSpPr>
+        <p:spPr>
+          <a:xfrm>
+            <a:off x="685800" y="4400550"/>
+            <a:ext cx="5486400" cy="3600450"/>
+          </a:xfrm>
+          <a:prstGeom prst="rect">
+            <a:avLst/>
+          </a:prstGeom>
+        </p:spPr>
+        <p:txBody>
+          <a:bodyPr vert="horz" lIns="91440" tIns="45720" rIns="91440" bIns="45720" rtlCol="0"/>
+          <a:lstStyle/>
+          <a:p>
+            <a:pPr lvl="0"/>
+            <a:r>
+              <a:rPr lang="ko-KR" altLang="en-US"/>
+              <a:t>마스터 텍스트 스타일을 편집하려면 클릭</a:t>
+            </a:r>
+          </a:p>
+          <a:p>
+            <a:pPr lvl="1"/>
+            <a:r>
+              <a:rPr lang="ko-KR" altLang="en-US"/>
+              <a:t>두 번째 수준</a:t>
+            </a:r>
+          </a:p>
+          <a:p>
+            <a:pPr lvl="2"/>
+            <a:r>
+              <a:rPr lang="ko-KR" altLang="en-US"/>
+              <a:t>세 번째 수준</a:t>
+            </a:r>
+          </a:p>
+          <a:p>
+            <a:pPr lvl="3"/>
+            <a:r>
+              <a:rPr lang="ko-KR" altLang="en-US"/>
+              <a:t>네 번째 수준</a:t>
+            </a:r>
+          </a:p>
+          <a:p>
+            <a:pPr lvl="4"/>
+            <a:r>
+              <a:rPr lang="ko-KR" altLang="en-US"/>
+              <a:t>다섯 번째 수준</a:t>
+            </a:r>
+          </a:p>
+        </p:txBody>
+      </p:sp>
+      <p:sp>
+        <p:nvSpPr>
+          <p:cNvPr id="6" name="바닥글 개체 틀 5"/>
+          <p:cNvSpPr>
+            <a:spLocks noGrp="1"/>
+          </p:cNvSpPr>
+          <p:nvPr>
+            <p:ph type="ftr" sz="quarter" idx="4"/>
+          </p:nvPr>
+        </p:nvSpPr>
+        <p:spPr>
+          <a:xfrm>
+            <a:off x="0" y="8685213"/>
+            <a:ext cx="2971800" cy="458787"/>
+          </a:xfrm>
+          <a:prstGeom prst="rect">
+            <a:avLst/>
+          </a:prstGeom>
+        </p:spPr>
+        <p:txBody>
+          <a:bodyPr vert="horz" lIns="91440" tIns="45720" rIns="91440" bIns="45720" rtlCol="0" anchor="b"/>
+          <a:lstStyle>
+            <a:lvl1pPr algn="l">
+              <a:defRPr sz="1200"/>
+            </a:lvl1pPr>
+          </a:lstStyle>
+          <a:p>
+            <a:endParaRPr lang="ko-KR" altLang="en-US"/>
+          </a:p>
+        </p:txBody>
+      </p:sp>
+      <p:sp>
+        <p:nvSpPr>
+          <p:cNvPr id="7" name="슬라이드 번호 개체 틀 6"/>
+          <p:cNvSpPr>
+            <a:spLocks noGrp="1"/>
+          </p:cNvSpPr>
+          <p:nvPr>
+            <p:ph type="sldNum" sz="quarter" idx="5"/>
+          </p:nvPr>
+        </p:nvSpPr>
+        <p:spPr>
+          <a:xfrm>
+            <a:off x="3884613" y="8685213"/>
+            <a:ext cx="2971800" cy="458787"/>
+          </a:xfrm>
+          <a:prstGeom prst="rect">
+            <a:avLst/>
+          </a:prstGeom>
+        </p:spPr>
+        <p:txBody>
+          <a:bodyPr vert="horz" lIns="91440" tIns="45720" rIns="91440" bIns="45720" rtlCol="0" anchor="b"/>
+          <a:lstStyle>
+            <a:lvl1pPr algn="r">
+              <a:defRPr sz="1200"/>
+            </a:lvl1pPr>
+          </a:lstStyle>
+          <a:p>
+            <a:fld id="{A6631257-9CB7-478D-B00C-4FEF064183D7}" type="slidenum">
+              <a:rPr lang="ko-KR" altLang="en-US" smtClean="0"/>
+              <a:t>‹#›</a:t>
+            </a:fld>
+            <a:endParaRPr lang="ko-KR" altLang="en-US"/>
+          </a:p>
+        </p:txBody>
+      </p:sp>
+    </p:spTree>
+    <p:extLst>
+      <p:ext uri="{BB962C8B-B14F-4D97-AF65-F5344CB8AC3E}">
+        <p14:creationId xmlns:p14="http://schemas.microsoft.com/office/powerpoint/2010/main" val="391392857"/>
+      </p:ext>
+    </p:extLst>
+  </p:cSld>
+  <p:clrMap bg1="lt1" tx1="dk1" bg2="lt2" tx2="dk2" accent1="accent1" accent2="accent2" accent3="accent3" accent4="accent4" accent5="accent5" accent6="accent6" hlink="hlink" folHlink="folHlink"/>
+  <p:notesStyle>
+    <a:lvl1pPr marL="0" algn="l" defTabSz="914400" rtl="0" eaLnBrk="1" latinLnBrk="1" hangingPunct="1">
+      <a:defRPr sz="1200" kern="1200">
+        <a:solidFill>
+          <a:schemeClr val="tx1"/>
+        </a:solidFill>
+        <a:latin typeface="+mn-lt"/>
+        <a:ea typeface="+mn-ea"/>
+        <a:cs typeface="+mn-cs"/>
+      </a:defRPr>
+    </a:lvl1pPr>
+    <a:lvl2pPr marL="457200" algn="l" defTabSz="914400" rtl="0" eaLnBrk="1" latinLnBrk="1" hangingPunct="1">
+      <a:defRPr sz="1200" kern="1200">
+        <a:solidFill>
+          <a:schemeClr val="tx1"/>
+        </a:solidFill>
+        <a:latin typeface="+mn-lt"/>
+        <a:ea typeface="+mn-ea"/>
+        <a:cs typeface="+mn-cs"/>
+      </a:defRPr>
+    </a:lvl2pPr>
+    <a:lvl3pPr marL="914400" algn="l" defTabSz="914400" rtl="0" eaLnBrk="1" latinLnBrk="1" hangingPunct="1">
+      <a:defRPr sz="1200" kern="1200">
+        <a:solidFill>
+          <a:schemeClr val="tx1"/>
+        </a:solidFill>
+        <a:latin typeface="+mn-lt"/>
+        <a:ea typeface="+mn-ea"/>
+        <a:cs typeface="+mn-cs"/>
+      </a:defRPr>
+    </a:lvl3pPr>
+    <a:lvl4pPr marL="1371600" algn="l" defTabSz="914400" rtl="0" eaLnBrk="1" latinLnBrk="1" hangingPunct="1">
+      <a:defRPr sz="1200" kern="1200">
+        <a:solidFill>
+          <a:schemeClr val="tx1"/>
+        </a:solidFill>
+        <a:latin typeface="+mn-lt"/>
+        <a:ea typeface="+mn-ea"/>
+        <a:cs typeface="+mn-cs"/>
+      </a:defRPr>
+    </a:lvl4pPr>
+    <a:lvl5pPr marL="1828800" algn="l" defTabSz="914400" rtl="0" eaLnBrk="1" latinLnBrk="1" hangingPunct="1">
+      <a:defRPr sz="1200" kern="1200">
+        <a:solidFill>
+          <a:schemeClr val="tx1"/>
+        </a:solidFill>
+        <a:latin typeface="+mn-lt"/>
+        <a:ea typeface="+mn-ea"/>
+        <a:cs typeface="+mn-cs"/>
+      </a:defRPr>
+    </a:lvl5pPr>
+    <a:lvl6pPr marL="2286000" algn="l" defTabSz="914400" rtl="0" eaLnBrk="1" latinLnBrk="1" hangingPunct="1">
+      <a:defRPr sz="1200" kern="1200">
+        <a:solidFill>
+          <a:schemeClr val="tx1"/>
+        </a:solidFill>
+        <a:latin typeface="+mn-lt"/>
+        <a:ea typeface="+mn-ea"/>
+        <a:cs typeface="+mn-cs"/>
+      </a:defRPr>
+    </a:lvl6pPr>
+    <a:lvl7pPr marL="2743200" algn="l" defTabSz="914400" rtl="0" eaLnBrk="1" latinLnBrk="1" hangingPunct="1">
+      <a:defRPr sz="1200" kern="1200">
+        <a:solidFill>
+          <a:schemeClr val="tx1"/>
+        </a:solidFill>
+        <a:latin typeface="+mn-lt"/>
+        <a:ea typeface="+mn-ea"/>
+        <a:cs typeface="+mn-cs"/>
+      </a:defRPr>
+    </a:lvl7pPr>
+    <a:lvl8pPr marL="3200400" algn="l" defTabSz="914400" rtl="0" eaLnBrk="1" latinLnBrk="1" hangingPunct="1">
+      <a:defRPr sz="1200" kern="1200">
+        <a:solidFill>
+          <a:schemeClr val="tx1"/>
+        </a:solidFill>
+        <a:latin typeface="+mn-lt"/>
+        <a:ea typeface="+mn-ea"/>
+        <a:cs typeface="+mn-cs"/>
+      </a:defRPr>
+    </a:lvl8pPr>
+    <a:lvl9pPr marL="3657600" algn="l" defTabSz="914400" rtl="0" eaLnBrk="1" latinLnBrk="1" hangingPunct="1">
+      <a:defRPr sz="1200" kern="1200">
+        <a:solidFill>
+          <a:schemeClr val="tx1"/>
+        </a:solidFill>
+        <a:latin typeface="+mn-lt"/>
+        <a:ea typeface="+mn-ea"/>
+        <a:cs typeface="+mn-cs"/>
+      </a:defRPr>
+    </a:lvl9pPr>
+  </p:notesStyle>
+</p:notesMaster>
+</file>
+
+<file path=ppt/notesSlides/notesSlide1.xml><?xml version="1.0" encoding="utf-8"?>
+<p:notes xmlns:a="http://schemas.openxmlformats.org/drawingml/2006/main" xmlns:r="http://schemas.openxmlformats.org/officeDocument/2006/relationships" xmlns:p="http://schemas.openxmlformats.org/presentationml/2006/main">
+  <p:cSld>
+    <p:spTree>
+      <p:nvGrpSpPr>
+        <p:cNvPr id="1" name=""/>
+        <p:cNvGrpSpPr/>
+        <p:nvPr/>
+      </p:nvGrpSpPr>
+      <p:grpSpPr>
+        <a:xfrm>
+          <a:off x="0" y="0"/>
+          <a:ext cx="0" cy="0"/>
+          <a:chOff x="0" y="0"/>
+          <a:chExt cx="0" cy="0"/>
+        </a:xfrm>
+      </p:grpSpPr>
+      <p:sp>
+        <p:nvSpPr>
+          <p:cNvPr id="2" name="슬라이드 이미지 개체 틀 1"/>
+          <p:cNvSpPr>
+            <a:spLocks noGrp="1" noRot="1" noChangeAspect="1"/>
+          </p:cNvSpPr>
+          <p:nvPr>
+            <p:ph type="sldImg"/>
+          </p:nvPr>
+        </p:nvSpPr>
+        <p:spPr/>
+      </p:sp>
+      <p:sp>
+        <p:nvSpPr>
+          <p:cNvPr id="3" name="슬라이드 노트 개체 틀 2"/>
+          <p:cNvSpPr>
+            <a:spLocks noGrp="1"/>
+          </p:cNvSpPr>
+          <p:nvPr>
+            <p:ph type="body" idx="1"/>
+          </p:nvPr>
+        </p:nvSpPr>
+        <p:spPr/>
+        <p:txBody>
+          <a:bodyPr/>
+          <a:lstStyle/>
+          <a:p>
+            <a:r>
+              <a:rPr lang="en-US" altLang="ko-KR" dirty="0"/>
+              <a:t>ARMv8-A: ARM </a:t>
+            </a:r>
+            <a:r>
+              <a:rPr lang="ko-KR" altLang="en-US" dirty="0"/>
+              <a:t>최초로 </a:t>
+            </a:r>
+            <a:r>
+              <a:rPr lang="en-US" altLang="ko-KR" dirty="0"/>
+              <a:t>64 bit</a:t>
+            </a:r>
+            <a:r>
+              <a:rPr lang="ko-KR" altLang="en-US" dirty="0"/>
+              <a:t>를 지원하는 </a:t>
+            </a:r>
+            <a:r>
+              <a:rPr lang="en-US" altLang="ko-KR" dirty="0"/>
+              <a:t>Architecture</a:t>
+            </a:r>
+          </a:p>
+          <a:p>
+            <a:r>
+              <a:rPr lang="en-US" altLang="ko-KR" dirty="0"/>
+              <a:t>64-bit ARM: ARM </a:t>
+            </a:r>
+            <a:r>
+              <a:rPr lang="ko-KR" altLang="en-US" dirty="0"/>
+              <a:t>기반의 </a:t>
+            </a:r>
+            <a:r>
+              <a:rPr lang="en-US" altLang="ko-KR" dirty="0"/>
+              <a:t>64bit CPU</a:t>
+            </a:r>
+          </a:p>
+          <a:p>
+            <a:r>
+              <a:rPr lang="en-US" altLang="ko-KR" dirty="0"/>
+              <a:t>X86: 32bit Windows OS</a:t>
+            </a:r>
+            <a:r>
+              <a:rPr lang="ko-KR" altLang="en-US" dirty="0"/>
+              <a:t>가 동작하는 </a:t>
+            </a:r>
+            <a:r>
+              <a:rPr lang="en-US" altLang="ko-KR" dirty="0"/>
+              <a:t>CPU</a:t>
+            </a:r>
+            <a:endParaRPr lang="ko-KR" altLang="en-US" dirty="0"/>
+          </a:p>
+        </p:txBody>
+      </p:sp>
+      <p:sp>
+        <p:nvSpPr>
+          <p:cNvPr id="4" name="슬라이드 번호 개체 틀 3"/>
+          <p:cNvSpPr>
+            <a:spLocks noGrp="1"/>
+          </p:cNvSpPr>
+          <p:nvPr>
+            <p:ph type="sldNum" sz="quarter" idx="5"/>
+          </p:nvPr>
+        </p:nvSpPr>
+        <p:spPr/>
+        <p:txBody>
+          <a:bodyPr/>
+          <a:lstStyle/>
+          <a:p>
+            <a:fld id="{A6631257-9CB7-478D-B00C-4FEF064183D7}" type="slidenum">
+              <a:rPr lang="ko-KR" altLang="en-US" smtClean="0"/>
+              <a:t>2</a:t>
+            </a:fld>
+            <a:endParaRPr lang="ko-KR" altLang="en-US"/>
+          </a:p>
+        </p:txBody>
+      </p:sp>
+    </p:spTree>
+    <p:extLst>
+      <p:ext uri="{BB962C8B-B14F-4D97-AF65-F5344CB8AC3E}">
+        <p14:creationId xmlns:p14="http://schemas.microsoft.com/office/powerpoint/2010/main" val="1356506834"/>
+      </p:ext>
+    </p:extLst>
+  </p:cSld>
+  <p:clrMapOvr>
+    <a:masterClrMapping/>
+  </p:clrMapOvr>
+</p:notes>
+</file>
+
+<file path=ppt/notesSlides/notesSlide10.xml><?xml version="1.0" encoding="utf-8"?>
+<p:notes xmlns:a="http://schemas.openxmlformats.org/drawingml/2006/main" xmlns:r="http://schemas.openxmlformats.org/officeDocument/2006/relationships" xmlns:p="http://schemas.openxmlformats.org/presentationml/2006/main">
+  <p:cSld>
+    <p:spTree>
+      <p:nvGrpSpPr>
+        <p:cNvPr id="1" name=""/>
+        <p:cNvGrpSpPr/>
+        <p:nvPr/>
+      </p:nvGrpSpPr>
+      <p:grpSpPr>
+        <a:xfrm>
+          <a:off x="0" y="0"/>
+          <a:ext cx="0" cy="0"/>
+          <a:chOff x="0" y="0"/>
+          <a:chExt cx="0" cy="0"/>
+        </a:xfrm>
+      </p:grpSpPr>
+      <p:sp>
+        <p:nvSpPr>
+          <p:cNvPr id="2" name="슬라이드 이미지 개체 틀 1"/>
+          <p:cNvSpPr>
+            <a:spLocks noGrp="1" noRot="1" noChangeAspect="1"/>
+          </p:cNvSpPr>
+          <p:nvPr>
+            <p:ph type="sldImg"/>
+          </p:nvPr>
+        </p:nvSpPr>
+        <p:spPr/>
+      </p:sp>
+      <p:sp>
+        <p:nvSpPr>
+          <p:cNvPr id="3" name="슬라이드 노트 개체 틀 2"/>
+          <p:cNvSpPr>
+            <a:spLocks noGrp="1"/>
+          </p:cNvSpPr>
+          <p:nvPr>
+            <p:ph type="body" idx="1"/>
+          </p:nvPr>
+        </p:nvSpPr>
+        <p:spPr/>
+        <p:txBody>
+          <a:bodyPr/>
+          <a:lstStyle/>
+          <a:p>
+            <a:r>
+              <a:rPr lang="en-US" altLang="ko-KR" dirty="0"/>
+              <a:t>ARMv8-A: ARM </a:t>
+            </a:r>
+            <a:r>
+              <a:rPr lang="ko-KR" altLang="en-US" dirty="0"/>
+              <a:t>최초로 </a:t>
+            </a:r>
+            <a:r>
+              <a:rPr lang="en-US" altLang="ko-KR" dirty="0"/>
+              <a:t>64 bit</a:t>
+            </a:r>
+            <a:r>
+              <a:rPr lang="ko-KR" altLang="en-US" dirty="0"/>
+              <a:t>를 지원하는 </a:t>
+            </a:r>
+            <a:r>
+              <a:rPr lang="en-US" altLang="ko-KR" dirty="0"/>
+              <a:t>Architecture</a:t>
+            </a:r>
+          </a:p>
+          <a:p>
+            <a:r>
+              <a:rPr lang="en-US" altLang="ko-KR" dirty="0"/>
+              <a:t>64-bit ARM: ARM </a:t>
+            </a:r>
+            <a:r>
+              <a:rPr lang="ko-KR" altLang="en-US" dirty="0"/>
+              <a:t>기반의 </a:t>
+            </a:r>
+            <a:r>
+              <a:rPr lang="en-US" altLang="ko-KR" dirty="0"/>
+              <a:t>64bit CPU</a:t>
+            </a:r>
+          </a:p>
+          <a:p>
+            <a:r>
+              <a:rPr lang="en-US" altLang="ko-KR" dirty="0"/>
+              <a:t>X86: 32bit Windows OS</a:t>
+            </a:r>
+            <a:r>
+              <a:rPr lang="ko-KR" altLang="en-US" dirty="0"/>
+              <a:t>가 동작하는 </a:t>
+            </a:r>
+            <a:r>
+              <a:rPr lang="en-US" altLang="ko-KR" dirty="0"/>
+              <a:t>CPU</a:t>
+            </a:r>
+            <a:endParaRPr lang="ko-KR" altLang="en-US" dirty="0"/>
+          </a:p>
+        </p:txBody>
+      </p:sp>
+      <p:sp>
+        <p:nvSpPr>
+          <p:cNvPr id="4" name="슬라이드 번호 개체 틀 3"/>
+          <p:cNvSpPr>
+            <a:spLocks noGrp="1"/>
+          </p:cNvSpPr>
+          <p:nvPr>
+            <p:ph type="sldNum" sz="quarter" idx="5"/>
+          </p:nvPr>
+        </p:nvSpPr>
+        <p:spPr/>
+        <p:txBody>
+          <a:bodyPr/>
+          <a:lstStyle/>
+          <a:p>
+            <a:fld id="{A6631257-9CB7-478D-B00C-4FEF064183D7}" type="slidenum">
+              <a:rPr lang="ko-KR" altLang="en-US" smtClean="0"/>
+              <a:t>11</a:t>
+            </a:fld>
+            <a:endParaRPr lang="ko-KR" altLang="en-US"/>
+          </a:p>
+        </p:txBody>
+      </p:sp>
+    </p:spTree>
+    <p:extLst>
+      <p:ext uri="{BB962C8B-B14F-4D97-AF65-F5344CB8AC3E}">
+        <p14:creationId xmlns:p14="http://schemas.microsoft.com/office/powerpoint/2010/main" val="145089383"/>
+      </p:ext>
+    </p:extLst>
+  </p:cSld>
+  <p:clrMapOvr>
+    <a:masterClrMapping/>
+  </p:clrMapOvr>
+</p:notes>
+</file>
+
+<file path=ppt/notesSlides/notesSlide11.xml><?xml version="1.0" encoding="utf-8"?>
+<p:notes xmlns:a="http://schemas.openxmlformats.org/drawingml/2006/main" xmlns:r="http://schemas.openxmlformats.org/officeDocument/2006/relationships" xmlns:p="http://schemas.openxmlformats.org/presentationml/2006/main">
+  <p:cSld>
+    <p:spTree>
+      <p:nvGrpSpPr>
+        <p:cNvPr id="1" name=""/>
+        <p:cNvGrpSpPr/>
+        <p:nvPr/>
+      </p:nvGrpSpPr>
+      <p:grpSpPr>
+        <a:xfrm>
+          <a:off x="0" y="0"/>
+          <a:ext cx="0" cy="0"/>
+          <a:chOff x="0" y="0"/>
+          <a:chExt cx="0" cy="0"/>
+        </a:xfrm>
+      </p:grpSpPr>
+      <p:sp>
+        <p:nvSpPr>
+          <p:cNvPr id="2" name="슬라이드 이미지 개체 틀 1"/>
+          <p:cNvSpPr>
+            <a:spLocks noGrp="1" noRot="1" noChangeAspect="1"/>
+          </p:cNvSpPr>
+          <p:nvPr>
+            <p:ph type="sldImg"/>
+          </p:nvPr>
+        </p:nvSpPr>
+        <p:spPr/>
+      </p:sp>
+      <p:sp>
+        <p:nvSpPr>
+          <p:cNvPr id="3" name="슬라이드 노트 개체 틀 2"/>
+          <p:cNvSpPr>
+            <a:spLocks noGrp="1"/>
+          </p:cNvSpPr>
+          <p:nvPr>
+            <p:ph type="body" idx="1"/>
+          </p:nvPr>
+        </p:nvSpPr>
+        <p:spPr/>
+        <p:txBody>
+          <a:bodyPr/>
+          <a:lstStyle/>
+          <a:p>
+            <a:r>
+              <a:rPr lang="en-US" altLang="ko-KR" dirty="0"/>
+              <a:t>ARMv8-A: ARM </a:t>
+            </a:r>
+            <a:r>
+              <a:rPr lang="ko-KR" altLang="en-US" dirty="0"/>
+              <a:t>최초로 </a:t>
+            </a:r>
+            <a:r>
+              <a:rPr lang="en-US" altLang="ko-KR" dirty="0"/>
+              <a:t>64 bit</a:t>
+            </a:r>
+            <a:r>
+              <a:rPr lang="ko-KR" altLang="en-US" dirty="0"/>
+              <a:t>를 지원하는 </a:t>
+            </a:r>
+            <a:r>
+              <a:rPr lang="en-US" altLang="ko-KR" dirty="0"/>
+              <a:t>Architecture</a:t>
+            </a:r>
+          </a:p>
+          <a:p>
+            <a:r>
+              <a:rPr lang="en-US" altLang="ko-KR" dirty="0"/>
+              <a:t>64-bit ARM: ARM </a:t>
+            </a:r>
+            <a:r>
+              <a:rPr lang="ko-KR" altLang="en-US" dirty="0"/>
+              <a:t>기반의 </a:t>
+            </a:r>
+            <a:r>
+              <a:rPr lang="en-US" altLang="ko-KR" dirty="0"/>
+              <a:t>64bit CPU</a:t>
+            </a:r>
+          </a:p>
+          <a:p>
+            <a:r>
+              <a:rPr lang="en-US" altLang="ko-KR" dirty="0"/>
+              <a:t>X86: 32bit Windows OS</a:t>
+            </a:r>
+            <a:r>
+              <a:rPr lang="ko-KR" altLang="en-US" dirty="0"/>
+              <a:t>가 동작하는 </a:t>
+            </a:r>
+            <a:r>
+              <a:rPr lang="en-US" altLang="ko-KR" dirty="0"/>
+              <a:t>CPU</a:t>
+            </a:r>
+            <a:endParaRPr lang="ko-KR" altLang="en-US" dirty="0"/>
+          </a:p>
+        </p:txBody>
+      </p:sp>
+      <p:sp>
+        <p:nvSpPr>
+          <p:cNvPr id="4" name="슬라이드 번호 개체 틀 3"/>
+          <p:cNvSpPr>
+            <a:spLocks noGrp="1"/>
+          </p:cNvSpPr>
+          <p:nvPr>
+            <p:ph type="sldNum" sz="quarter" idx="5"/>
+          </p:nvPr>
+        </p:nvSpPr>
+        <p:spPr/>
+        <p:txBody>
+          <a:bodyPr/>
+          <a:lstStyle/>
+          <a:p>
+            <a:fld id="{A6631257-9CB7-478D-B00C-4FEF064183D7}" type="slidenum">
+              <a:rPr lang="ko-KR" altLang="en-US" smtClean="0"/>
+              <a:t>12</a:t>
+            </a:fld>
+            <a:endParaRPr lang="ko-KR" altLang="en-US"/>
+          </a:p>
+        </p:txBody>
+      </p:sp>
+    </p:spTree>
+    <p:extLst>
+      <p:ext uri="{BB962C8B-B14F-4D97-AF65-F5344CB8AC3E}">
+        <p14:creationId xmlns:p14="http://schemas.microsoft.com/office/powerpoint/2010/main" val="2797563977"/>
+      </p:ext>
+    </p:extLst>
+  </p:cSld>
+  <p:clrMapOvr>
+    <a:masterClrMapping/>
+  </p:clrMapOvr>
+</p:notes>
+</file>
+
+<file path=ppt/notesSlides/notesSlide12.xml><?xml version="1.0" encoding="utf-8"?>
+<p:notes xmlns:a="http://schemas.openxmlformats.org/drawingml/2006/main" xmlns:r="http://schemas.openxmlformats.org/officeDocument/2006/relationships" xmlns:p="http://schemas.openxmlformats.org/presentationml/2006/main">
+  <p:cSld>
+    <p:spTree>
+      <p:nvGrpSpPr>
+        <p:cNvPr id="1" name=""/>
+        <p:cNvGrpSpPr/>
+        <p:nvPr/>
+      </p:nvGrpSpPr>
+      <p:grpSpPr>
+        <a:xfrm>
+          <a:off x="0" y="0"/>
+          <a:ext cx="0" cy="0"/>
+          <a:chOff x="0" y="0"/>
+          <a:chExt cx="0" cy="0"/>
+        </a:xfrm>
+      </p:grpSpPr>
+      <p:sp>
+        <p:nvSpPr>
+          <p:cNvPr id="2" name="슬라이드 이미지 개체 틀 1"/>
+          <p:cNvSpPr>
+            <a:spLocks noGrp="1" noRot="1" noChangeAspect="1"/>
+          </p:cNvSpPr>
+          <p:nvPr>
+            <p:ph type="sldImg"/>
+          </p:nvPr>
+        </p:nvSpPr>
+        <p:spPr/>
+      </p:sp>
+      <p:sp>
+        <p:nvSpPr>
+          <p:cNvPr id="3" name="슬라이드 노트 개체 틀 2"/>
+          <p:cNvSpPr>
+            <a:spLocks noGrp="1"/>
+          </p:cNvSpPr>
+          <p:nvPr>
+            <p:ph type="body" idx="1"/>
+          </p:nvPr>
+        </p:nvSpPr>
+        <p:spPr/>
+        <p:txBody>
+          <a:bodyPr/>
+          <a:lstStyle/>
+          <a:p>
+            <a:r>
+              <a:rPr lang="en-US" altLang="ko-KR" dirty="0"/>
+              <a:t>ARMv8-A: ARM </a:t>
+            </a:r>
+            <a:r>
+              <a:rPr lang="ko-KR" altLang="en-US" dirty="0"/>
+              <a:t>최초로 </a:t>
+            </a:r>
+            <a:r>
+              <a:rPr lang="en-US" altLang="ko-KR" dirty="0"/>
+              <a:t>64 bit</a:t>
+            </a:r>
+            <a:r>
+              <a:rPr lang="ko-KR" altLang="en-US" dirty="0"/>
+              <a:t>를 지원하는 </a:t>
+            </a:r>
+            <a:r>
+              <a:rPr lang="en-US" altLang="ko-KR" dirty="0"/>
+              <a:t>Architecture</a:t>
+            </a:r>
+          </a:p>
+          <a:p>
+            <a:r>
+              <a:rPr lang="en-US" altLang="ko-KR" dirty="0"/>
+              <a:t>64-bit ARM: ARM </a:t>
+            </a:r>
+            <a:r>
+              <a:rPr lang="ko-KR" altLang="en-US" dirty="0"/>
+              <a:t>기반의 </a:t>
+            </a:r>
+            <a:r>
+              <a:rPr lang="en-US" altLang="ko-KR" dirty="0"/>
+              <a:t>64bit CPU</a:t>
+            </a:r>
+          </a:p>
+          <a:p>
+            <a:r>
+              <a:rPr lang="en-US" altLang="ko-KR" dirty="0"/>
+              <a:t>X86: 32bit Windows OS</a:t>
+            </a:r>
+            <a:r>
+              <a:rPr lang="ko-KR" altLang="en-US" dirty="0"/>
+              <a:t>가 동작하는 </a:t>
+            </a:r>
+            <a:r>
+              <a:rPr lang="en-US" altLang="ko-KR" dirty="0"/>
+              <a:t>CPU</a:t>
+            </a:r>
+            <a:endParaRPr lang="ko-KR" altLang="en-US" dirty="0"/>
+          </a:p>
+        </p:txBody>
+      </p:sp>
+      <p:sp>
+        <p:nvSpPr>
+          <p:cNvPr id="4" name="슬라이드 번호 개체 틀 3"/>
+          <p:cNvSpPr>
+            <a:spLocks noGrp="1"/>
+          </p:cNvSpPr>
+          <p:nvPr>
+            <p:ph type="sldNum" sz="quarter" idx="5"/>
+          </p:nvPr>
+        </p:nvSpPr>
+        <p:spPr/>
+        <p:txBody>
+          <a:bodyPr/>
+          <a:lstStyle/>
+          <a:p>
+            <a:fld id="{A6631257-9CB7-478D-B00C-4FEF064183D7}" type="slidenum">
+              <a:rPr lang="ko-KR" altLang="en-US" smtClean="0"/>
+              <a:t>13</a:t>
+            </a:fld>
+            <a:endParaRPr lang="ko-KR" altLang="en-US"/>
+          </a:p>
+        </p:txBody>
+      </p:sp>
+    </p:spTree>
+    <p:extLst>
+      <p:ext uri="{BB962C8B-B14F-4D97-AF65-F5344CB8AC3E}">
+        <p14:creationId xmlns:p14="http://schemas.microsoft.com/office/powerpoint/2010/main" val="3932875167"/>
+      </p:ext>
+    </p:extLst>
+  </p:cSld>
+  <p:clrMapOvr>
+    <a:masterClrMapping/>
+  </p:clrMapOvr>
+</p:notes>
+</file>
+
+<file path=ppt/notesSlides/notesSlide13.xml><?xml version="1.0" encoding="utf-8"?>
+<p:notes xmlns:a="http://schemas.openxmlformats.org/drawingml/2006/main" xmlns:r="http://schemas.openxmlformats.org/officeDocument/2006/relationships" xmlns:p="http://schemas.openxmlformats.org/presentationml/2006/main">
+  <p:cSld>
+    <p:spTree>
+      <p:nvGrpSpPr>
+        <p:cNvPr id="1" name=""/>
+        <p:cNvGrpSpPr/>
+        <p:nvPr/>
+      </p:nvGrpSpPr>
+      <p:grpSpPr>
+        <a:xfrm>
+          <a:off x="0" y="0"/>
+          <a:ext cx="0" cy="0"/>
+          <a:chOff x="0" y="0"/>
+          <a:chExt cx="0" cy="0"/>
+        </a:xfrm>
+      </p:grpSpPr>
+      <p:sp>
+        <p:nvSpPr>
+          <p:cNvPr id="2" name="슬라이드 이미지 개체 틀 1"/>
+          <p:cNvSpPr>
+            <a:spLocks noGrp="1" noRot="1" noChangeAspect="1"/>
+          </p:cNvSpPr>
+          <p:nvPr>
+            <p:ph type="sldImg"/>
+          </p:nvPr>
+        </p:nvSpPr>
+        <p:spPr/>
+      </p:sp>
+      <p:sp>
+        <p:nvSpPr>
+          <p:cNvPr id="3" name="슬라이드 노트 개체 틀 2"/>
+          <p:cNvSpPr>
+            <a:spLocks noGrp="1"/>
+          </p:cNvSpPr>
+          <p:nvPr>
+            <p:ph type="body" idx="1"/>
+          </p:nvPr>
+        </p:nvSpPr>
+        <p:spPr/>
+        <p:txBody>
+          <a:bodyPr/>
+          <a:lstStyle/>
+          <a:p>
+            <a:r>
+              <a:rPr lang="en-US" altLang="ko-KR" dirty="0"/>
+              <a:t>ARMv8-A: ARM </a:t>
+            </a:r>
+            <a:r>
+              <a:rPr lang="ko-KR" altLang="en-US" dirty="0"/>
+              <a:t>최초로 </a:t>
+            </a:r>
+            <a:r>
+              <a:rPr lang="en-US" altLang="ko-KR" dirty="0"/>
+              <a:t>64 bit</a:t>
+            </a:r>
+            <a:r>
+              <a:rPr lang="ko-KR" altLang="en-US" dirty="0"/>
+              <a:t>를 지원하는 </a:t>
+            </a:r>
+            <a:r>
+              <a:rPr lang="en-US" altLang="ko-KR" dirty="0"/>
+              <a:t>Architecture</a:t>
+            </a:r>
+          </a:p>
+          <a:p>
+            <a:r>
+              <a:rPr lang="en-US" altLang="ko-KR" dirty="0"/>
+              <a:t>64-bit ARM: ARM </a:t>
+            </a:r>
+            <a:r>
+              <a:rPr lang="ko-KR" altLang="en-US" dirty="0"/>
+              <a:t>기반의 </a:t>
+            </a:r>
+            <a:r>
+              <a:rPr lang="en-US" altLang="ko-KR" dirty="0"/>
+              <a:t>64bit CPU</a:t>
+            </a:r>
+          </a:p>
+          <a:p>
+            <a:r>
+              <a:rPr lang="en-US" altLang="ko-KR" dirty="0"/>
+              <a:t>X86: 32bit Windows OS</a:t>
+            </a:r>
+            <a:r>
+              <a:rPr lang="ko-KR" altLang="en-US" dirty="0"/>
+              <a:t>가 동작하는 </a:t>
+            </a:r>
+            <a:r>
+              <a:rPr lang="en-US" altLang="ko-KR" dirty="0"/>
+              <a:t>CPU</a:t>
+            </a:r>
+            <a:endParaRPr lang="ko-KR" altLang="en-US" dirty="0"/>
+          </a:p>
+        </p:txBody>
+      </p:sp>
+      <p:sp>
+        <p:nvSpPr>
+          <p:cNvPr id="4" name="슬라이드 번호 개체 틀 3"/>
+          <p:cNvSpPr>
+            <a:spLocks noGrp="1"/>
+          </p:cNvSpPr>
+          <p:nvPr>
+            <p:ph type="sldNum" sz="quarter" idx="5"/>
+          </p:nvPr>
+        </p:nvSpPr>
+        <p:spPr/>
+        <p:txBody>
+          <a:bodyPr/>
+          <a:lstStyle/>
+          <a:p>
+            <a:fld id="{A6631257-9CB7-478D-B00C-4FEF064183D7}" type="slidenum">
+              <a:rPr lang="ko-KR" altLang="en-US" smtClean="0"/>
+              <a:t>14</a:t>
+            </a:fld>
+            <a:endParaRPr lang="ko-KR" altLang="en-US"/>
+          </a:p>
+        </p:txBody>
+      </p:sp>
+    </p:spTree>
+    <p:extLst>
+      <p:ext uri="{BB962C8B-B14F-4D97-AF65-F5344CB8AC3E}">
+        <p14:creationId xmlns:p14="http://schemas.microsoft.com/office/powerpoint/2010/main" val="1379578934"/>
+      </p:ext>
+    </p:extLst>
+  </p:cSld>
+  <p:clrMapOvr>
+    <a:masterClrMapping/>
+  </p:clrMapOvr>
+</p:notes>
+</file>
+
+<file path=ppt/notesSlides/notesSlide2.xml><?xml version="1.0" encoding="utf-8"?>
+<p:notes xmlns:a="http://schemas.openxmlformats.org/drawingml/2006/main" xmlns:r="http://schemas.openxmlformats.org/officeDocument/2006/relationships" xmlns:p="http://schemas.openxmlformats.org/presentationml/2006/main">
+  <p:cSld>
+    <p:spTree>
+      <p:nvGrpSpPr>
+        <p:cNvPr id="1" name=""/>
+        <p:cNvGrpSpPr/>
+        <p:nvPr/>
+      </p:nvGrpSpPr>
+      <p:grpSpPr>
+        <a:xfrm>
+          <a:off x="0" y="0"/>
+          <a:ext cx="0" cy="0"/>
+          <a:chOff x="0" y="0"/>
+          <a:chExt cx="0" cy="0"/>
+        </a:xfrm>
+      </p:grpSpPr>
+      <p:sp>
+        <p:nvSpPr>
+          <p:cNvPr id="2" name="슬라이드 이미지 개체 틀 1"/>
+          <p:cNvSpPr>
+            <a:spLocks noGrp="1" noRot="1" noChangeAspect="1"/>
+          </p:cNvSpPr>
+          <p:nvPr>
+            <p:ph type="sldImg"/>
+          </p:nvPr>
+        </p:nvSpPr>
+        <p:spPr/>
+      </p:sp>
+      <p:sp>
+        <p:nvSpPr>
+          <p:cNvPr id="3" name="슬라이드 노트 개체 틀 2"/>
+          <p:cNvSpPr>
+            <a:spLocks noGrp="1"/>
+          </p:cNvSpPr>
+          <p:nvPr>
+            <p:ph type="body" idx="1"/>
+          </p:nvPr>
+        </p:nvSpPr>
+        <p:spPr/>
+        <p:txBody>
+          <a:bodyPr/>
+          <a:lstStyle/>
+          <a:p>
+            <a:r>
+              <a:rPr lang="en-US" altLang="ko-KR" dirty="0"/>
+              <a:t>HAXM (Intel Hardware Accelerated Execution Manager): Emulator</a:t>
+            </a:r>
+            <a:r>
+              <a:rPr lang="ko-KR" altLang="en-US" dirty="0"/>
+              <a:t>를 더 빠르게 실행시키는데 도움을 주는 </a:t>
+            </a:r>
+            <a:r>
+              <a:rPr lang="en-US" altLang="ko-KR" dirty="0"/>
+              <a:t>SW </a:t>
+            </a:r>
+            <a:r>
+              <a:rPr lang="ko-KR" altLang="en-US" dirty="0"/>
+              <a:t>가상화 기술을 제공</a:t>
+            </a:r>
+          </a:p>
+        </p:txBody>
+      </p:sp>
+      <p:sp>
+        <p:nvSpPr>
+          <p:cNvPr id="4" name="슬라이드 번호 개체 틀 3"/>
+          <p:cNvSpPr>
+            <a:spLocks noGrp="1"/>
+          </p:cNvSpPr>
+          <p:nvPr>
+            <p:ph type="sldNum" sz="quarter" idx="5"/>
+          </p:nvPr>
+        </p:nvSpPr>
+        <p:spPr/>
+        <p:txBody>
+          <a:bodyPr/>
+          <a:lstStyle/>
+          <a:p>
+            <a:fld id="{A6631257-9CB7-478D-B00C-4FEF064183D7}" type="slidenum">
+              <a:rPr lang="ko-KR" altLang="en-US" smtClean="0"/>
+              <a:t>3</a:t>
+            </a:fld>
+            <a:endParaRPr lang="ko-KR" altLang="en-US"/>
+          </a:p>
+        </p:txBody>
+      </p:sp>
+    </p:spTree>
+    <p:extLst>
+      <p:ext uri="{BB962C8B-B14F-4D97-AF65-F5344CB8AC3E}">
+        <p14:creationId xmlns:p14="http://schemas.microsoft.com/office/powerpoint/2010/main" val="3345918635"/>
+      </p:ext>
+    </p:extLst>
+  </p:cSld>
+  <p:clrMapOvr>
+    <a:masterClrMapping/>
+  </p:clrMapOvr>
+</p:notes>
+</file>
+
+<file path=ppt/notesSlides/notesSlide3.xml><?xml version="1.0" encoding="utf-8"?>
+<p:notes xmlns:a="http://schemas.openxmlformats.org/drawingml/2006/main" xmlns:r="http://schemas.openxmlformats.org/officeDocument/2006/relationships" xmlns:p="http://schemas.openxmlformats.org/presentationml/2006/main">
+  <p:cSld>
+    <p:spTree>
+      <p:nvGrpSpPr>
+        <p:cNvPr id="1" name=""/>
+        <p:cNvGrpSpPr/>
+        <p:nvPr/>
+      </p:nvGrpSpPr>
+      <p:grpSpPr>
+        <a:xfrm>
+          <a:off x="0" y="0"/>
+          <a:ext cx="0" cy="0"/>
+          <a:chOff x="0" y="0"/>
+          <a:chExt cx="0" cy="0"/>
+        </a:xfrm>
+      </p:grpSpPr>
+      <p:sp>
+        <p:nvSpPr>
+          <p:cNvPr id="2" name="슬라이드 이미지 개체 틀 1"/>
+          <p:cNvSpPr>
+            <a:spLocks noGrp="1" noRot="1" noChangeAspect="1"/>
+          </p:cNvSpPr>
+          <p:nvPr>
+            <p:ph type="sldImg"/>
+          </p:nvPr>
+        </p:nvSpPr>
+        <p:spPr/>
+      </p:sp>
+      <p:sp>
+        <p:nvSpPr>
+          <p:cNvPr id="3" name="슬라이드 노트 개체 틀 2"/>
+          <p:cNvSpPr>
+            <a:spLocks noGrp="1"/>
+          </p:cNvSpPr>
+          <p:nvPr>
+            <p:ph type="body" idx="1"/>
+          </p:nvPr>
+        </p:nvSpPr>
+        <p:spPr/>
+        <p:txBody>
+          <a:bodyPr/>
+          <a:lstStyle/>
+          <a:p>
+            <a:r>
+              <a:rPr lang="en-US" altLang="ko-KR" dirty="0"/>
+              <a:t>ARMv8-A: ARM </a:t>
+            </a:r>
+            <a:r>
+              <a:rPr lang="ko-KR" altLang="en-US" dirty="0"/>
+              <a:t>최초로 </a:t>
+            </a:r>
+            <a:r>
+              <a:rPr lang="en-US" altLang="ko-KR" dirty="0"/>
+              <a:t>64 bit</a:t>
+            </a:r>
+            <a:r>
+              <a:rPr lang="ko-KR" altLang="en-US" dirty="0"/>
+              <a:t>를 지원하는 </a:t>
+            </a:r>
+            <a:r>
+              <a:rPr lang="en-US" altLang="ko-KR" dirty="0"/>
+              <a:t>Architecture</a:t>
+            </a:r>
+          </a:p>
+          <a:p>
+            <a:r>
+              <a:rPr lang="en-US" altLang="ko-KR" dirty="0"/>
+              <a:t>64-bit ARM: ARM </a:t>
+            </a:r>
+            <a:r>
+              <a:rPr lang="ko-KR" altLang="en-US" dirty="0"/>
+              <a:t>기반의 </a:t>
+            </a:r>
+            <a:r>
+              <a:rPr lang="en-US" altLang="ko-KR" dirty="0"/>
+              <a:t>64bit CPU</a:t>
+            </a:r>
+          </a:p>
+          <a:p>
+            <a:r>
+              <a:rPr lang="en-US" altLang="ko-KR" dirty="0"/>
+              <a:t>X86: 32bit Windows OS</a:t>
+            </a:r>
+            <a:r>
+              <a:rPr lang="ko-KR" altLang="en-US" dirty="0"/>
+              <a:t>가 동작하는 </a:t>
+            </a:r>
+            <a:r>
+              <a:rPr lang="en-US" altLang="ko-KR" dirty="0"/>
+              <a:t>CPU</a:t>
+            </a:r>
+            <a:endParaRPr lang="ko-KR" altLang="en-US" dirty="0"/>
+          </a:p>
+        </p:txBody>
+      </p:sp>
+      <p:sp>
+        <p:nvSpPr>
+          <p:cNvPr id="4" name="슬라이드 번호 개체 틀 3"/>
+          <p:cNvSpPr>
+            <a:spLocks noGrp="1"/>
+          </p:cNvSpPr>
+          <p:nvPr>
+            <p:ph type="sldNum" sz="quarter" idx="5"/>
+          </p:nvPr>
+        </p:nvSpPr>
+        <p:spPr/>
+        <p:txBody>
+          <a:bodyPr/>
+          <a:lstStyle/>
+          <a:p>
+            <a:fld id="{A6631257-9CB7-478D-B00C-4FEF064183D7}" type="slidenum">
+              <a:rPr lang="ko-KR" altLang="en-US" smtClean="0"/>
+              <a:t>4</a:t>
+            </a:fld>
+            <a:endParaRPr lang="ko-KR" altLang="en-US"/>
+          </a:p>
+        </p:txBody>
+      </p:sp>
+    </p:spTree>
+    <p:extLst>
+      <p:ext uri="{BB962C8B-B14F-4D97-AF65-F5344CB8AC3E}">
+        <p14:creationId xmlns:p14="http://schemas.microsoft.com/office/powerpoint/2010/main" val="3154344682"/>
+      </p:ext>
+    </p:extLst>
+  </p:cSld>
+  <p:clrMapOvr>
+    <a:masterClrMapping/>
+  </p:clrMapOvr>
+</p:notes>
+</file>
+
+<file path=ppt/notesSlides/notesSlide4.xml><?xml version="1.0" encoding="utf-8"?>
+<p:notes xmlns:a="http://schemas.openxmlformats.org/drawingml/2006/main" xmlns:r="http://schemas.openxmlformats.org/officeDocument/2006/relationships" xmlns:p="http://schemas.openxmlformats.org/presentationml/2006/main">
+  <p:cSld>
+    <p:spTree>
+      <p:nvGrpSpPr>
+        <p:cNvPr id="1" name=""/>
+        <p:cNvGrpSpPr/>
+        <p:nvPr/>
+      </p:nvGrpSpPr>
+      <p:grpSpPr>
+        <a:xfrm>
+          <a:off x="0" y="0"/>
+          <a:ext cx="0" cy="0"/>
+          <a:chOff x="0" y="0"/>
+          <a:chExt cx="0" cy="0"/>
+        </a:xfrm>
+      </p:grpSpPr>
+      <p:sp>
+        <p:nvSpPr>
+          <p:cNvPr id="2" name="슬라이드 이미지 개체 틀 1"/>
+          <p:cNvSpPr>
+            <a:spLocks noGrp="1" noRot="1" noChangeAspect="1"/>
+          </p:cNvSpPr>
+          <p:nvPr>
+            <p:ph type="sldImg"/>
+          </p:nvPr>
+        </p:nvSpPr>
+        <p:spPr/>
+      </p:sp>
+      <p:sp>
+        <p:nvSpPr>
+          <p:cNvPr id="3" name="슬라이드 노트 개체 틀 2"/>
+          <p:cNvSpPr>
+            <a:spLocks noGrp="1"/>
+          </p:cNvSpPr>
+          <p:nvPr>
+            <p:ph type="body" idx="1"/>
+          </p:nvPr>
+        </p:nvSpPr>
+        <p:spPr/>
+        <p:txBody>
+          <a:bodyPr/>
+          <a:lstStyle/>
+          <a:p>
+            <a:r>
+              <a:rPr lang="en-US" altLang="ko-KR" dirty="0"/>
+              <a:t>ARMv8-A: ARM </a:t>
+            </a:r>
+            <a:r>
+              <a:rPr lang="ko-KR" altLang="en-US" dirty="0"/>
+              <a:t>최초로 </a:t>
+            </a:r>
+            <a:r>
+              <a:rPr lang="en-US" altLang="ko-KR" dirty="0"/>
+              <a:t>64 bit</a:t>
+            </a:r>
+            <a:r>
+              <a:rPr lang="ko-KR" altLang="en-US" dirty="0"/>
+              <a:t>를 지원하는 </a:t>
+            </a:r>
+            <a:r>
+              <a:rPr lang="en-US" altLang="ko-KR" dirty="0"/>
+              <a:t>Architecture</a:t>
+            </a:r>
+          </a:p>
+          <a:p>
+            <a:r>
+              <a:rPr lang="en-US" altLang="ko-KR" dirty="0"/>
+              <a:t>64-bit ARM: ARM </a:t>
+            </a:r>
+            <a:r>
+              <a:rPr lang="ko-KR" altLang="en-US" dirty="0"/>
+              <a:t>기반의 </a:t>
+            </a:r>
+            <a:r>
+              <a:rPr lang="en-US" altLang="ko-KR" dirty="0"/>
+              <a:t>64bit CPU</a:t>
+            </a:r>
+          </a:p>
+          <a:p>
+            <a:r>
+              <a:rPr lang="en-US" altLang="ko-KR" dirty="0"/>
+              <a:t>X86: 32bit Windows OS</a:t>
+            </a:r>
+            <a:r>
+              <a:rPr lang="ko-KR" altLang="en-US" dirty="0"/>
+              <a:t>가 동작하는 </a:t>
+            </a:r>
+            <a:r>
+              <a:rPr lang="en-US" altLang="ko-KR" dirty="0"/>
+              <a:t>CPU</a:t>
+            </a:r>
+            <a:endParaRPr lang="ko-KR" altLang="en-US" dirty="0"/>
+          </a:p>
+        </p:txBody>
+      </p:sp>
+      <p:sp>
+        <p:nvSpPr>
+          <p:cNvPr id="4" name="슬라이드 번호 개체 틀 3"/>
+          <p:cNvSpPr>
+            <a:spLocks noGrp="1"/>
+          </p:cNvSpPr>
+          <p:nvPr>
+            <p:ph type="sldNum" sz="quarter" idx="5"/>
+          </p:nvPr>
+        </p:nvSpPr>
+        <p:spPr/>
+        <p:txBody>
+          <a:bodyPr/>
+          <a:lstStyle/>
+          <a:p>
+            <a:fld id="{A6631257-9CB7-478D-B00C-4FEF064183D7}" type="slidenum">
+              <a:rPr lang="ko-KR" altLang="en-US" smtClean="0"/>
+              <a:t>5</a:t>
+            </a:fld>
+            <a:endParaRPr lang="ko-KR" altLang="en-US"/>
+          </a:p>
+        </p:txBody>
+      </p:sp>
+    </p:spTree>
+    <p:extLst>
+      <p:ext uri="{BB962C8B-B14F-4D97-AF65-F5344CB8AC3E}">
+        <p14:creationId xmlns:p14="http://schemas.microsoft.com/office/powerpoint/2010/main" val="3902133456"/>
+      </p:ext>
+    </p:extLst>
+  </p:cSld>
+  <p:clrMapOvr>
+    <a:masterClrMapping/>
+  </p:clrMapOvr>
+</p:notes>
+</file>
+
+<file path=ppt/notesSlides/notesSlide5.xml><?xml version="1.0" encoding="utf-8"?>
+<p:notes xmlns:a="http://schemas.openxmlformats.org/drawingml/2006/main" xmlns:r="http://schemas.openxmlformats.org/officeDocument/2006/relationships" xmlns:p="http://schemas.openxmlformats.org/presentationml/2006/main">
+  <p:cSld>
+    <p:spTree>
+      <p:nvGrpSpPr>
+        <p:cNvPr id="1" name=""/>
+        <p:cNvGrpSpPr/>
+        <p:nvPr/>
+      </p:nvGrpSpPr>
+      <p:grpSpPr>
+        <a:xfrm>
+          <a:off x="0" y="0"/>
+          <a:ext cx="0" cy="0"/>
+          <a:chOff x="0" y="0"/>
+          <a:chExt cx="0" cy="0"/>
+        </a:xfrm>
+      </p:grpSpPr>
+      <p:sp>
+        <p:nvSpPr>
+          <p:cNvPr id="2" name="슬라이드 이미지 개체 틀 1"/>
+          <p:cNvSpPr>
+            <a:spLocks noGrp="1" noRot="1" noChangeAspect="1"/>
+          </p:cNvSpPr>
+          <p:nvPr>
+            <p:ph type="sldImg"/>
+          </p:nvPr>
+        </p:nvSpPr>
+        <p:spPr/>
+      </p:sp>
+      <p:sp>
+        <p:nvSpPr>
+          <p:cNvPr id="3" name="슬라이드 노트 개체 틀 2"/>
+          <p:cNvSpPr>
+            <a:spLocks noGrp="1"/>
+          </p:cNvSpPr>
+          <p:nvPr>
+            <p:ph type="body" idx="1"/>
+          </p:nvPr>
+        </p:nvSpPr>
+        <p:spPr/>
+        <p:txBody>
+          <a:bodyPr/>
+          <a:lstStyle/>
+          <a:p>
+            <a:r>
+              <a:rPr lang="en-US" altLang="ko-KR" dirty="0"/>
+              <a:t>ARMv8-A: ARM </a:t>
+            </a:r>
+            <a:r>
+              <a:rPr lang="ko-KR" altLang="en-US" dirty="0"/>
+              <a:t>최초로 </a:t>
+            </a:r>
+            <a:r>
+              <a:rPr lang="en-US" altLang="ko-KR" dirty="0"/>
+              <a:t>64 bit</a:t>
+            </a:r>
+            <a:r>
+              <a:rPr lang="ko-KR" altLang="en-US" dirty="0"/>
+              <a:t>를 지원하는 </a:t>
+            </a:r>
+            <a:r>
+              <a:rPr lang="en-US" altLang="ko-KR" dirty="0"/>
+              <a:t>Architecture</a:t>
+            </a:r>
+          </a:p>
+          <a:p>
+            <a:r>
+              <a:rPr lang="en-US" altLang="ko-KR" dirty="0"/>
+              <a:t>64-bit ARM: ARM </a:t>
+            </a:r>
+            <a:r>
+              <a:rPr lang="ko-KR" altLang="en-US" dirty="0"/>
+              <a:t>기반의 </a:t>
+            </a:r>
+            <a:r>
+              <a:rPr lang="en-US" altLang="ko-KR" dirty="0"/>
+              <a:t>64bit CPU</a:t>
+            </a:r>
+          </a:p>
+          <a:p>
+            <a:r>
+              <a:rPr lang="en-US" altLang="ko-KR" dirty="0"/>
+              <a:t>X86: 32bit Windows OS</a:t>
+            </a:r>
+            <a:r>
+              <a:rPr lang="ko-KR" altLang="en-US" dirty="0"/>
+              <a:t>가 동작하는 </a:t>
+            </a:r>
+            <a:r>
+              <a:rPr lang="en-US" altLang="ko-KR" dirty="0"/>
+              <a:t>CPU</a:t>
+            </a:r>
+            <a:endParaRPr lang="ko-KR" altLang="en-US" dirty="0"/>
+          </a:p>
+        </p:txBody>
+      </p:sp>
+      <p:sp>
+        <p:nvSpPr>
+          <p:cNvPr id="4" name="슬라이드 번호 개체 틀 3"/>
+          <p:cNvSpPr>
+            <a:spLocks noGrp="1"/>
+          </p:cNvSpPr>
+          <p:nvPr>
+            <p:ph type="sldNum" sz="quarter" idx="5"/>
+          </p:nvPr>
+        </p:nvSpPr>
+        <p:spPr/>
+        <p:txBody>
+          <a:bodyPr/>
+          <a:lstStyle/>
+          <a:p>
+            <a:fld id="{A6631257-9CB7-478D-B00C-4FEF064183D7}" type="slidenum">
+              <a:rPr lang="ko-KR" altLang="en-US" smtClean="0"/>
+              <a:t>6</a:t>
+            </a:fld>
+            <a:endParaRPr lang="ko-KR" altLang="en-US"/>
+          </a:p>
+        </p:txBody>
+      </p:sp>
+    </p:spTree>
+    <p:extLst>
+      <p:ext uri="{BB962C8B-B14F-4D97-AF65-F5344CB8AC3E}">
+        <p14:creationId xmlns:p14="http://schemas.microsoft.com/office/powerpoint/2010/main" val="3462565101"/>
+      </p:ext>
+    </p:extLst>
+  </p:cSld>
+  <p:clrMapOvr>
+    <a:masterClrMapping/>
+  </p:clrMapOvr>
+</p:notes>
+</file>
+
+<file path=ppt/notesSlides/notesSlide6.xml><?xml version="1.0" encoding="utf-8"?>
+<p:notes xmlns:a="http://schemas.openxmlformats.org/drawingml/2006/main" xmlns:r="http://schemas.openxmlformats.org/officeDocument/2006/relationships" xmlns:p="http://schemas.openxmlformats.org/presentationml/2006/main">
+  <p:cSld>
+    <p:spTree>
+      <p:nvGrpSpPr>
+        <p:cNvPr id="1" name=""/>
+        <p:cNvGrpSpPr/>
+        <p:nvPr/>
+      </p:nvGrpSpPr>
+      <p:grpSpPr>
+        <a:xfrm>
+          <a:off x="0" y="0"/>
+          <a:ext cx="0" cy="0"/>
+          <a:chOff x="0" y="0"/>
+          <a:chExt cx="0" cy="0"/>
+        </a:xfrm>
+      </p:grpSpPr>
+      <p:sp>
+        <p:nvSpPr>
+          <p:cNvPr id="2" name="슬라이드 이미지 개체 틀 1"/>
+          <p:cNvSpPr>
+            <a:spLocks noGrp="1" noRot="1" noChangeAspect="1"/>
+          </p:cNvSpPr>
+          <p:nvPr>
+            <p:ph type="sldImg"/>
+          </p:nvPr>
+        </p:nvSpPr>
+        <p:spPr/>
+      </p:sp>
+      <p:sp>
+        <p:nvSpPr>
+          <p:cNvPr id="3" name="슬라이드 노트 개체 틀 2"/>
+          <p:cNvSpPr>
+            <a:spLocks noGrp="1"/>
+          </p:cNvSpPr>
+          <p:nvPr>
+            <p:ph type="body" idx="1"/>
+          </p:nvPr>
+        </p:nvSpPr>
+        <p:spPr/>
+        <p:txBody>
+          <a:bodyPr/>
+          <a:lstStyle/>
+          <a:p>
+            <a:r>
+              <a:rPr lang="en-US" altLang="ko-KR" dirty="0"/>
+              <a:t>ARMv8-A: ARM </a:t>
+            </a:r>
+            <a:r>
+              <a:rPr lang="ko-KR" altLang="en-US" dirty="0"/>
+              <a:t>최초로 </a:t>
+            </a:r>
+            <a:r>
+              <a:rPr lang="en-US" altLang="ko-KR" dirty="0"/>
+              <a:t>64 bit</a:t>
+            </a:r>
+            <a:r>
+              <a:rPr lang="ko-KR" altLang="en-US" dirty="0"/>
+              <a:t>를 지원하는 </a:t>
+            </a:r>
+            <a:r>
+              <a:rPr lang="en-US" altLang="ko-KR" dirty="0"/>
+              <a:t>Architecture</a:t>
+            </a:r>
+          </a:p>
+          <a:p>
+            <a:r>
+              <a:rPr lang="en-US" altLang="ko-KR" dirty="0"/>
+              <a:t>64-bit ARM: ARM </a:t>
+            </a:r>
+            <a:r>
+              <a:rPr lang="ko-KR" altLang="en-US" dirty="0"/>
+              <a:t>기반의 </a:t>
+            </a:r>
+            <a:r>
+              <a:rPr lang="en-US" altLang="ko-KR" dirty="0"/>
+              <a:t>64bit CPU</a:t>
+            </a:r>
+          </a:p>
+          <a:p>
+            <a:r>
+              <a:rPr lang="en-US" altLang="ko-KR" dirty="0"/>
+              <a:t>X86: 32bit Windows OS</a:t>
+            </a:r>
+            <a:r>
+              <a:rPr lang="ko-KR" altLang="en-US" dirty="0"/>
+              <a:t>가 동작하는 </a:t>
+            </a:r>
+            <a:r>
+              <a:rPr lang="en-US" altLang="ko-KR" dirty="0"/>
+              <a:t>CPU</a:t>
+            </a:r>
+            <a:endParaRPr lang="ko-KR" altLang="en-US" dirty="0"/>
+          </a:p>
+        </p:txBody>
+      </p:sp>
+      <p:sp>
+        <p:nvSpPr>
+          <p:cNvPr id="4" name="슬라이드 번호 개체 틀 3"/>
+          <p:cNvSpPr>
+            <a:spLocks noGrp="1"/>
+          </p:cNvSpPr>
+          <p:nvPr>
+            <p:ph type="sldNum" sz="quarter" idx="5"/>
+          </p:nvPr>
+        </p:nvSpPr>
+        <p:spPr/>
+        <p:txBody>
+          <a:bodyPr/>
+          <a:lstStyle/>
+          <a:p>
+            <a:fld id="{A6631257-9CB7-478D-B00C-4FEF064183D7}" type="slidenum">
+              <a:rPr lang="ko-KR" altLang="en-US" smtClean="0"/>
+              <a:t>7</a:t>
+            </a:fld>
+            <a:endParaRPr lang="ko-KR" altLang="en-US"/>
+          </a:p>
+        </p:txBody>
+      </p:sp>
+    </p:spTree>
+    <p:extLst>
+      <p:ext uri="{BB962C8B-B14F-4D97-AF65-F5344CB8AC3E}">
+        <p14:creationId xmlns:p14="http://schemas.microsoft.com/office/powerpoint/2010/main" val="3307885827"/>
+      </p:ext>
+    </p:extLst>
+  </p:cSld>
+  <p:clrMapOvr>
+    <a:masterClrMapping/>
+  </p:clrMapOvr>
+</p:notes>
+</file>
+
+<file path=ppt/notesSlides/notesSlide7.xml><?xml version="1.0" encoding="utf-8"?>
+<p:notes xmlns:a="http://schemas.openxmlformats.org/drawingml/2006/main" xmlns:r="http://schemas.openxmlformats.org/officeDocument/2006/relationships" xmlns:p="http://schemas.openxmlformats.org/presentationml/2006/main">
+  <p:cSld>
+    <p:spTree>
+      <p:nvGrpSpPr>
+        <p:cNvPr id="1" name=""/>
+        <p:cNvGrpSpPr/>
+        <p:nvPr/>
+      </p:nvGrpSpPr>
+      <p:grpSpPr>
+        <a:xfrm>
+          <a:off x="0" y="0"/>
+          <a:ext cx="0" cy="0"/>
+          <a:chOff x="0" y="0"/>
+          <a:chExt cx="0" cy="0"/>
+        </a:xfrm>
+      </p:grpSpPr>
+      <p:sp>
+        <p:nvSpPr>
+          <p:cNvPr id="2" name="슬라이드 이미지 개체 틀 1"/>
+          <p:cNvSpPr>
+            <a:spLocks noGrp="1" noRot="1" noChangeAspect="1"/>
+          </p:cNvSpPr>
+          <p:nvPr>
+            <p:ph type="sldImg"/>
+          </p:nvPr>
+        </p:nvSpPr>
+        <p:spPr/>
+      </p:sp>
+      <p:sp>
+        <p:nvSpPr>
+          <p:cNvPr id="3" name="슬라이드 노트 개체 틀 2"/>
+          <p:cNvSpPr>
+            <a:spLocks noGrp="1"/>
+          </p:cNvSpPr>
+          <p:nvPr>
+            <p:ph type="body" idx="1"/>
+          </p:nvPr>
+        </p:nvSpPr>
+        <p:spPr/>
+        <p:txBody>
+          <a:bodyPr/>
+          <a:lstStyle/>
+          <a:p>
+            <a:r>
+              <a:rPr lang="en-US" altLang="ko-KR" dirty="0"/>
+              <a:t>ARMv8-A: ARM </a:t>
+            </a:r>
+            <a:r>
+              <a:rPr lang="ko-KR" altLang="en-US" dirty="0"/>
+              <a:t>최초로 </a:t>
+            </a:r>
+            <a:r>
+              <a:rPr lang="en-US" altLang="ko-KR" dirty="0"/>
+              <a:t>64 bit</a:t>
+            </a:r>
+            <a:r>
+              <a:rPr lang="ko-KR" altLang="en-US" dirty="0"/>
+              <a:t>를 지원하는 </a:t>
+            </a:r>
+            <a:r>
+              <a:rPr lang="en-US" altLang="ko-KR" dirty="0"/>
+              <a:t>Architecture</a:t>
+            </a:r>
+          </a:p>
+          <a:p>
+            <a:r>
+              <a:rPr lang="en-US" altLang="ko-KR" dirty="0"/>
+              <a:t>64-bit ARM: ARM </a:t>
+            </a:r>
+            <a:r>
+              <a:rPr lang="ko-KR" altLang="en-US" dirty="0"/>
+              <a:t>기반의 </a:t>
+            </a:r>
+            <a:r>
+              <a:rPr lang="en-US" altLang="ko-KR" dirty="0"/>
+              <a:t>64bit CPU</a:t>
+            </a:r>
+          </a:p>
+          <a:p>
+            <a:r>
+              <a:rPr lang="en-US" altLang="ko-KR" dirty="0"/>
+              <a:t>X86: 32bit Windows OS</a:t>
+            </a:r>
+            <a:r>
+              <a:rPr lang="ko-KR" altLang="en-US" dirty="0"/>
+              <a:t>가 동작하는 </a:t>
+            </a:r>
+            <a:r>
+              <a:rPr lang="en-US" altLang="ko-KR" dirty="0"/>
+              <a:t>CPU</a:t>
+            </a:r>
+            <a:endParaRPr lang="ko-KR" altLang="en-US" dirty="0"/>
+          </a:p>
+        </p:txBody>
+      </p:sp>
+      <p:sp>
+        <p:nvSpPr>
+          <p:cNvPr id="4" name="슬라이드 번호 개체 틀 3"/>
+          <p:cNvSpPr>
+            <a:spLocks noGrp="1"/>
+          </p:cNvSpPr>
+          <p:nvPr>
+            <p:ph type="sldNum" sz="quarter" idx="5"/>
+          </p:nvPr>
+        </p:nvSpPr>
+        <p:spPr/>
+        <p:txBody>
+          <a:bodyPr/>
+          <a:lstStyle/>
+          <a:p>
+            <a:fld id="{A6631257-9CB7-478D-B00C-4FEF064183D7}" type="slidenum">
+              <a:rPr lang="ko-KR" altLang="en-US" smtClean="0"/>
+              <a:t>8</a:t>
+            </a:fld>
+            <a:endParaRPr lang="ko-KR" altLang="en-US"/>
+          </a:p>
+        </p:txBody>
+      </p:sp>
+    </p:spTree>
+    <p:extLst>
+      <p:ext uri="{BB962C8B-B14F-4D97-AF65-F5344CB8AC3E}">
+        <p14:creationId xmlns:p14="http://schemas.microsoft.com/office/powerpoint/2010/main" val="3126612224"/>
+      </p:ext>
+    </p:extLst>
+  </p:cSld>
+  <p:clrMapOvr>
+    <a:masterClrMapping/>
+  </p:clrMapOvr>
+</p:notes>
+</file>
+
+<file path=ppt/notesSlides/notesSlide8.xml><?xml version="1.0" encoding="utf-8"?>
+<p:notes xmlns:a="http://schemas.openxmlformats.org/drawingml/2006/main" xmlns:r="http://schemas.openxmlformats.org/officeDocument/2006/relationships" xmlns:p="http://schemas.openxmlformats.org/presentationml/2006/main">
+  <p:cSld>
+    <p:spTree>
+      <p:nvGrpSpPr>
+        <p:cNvPr id="1" name=""/>
+        <p:cNvGrpSpPr/>
+        <p:nvPr/>
+      </p:nvGrpSpPr>
+      <p:grpSpPr>
+        <a:xfrm>
+          <a:off x="0" y="0"/>
+          <a:ext cx="0" cy="0"/>
+          <a:chOff x="0" y="0"/>
+          <a:chExt cx="0" cy="0"/>
+        </a:xfrm>
+      </p:grpSpPr>
+      <p:sp>
+        <p:nvSpPr>
+          <p:cNvPr id="2" name="슬라이드 이미지 개체 틀 1"/>
+          <p:cNvSpPr>
+            <a:spLocks noGrp="1" noRot="1" noChangeAspect="1"/>
+          </p:cNvSpPr>
+          <p:nvPr>
+            <p:ph type="sldImg"/>
+          </p:nvPr>
+        </p:nvSpPr>
+        <p:spPr/>
+      </p:sp>
+      <p:sp>
+        <p:nvSpPr>
+          <p:cNvPr id="3" name="슬라이드 노트 개체 틀 2"/>
+          <p:cNvSpPr>
+            <a:spLocks noGrp="1"/>
+          </p:cNvSpPr>
+          <p:nvPr>
+            <p:ph type="body" idx="1"/>
+          </p:nvPr>
+        </p:nvSpPr>
+        <p:spPr/>
+        <p:txBody>
+          <a:bodyPr/>
+          <a:lstStyle/>
+          <a:p>
+            <a:r>
+              <a:rPr lang="en-US" altLang="ko-KR" dirty="0"/>
+              <a:t>ARMv8-A: ARM </a:t>
+            </a:r>
+            <a:r>
+              <a:rPr lang="ko-KR" altLang="en-US" dirty="0"/>
+              <a:t>최초로 </a:t>
+            </a:r>
+            <a:r>
+              <a:rPr lang="en-US" altLang="ko-KR" dirty="0"/>
+              <a:t>64 bit</a:t>
+            </a:r>
+            <a:r>
+              <a:rPr lang="ko-KR" altLang="en-US" dirty="0"/>
+              <a:t>를 지원하는 </a:t>
+            </a:r>
+            <a:r>
+              <a:rPr lang="en-US" altLang="ko-KR" dirty="0"/>
+              <a:t>Architecture</a:t>
+            </a:r>
+          </a:p>
+          <a:p>
+            <a:r>
+              <a:rPr lang="en-US" altLang="ko-KR" dirty="0"/>
+              <a:t>64-bit ARM: ARM </a:t>
+            </a:r>
+            <a:r>
+              <a:rPr lang="ko-KR" altLang="en-US" dirty="0"/>
+              <a:t>기반의 </a:t>
+            </a:r>
+            <a:r>
+              <a:rPr lang="en-US" altLang="ko-KR" dirty="0"/>
+              <a:t>64bit CPU</a:t>
+            </a:r>
+          </a:p>
+          <a:p>
+            <a:r>
+              <a:rPr lang="en-US" altLang="ko-KR" dirty="0"/>
+              <a:t>X86: 32bit Windows OS</a:t>
+            </a:r>
+            <a:r>
+              <a:rPr lang="ko-KR" altLang="en-US" dirty="0"/>
+              <a:t>가 동작하는 </a:t>
+            </a:r>
+            <a:r>
+              <a:rPr lang="en-US" altLang="ko-KR" dirty="0"/>
+              <a:t>CPU</a:t>
+            </a:r>
+            <a:endParaRPr lang="ko-KR" altLang="en-US" dirty="0"/>
+          </a:p>
+        </p:txBody>
+      </p:sp>
+      <p:sp>
+        <p:nvSpPr>
+          <p:cNvPr id="4" name="슬라이드 번호 개체 틀 3"/>
+          <p:cNvSpPr>
+            <a:spLocks noGrp="1"/>
+          </p:cNvSpPr>
+          <p:nvPr>
+            <p:ph type="sldNum" sz="quarter" idx="5"/>
+          </p:nvPr>
+        </p:nvSpPr>
+        <p:spPr/>
+        <p:txBody>
+          <a:bodyPr/>
+          <a:lstStyle/>
+          <a:p>
+            <a:fld id="{A6631257-9CB7-478D-B00C-4FEF064183D7}" type="slidenum">
+              <a:rPr lang="ko-KR" altLang="en-US" smtClean="0"/>
+              <a:t>9</a:t>
+            </a:fld>
+            <a:endParaRPr lang="ko-KR" altLang="en-US"/>
+          </a:p>
+        </p:txBody>
+      </p:sp>
+    </p:spTree>
+    <p:extLst>
+      <p:ext uri="{BB962C8B-B14F-4D97-AF65-F5344CB8AC3E}">
+        <p14:creationId xmlns:p14="http://schemas.microsoft.com/office/powerpoint/2010/main" val="2003421744"/>
+      </p:ext>
+    </p:extLst>
+  </p:cSld>
+  <p:clrMapOvr>
+    <a:masterClrMapping/>
+  </p:clrMapOvr>
+</p:notes>
+</file>
+
+<file path=ppt/notesSlides/notesSlide9.xml><?xml version="1.0" encoding="utf-8"?>
+<p:notes xmlns:a="http://schemas.openxmlformats.org/drawingml/2006/main" xmlns:r="http://schemas.openxmlformats.org/officeDocument/2006/relationships" xmlns:p="http://schemas.openxmlformats.org/presentationml/2006/main">
+  <p:cSld>
+    <p:spTree>
+      <p:nvGrpSpPr>
+        <p:cNvPr id="1" name=""/>
+        <p:cNvGrpSpPr/>
+        <p:nvPr/>
+      </p:nvGrpSpPr>
+      <p:grpSpPr>
+        <a:xfrm>
+          <a:off x="0" y="0"/>
+          <a:ext cx="0" cy="0"/>
+          <a:chOff x="0" y="0"/>
+          <a:chExt cx="0" cy="0"/>
+        </a:xfrm>
+      </p:grpSpPr>
+      <p:sp>
+        <p:nvSpPr>
+          <p:cNvPr id="2" name="슬라이드 이미지 개체 틀 1"/>
+          <p:cNvSpPr>
+            <a:spLocks noGrp="1" noRot="1" noChangeAspect="1"/>
+          </p:cNvSpPr>
+          <p:nvPr>
+            <p:ph type="sldImg"/>
+          </p:nvPr>
+        </p:nvSpPr>
+        <p:spPr/>
+      </p:sp>
+      <p:sp>
+        <p:nvSpPr>
+          <p:cNvPr id="3" name="슬라이드 노트 개체 틀 2"/>
+          <p:cNvSpPr>
+            <a:spLocks noGrp="1"/>
+          </p:cNvSpPr>
+          <p:nvPr>
+            <p:ph type="body" idx="1"/>
+          </p:nvPr>
+        </p:nvSpPr>
+        <p:spPr/>
+        <p:txBody>
+          <a:bodyPr/>
+          <a:lstStyle/>
+          <a:p>
+            <a:r>
+              <a:rPr lang="en-US" altLang="ko-KR" dirty="0"/>
+              <a:t>ARMv8-A: ARM </a:t>
+            </a:r>
+            <a:r>
+              <a:rPr lang="ko-KR" altLang="en-US" dirty="0"/>
+              <a:t>최초로 </a:t>
+            </a:r>
+            <a:r>
+              <a:rPr lang="en-US" altLang="ko-KR" dirty="0"/>
+              <a:t>64 bit</a:t>
+            </a:r>
+            <a:r>
+              <a:rPr lang="ko-KR" altLang="en-US" dirty="0"/>
+              <a:t>를 지원하는 </a:t>
+            </a:r>
+            <a:r>
+              <a:rPr lang="en-US" altLang="ko-KR" dirty="0"/>
+              <a:t>Architecture</a:t>
+            </a:r>
+          </a:p>
+          <a:p>
+            <a:r>
+              <a:rPr lang="en-US" altLang="ko-KR" dirty="0"/>
+              <a:t>64-bit ARM: ARM </a:t>
+            </a:r>
+            <a:r>
+              <a:rPr lang="ko-KR" altLang="en-US" dirty="0"/>
+              <a:t>기반의 </a:t>
+            </a:r>
+            <a:r>
+              <a:rPr lang="en-US" altLang="ko-KR" dirty="0"/>
+              <a:t>64bit CPU</a:t>
+            </a:r>
+          </a:p>
+          <a:p>
+            <a:r>
+              <a:rPr lang="en-US" altLang="ko-KR" dirty="0"/>
+              <a:t>X86: 32bit Windows OS</a:t>
+            </a:r>
+            <a:r>
+              <a:rPr lang="ko-KR" altLang="en-US" dirty="0"/>
+              <a:t>가 동작하는 </a:t>
+            </a:r>
+            <a:r>
+              <a:rPr lang="en-US" altLang="ko-KR" dirty="0"/>
+              <a:t>CPU</a:t>
+            </a:r>
+            <a:endParaRPr lang="ko-KR" altLang="en-US" dirty="0"/>
+          </a:p>
+        </p:txBody>
+      </p:sp>
+      <p:sp>
+        <p:nvSpPr>
+          <p:cNvPr id="4" name="슬라이드 번호 개체 틀 3"/>
+          <p:cNvSpPr>
+            <a:spLocks noGrp="1"/>
+          </p:cNvSpPr>
+          <p:nvPr>
+            <p:ph type="sldNum" sz="quarter" idx="5"/>
+          </p:nvPr>
+        </p:nvSpPr>
+        <p:spPr/>
+        <p:txBody>
+          <a:bodyPr/>
+          <a:lstStyle/>
+          <a:p>
+            <a:fld id="{A6631257-9CB7-478D-B00C-4FEF064183D7}" type="slidenum">
+              <a:rPr lang="ko-KR" altLang="en-US" smtClean="0"/>
+              <a:t>10</a:t>
+            </a:fld>
+            <a:endParaRPr lang="ko-KR" altLang="en-US"/>
+          </a:p>
+        </p:txBody>
+      </p:sp>
+    </p:spTree>
+    <p:extLst>
+      <p:ext uri="{BB962C8B-B14F-4D97-AF65-F5344CB8AC3E}">
+        <p14:creationId xmlns:p14="http://schemas.microsoft.com/office/powerpoint/2010/main" val="994720790"/>
+      </p:ext>
+    </p:extLst>
+  </p:cSld>
+  <p:clrMapOvr>
+    <a:masterClrMapping/>
+  </p:clrMapOvr>
+</p:notes>
 </file>
 
 <file path=ppt/slideLayouts/slideLayout1.xml><?xml version="1.0" encoding="utf-8"?>
@@ -254,7 +2307,7 @@
           <a:p>
             <a:fld id="{2F9A32DC-A486-42E1-880C-3BD8374EE90B}" type="datetimeFigureOut">
               <a:rPr lang="ko-KR" altLang="en-US" smtClean="0"/>
-              <a:t>2024-04-09</a:t>
+              <a:t>2024-04-17</a:t>
             </a:fld>
             <a:endParaRPr lang="ko-KR" altLang="en-US"/>
           </a:p>
@@ -452,7 +2505,7 @@
           <a:p>
             <a:fld id="{2F9A32DC-A486-42E1-880C-3BD8374EE90B}" type="datetimeFigureOut">
               <a:rPr lang="ko-KR" altLang="en-US" smtClean="0"/>
-              <a:t>2024-04-09</a:t>
+              <a:t>2024-04-17</a:t>
             </a:fld>
             <a:endParaRPr lang="ko-KR" altLang="en-US"/>
           </a:p>
@@ -660,7 +2713,7 @@
           <a:p>
             <a:fld id="{2F9A32DC-A486-42E1-880C-3BD8374EE90B}" type="datetimeFigureOut">
               <a:rPr lang="ko-KR" altLang="en-US" smtClean="0"/>
-              <a:t>2024-04-09</a:t>
+              <a:t>2024-04-17</a:t>
             </a:fld>
             <a:endParaRPr lang="ko-KR" altLang="en-US"/>
           </a:p>
@@ -858,7 +2911,7 @@
           <a:p>
             <a:fld id="{2F9A32DC-A486-42E1-880C-3BD8374EE90B}" type="datetimeFigureOut">
               <a:rPr lang="ko-KR" altLang="en-US" smtClean="0"/>
-              <a:t>2024-04-09</a:t>
+              <a:t>2024-04-17</a:t>
             </a:fld>
             <a:endParaRPr lang="ko-KR" altLang="en-US"/>
           </a:p>
@@ -1133,7 +3186,7 @@
           <a:p>
             <a:fld id="{2F9A32DC-A486-42E1-880C-3BD8374EE90B}" type="datetimeFigureOut">
               <a:rPr lang="ko-KR" altLang="en-US" smtClean="0"/>
-              <a:t>2024-04-09</a:t>
+              <a:t>2024-04-17</a:t>
             </a:fld>
             <a:endParaRPr lang="ko-KR" altLang="en-US"/>
           </a:p>
@@ -1398,7 +3451,7 @@
           <a:p>
             <a:fld id="{2F9A32DC-A486-42E1-880C-3BD8374EE90B}" type="datetimeFigureOut">
               <a:rPr lang="ko-KR" altLang="en-US" smtClean="0"/>
-              <a:t>2024-04-09</a:t>
+              <a:t>2024-04-17</a:t>
             </a:fld>
             <a:endParaRPr lang="ko-KR" altLang="en-US"/>
           </a:p>
@@ -1810,7 +3863,7 @@
           <a:p>
             <a:fld id="{2F9A32DC-A486-42E1-880C-3BD8374EE90B}" type="datetimeFigureOut">
               <a:rPr lang="ko-KR" altLang="en-US" smtClean="0"/>
-              <a:t>2024-04-09</a:t>
+              <a:t>2024-04-17</a:t>
             </a:fld>
             <a:endParaRPr lang="ko-KR" altLang="en-US"/>
           </a:p>
@@ -1951,7 +4004,7 @@
           <a:p>
             <a:fld id="{2F9A32DC-A486-42E1-880C-3BD8374EE90B}" type="datetimeFigureOut">
               <a:rPr lang="ko-KR" altLang="en-US" smtClean="0"/>
-              <a:t>2024-04-09</a:t>
+              <a:t>2024-04-17</a:t>
             </a:fld>
             <a:endParaRPr lang="ko-KR" altLang="en-US"/>
           </a:p>
@@ -2064,7 +4117,7 @@
           <a:p>
             <a:fld id="{2F9A32DC-A486-42E1-880C-3BD8374EE90B}" type="datetimeFigureOut">
               <a:rPr lang="ko-KR" altLang="en-US" smtClean="0"/>
-              <a:t>2024-04-09</a:t>
+              <a:t>2024-04-17</a:t>
             </a:fld>
             <a:endParaRPr lang="ko-KR" altLang="en-US"/>
           </a:p>
@@ -2375,7 +4428,7 @@
           <a:p>
             <a:fld id="{2F9A32DC-A486-42E1-880C-3BD8374EE90B}" type="datetimeFigureOut">
               <a:rPr lang="ko-KR" altLang="en-US" smtClean="0"/>
-              <a:t>2024-04-09</a:t>
+              <a:t>2024-04-17</a:t>
             </a:fld>
             <a:endParaRPr lang="ko-KR" altLang="en-US"/>
           </a:p>
@@ -2663,7 +4716,7 @@
           <a:p>
             <a:fld id="{2F9A32DC-A486-42E1-880C-3BD8374EE90B}" type="datetimeFigureOut">
               <a:rPr lang="ko-KR" altLang="en-US" smtClean="0"/>
-              <a:t>2024-04-09</a:t>
+              <a:t>2024-04-17</a:t>
             </a:fld>
             <a:endParaRPr lang="ko-KR" altLang="en-US"/>
           </a:p>
@@ -2904,7 +4957,7 @@
           <a:p>
             <a:fld id="{2F9A32DC-A486-42E1-880C-3BD8374EE90B}" type="datetimeFigureOut">
               <a:rPr lang="ko-KR" altLang="en-US" smtClean="0"/>
-              <a:t>2024-04-09</a:t>
+              <a:t>2024-04-17</a:t>
             </a:fld>
             <a:endParaRPr lang="ko-KR" altLang="en-US"/>
           </a:p>
@@ -3396,6 +5449,6342 @@
     <p:extLst>
       <p:ext uri="{BB962C8B-B14F-4D97-AF65-F5344CB8AC3E}">
         <p14:creationId xmlns:p14="http://schemas.microsoft.com/office/powerpoint/2010/main" val="3214515201"/>
+      </p:ext>
+    </p:extLst>
+  </p:cSld>
+  <p:clrMapOvr>
+    <a:masterClrMapping/>
+  </p:clrMapOvr>
+</p:sld>
+</file>
+
+<file path=ppt/slides/slide10.xml><?xml version="1.0" encoding="utf-8"?>
+<p:sld xmlns:a="http://schemas.openxmlformats.org/drawingml/2006/main" xmlns:r="http://schemas.openxmlformats.org/officeDocument/2006/relationships" xmlns:p="http://schemas.openxmlformats.org/presentationml/2006/main">
+  <p:cSld>
+    <p:spTree>
+      <p:nvGrpSpPr>
+        <p:cNvPr id="1" name=""/>
+        <p:cNvGrpSpPr/>
+        <p:nvPr/>
+      </p:nvGrpSpPr>
+      <p:grpSpPr>
+        <a:xfrm>
+          <a:off x="0" y="0"/>
+          <a:ext cx="0" cy="0"/>
+          <a:chOff x="0" y="0"/>
+          <a:chExt cx="0" cy="0"/>
+        </a:xfrm>
+      </p:grpSpPr>
+      <p:sp>
+        <p:nvSpPr>
+          <p:cNvPr id="4" name="TextBox 3">
+            <a:extLst>
+              <a:ext uri="{FF2B5EF4-FFF2-40B4-BE49-F238E27FC236}">
+                <a16:creationId xmlns:a16="http://schemas.microsoft.com/office/drawing/2014/main" id="{29FAE5ED-BA65-8D6C-2FA4-D5B3391B71B6}"/>
+              </a:ext>
+            </a:extLst>
+          </p:cNvPr>
+          <p:cNvSpPr txBox="1"/>
+          <p:nvPr/>
+        </p:nvSpPr>
+        <p:spPr>
+          <a:xfrm>
+            <a:off x="11664950" y="6581001"/>
+            <a:ext cx="527050" cy="276999"/>
+          </a:xfrm>
+          <a:prstGeom prst="rect">
+            <a:avLst/>
+          </a:prstGeom>
+          <a:noFill/>
+        </p:spPr>
+        <p:txBody>
+          <a:bodyPr wrap="square" rtlCol="0">
+            <a:spAutoFit/>
+          </a:bodyPr>
+          <a:lstStyle/>
+          <a:p>
+            <a:pPr algn="r"/>
+            <a:r>
+              <a:rPr lang="en-US" altLang="ko-KR" sz="1200" dirty="0"/>
+              <a:t>Ch2</a:t>
+            </a:r>
+            <a:endParaRPr lang="ko-KR" altLang="en-US" sz="1200" dirty="0"/>
+          </a:p>
+        </p:txBody>
+      </p:sp>
+      <p:sp>
+        <p:nvSpPr>
+          <p:cNvPr id="2" name="TextBox 1">
+            <a:extLst>
+              <a:ext uri="{FF2B5EF4-FFF2-40B4-BE49-F238E27FC236}">
+                <a16:creationId xmlns:a16="http://schemas.microsoft.com/office/drawing/2014/main" id="{955667E6-3F14-F68F-0A56-A90A6AB59974}"/>
+              </a:ext>
+            </a:extLst>
+          </p:cNvPr>
+          <p:cNvSpPr txBox="1"/>
+          <p:nvPr/>
+        </p:nvSpPr>
+        <p:spPr>
+          <a:xfrm>
+            <a:off x="311150" y="863243"/>
+            <a:ext cx="8350250" cy="3631763"/>
+          </a:xfrm>
+          <a:prstGeom prst="rect">
+            <a:avLst/>
+          </a:prstGeom>
+          <a:noFill/>
+        </p:spPr>
+        <p:txBody>
+          <a:bodyPr wrap="square" rtlCol="0">
+            <a:spAutoFit/>
+          </a:bodyPr>
+          <a:lstStyle/>
+          <a:p>
+            <a:r>
+              <a:rPr lang="en-US" altLang="ko-KR" sz="1500" dirty="0"/>
+              <a:t>Activity</a:t>
+            </a:r>
+          </a:p>
+          <a:p>
+            <a:pPr marL="285750" indent="-285750">
+              <a:buFontTx/>
+              <a:buChar char="-"/>
+            </a:pPr>
+            <a:r>
+              <a:rPr lang="en-US" altLang="ko-KR" sz="1300" dirty="0"/>
+              <a:t>UI </a:t>
+            </a:r>
+            <a:r>
+              <a:rPr lang="ko-KR" altLang="en-US" sz="1300" dirty="0"/>
+              <a:t>화면을 가지고 하나의 작업을 담당하는 </a:t>
+            </a:r>
+            <a:r>
+              <a:rPr lang="en-US" altLang="ko-KR" sz="1300" dirty="0"/>
+              <a:t>component</a:t>
+            </a:r>
+          </a:p>
+          <a:p>
+            <a:pPr marL="285750" indent="-285750">
+              <a:buFontTx/>
+              <a:buChar char="-"/>
+            </a:pPr>
+            <a:r>
+              <a:rPr lang="ko-KR" altLang="en-US" sz="1300" dirty="0"/>
+              <a:t>하나의 </a:t>
+            </a:r>
+            <a:r>
+              <a:rPr lang="en-US" altLang="ko-KR" sz="1300" dirty="0"/>
+              <a:t>application</a:t>
+            </a:r>
+            <a:r>
+              <a:rPr lang="ko-KR" altLang="en-US" sz="1300" dirty="0"/>
+              <a:t>은 여러 개의 </a:t>
+            </a:r>
+            <a:r>
+              <a:rPr lang="en-US" altLang="ko-KR" sz="1300" dirty="0"/>
+              <a:t>activity</a:t>
+            </a:r>
+            <a:r>
+              <a:rPr lang="ko-KR" altLang="en-US" sz="1300" dirty="0"/>
+              <a:t>를 가질 수 있음</a:t>
+            </a:r>
+            <a:endParaRPr lang="en-US" altLang="ko-KR" sz="1300" dirty="0"/>
+          </a:p>
+          <a:p>
+            <a:endParaRPr lang="en-US" altLang="ko-KR" sz="1500" dirty="0"/>
+          </a:p>
+          <a:p>
+            <a:r>
+              <a:rPr lang="en-US" altLang="ko-KR" sz="1500" dirty="0"/>
+              <a:t>Service</a:t>
+            </a:r>
+          </a:p>
+          <a:p>
+            <a:pPr marL="285750" indent="-285750">
+              <a:buFontTx/>
+              <a:buChar char="-"/>
+            </a:pPr>
+            <a:r>
+              <a:rPr lang="ko-KR" altLang="en-US" sz="1300" dirty="0"/>
+              <a:t>백그라운드에서 실행되는 </a:t>
+            </a:r>
+            <a:r>
+              <a:rPr lang="en-US" altLang="ko-KR" sz="1300" dirty="0"/>
+              <a:t>component</a:t>
+            </a:r>
+          </a:p>
+          <a:p>
+            <a:pPr marL="285750" indent="-285750">
+              <a:buFontTx/>
+              <a:buChar char="-"/>
+            </a:pPr>
+            <a:r>
+              <a:rPr lang="ko-KR" altLang="en-US" sz="1300" dirty="0"/>
+              <a:t>오랫동안 실행되는 작업이나 원격 프로세스를 위한 작업</a:t>
+            </a:r>
+            <a:endParaRPr lang="en-US" altLang="ko-KR" sz="1300" dirty="0"/>
+          </a:p>
+          <a:p>
+            <a:pPr marL="285750" indent="-285750">
+              <a:buFontTx/>
+              <a:buChar char="-"/>
+            </a:pPr>
+            <a:r>
+              <a:rPr lang="en-US" altLang="ko-KR" sz="1300" dirty="0"/>
+              <a:t>UI </a:t>
+            </a:r>
+            <a:r>
+              <a:rPr lang="ko-KR" altLang="en-US" sz="1300" dirty="0"/>
+              <a:t>화면을 가지지 않음</a:t>
+            </a:r>
+            <a:endParaRPr lang="en-US" altLang="ko-KR" sz="1300" dirty="0"/>
+          </a:p>
+          <a:p>
+            <a:endParaRPr lang="en-US" altLang="ko-KR" sz="1500" dirty="0"/>
+          </a:p>
+          <a:p>
+            <a:r>
+              <a:rPr lang="en-US" altLang="ko-KR" sz="1500" dirty="0"/>
+              <a:t>Broadcast Receiver</a:t>
+            </a:r>
+          </a:p>
+          <a:p>
+            <a:pPr marL="285750" indent="-285750">
+              <a:buFontTx/>
+              <a:buChar char="-"/>
+            </a:pPr>
+            <a:r>
+              <a:rPr lang="ko-KR" altLang="en-US" sz="1300" dirty="0"/>
+              <a:t>시스템 등에서 발생하는 </a:t>
+            </a:r>
+            <a:r>
+              <a:rPr lang="en-US" altLang="ko-KR" sz="1300" dirty="0"/>
+              <a:t>broadcast</a:t>
+            </a:r>
+            <a:r>
+              <a:rPr lang="ko-KR" altLang="en-US" sz="1300" dirty="0"/>
+              <a:t>를 받고 반응하는 </a:t>
+            </a:r>
+            <a:r>
+              <a:rPr lang="en-US" altLang="ko-KR" sz="1300" dirty="0"/>
+              <a:t>component</a:t>
+            </a:r>
+          </a:p>
+          <a:p>
+            <a:pPr marL="285750" indent="-285750">
+              <a:buFontTx/>
+              <a:buChar char="-"/>
+            </a:pPr>
+            <a:r>
+              <a:rPr lang="ko-KR" altLang="en-US" sz="1300" dirty="0"/>
+              <a:t>일반적으로 </a:t>
+            </a:r>
+            <a:r>
+              <a:rPr lang="en-US" altLang="ko-KR" sz="1300" dirty="0"/>
+              <a:t>UI</a:t>
+            </a:r>
+            <a:r>
+              <a:rPr lang="ko-KR" altLang="en-US" sz="1300" dirty="0"/>
+              <a:t>를 가지지 않음</a:t>
+            </a:r>
+            <a:endParaRPr lang="en-US" altLang="ko-KR" sz="1300" dirty="0"/>
+          </a:p>
+          <a:p>
+            <a:endParaRPr lang="en-US" altLang="ko-KR" sz="1500" dirty="0"/>
+          </a:p>
+          <a:p>
+            <a:endParaRPr lang="en-US" altLang="ko-KR" sz="1500" dirty="0"/>
+          </a:p>
+          <a:p>
+            <a:r>
+              <a:rPr lang="en-US" altLang="ko-KR" sz="1500" dirty="0"/>
+              <a:t>Content Provider</a:t>
+            </a:r>
+          </a:p>
+          <a:p>
+            <a:r>
+              <a:rPr lang="en-US" altLang="ko-KR" sz="1300" dirty="0"/>
+              <a:t>- </a:t>
+            </a:r>
+            <a:r>
+              <a:rPr lang="ko-KR" altLang="en-US" sz="1300" dirty="0"/>
+              <a:t>데이터를 관리하고 다른 </a:t>
+            </a:r>
+            <a:r>
+              <a:rPr lang="en-US" altLang="ko-KR" sz="1300" dirty="0"/>
+              <a:t>application</a:t>
+            </a:r>
+            <a:r>
+              <a:rPr lang="ko-KR" altLang="en-US" sz="1300" dirty="0"/>
+              <a:t>에 데이터를 제공하는 </a:t>
+            </a:r>
+            <a:r>
+              <a:rPr lang="en-US" altLang="ko-KR" sz="1300" dirty="0"/>
+              <a:t>component</a:t>
+            </a:r>
+            <a:endParaRPr lang="ko-KR" altLang="en-US" sz="1300" dirty="0"/>
+          </a:p>
+        </p:txBody>
+      </p:sp>
+      <p:cxnSp>
+        <p:nvCxnSpPr>
+          <p:cNvPr id="8" name="직선 연결선 7">
+            <a:extLst>
+              <a:ext uri="{FF2B5EF4-FFF2-40B4-BE49-F238E27FC236}">
+                <a16:creationId xmlns:a16="http://schemas.microsoft.com/office/drawing/2014/main" id="{DF13C32A-6CB1-3873-9027-B2750C1D390F}"/>
+              </a:ext>
+            </a:extLst>
+          </p:cNvPr>
+          <p:cNvCxnSpPr/>
+          <p:nvPr/>
+        </p:nvCxnSpPr>
+        <p:spPr>
+          <a:xfrm>
+            <a:off x="311150" y="640665"/>
+            <a:ext cx="11499850" cy="0"/>
+          </a:xfrm>
+          <a:prstGeom prst="line">
+            <a:avLst/>
+          </a:prstGeom>
+        </p:spPr>
+        <p:style>
+          <a:lnRef idx="2">
+            <a:schemeClr val="accent1"/>
+          </a:lnRef>
+          <a:fillRef idx="0">
+            <a:schemeClr val="accent1"/>
+          </a:fillRef>
+          <a:effectRef idx="1">
+            <a:schemeClr val="accent1"/>
+          </a:effectRef>
+          <a:fontRef idx="minor">
+            <a:schemeClr val="tx1"/>
+          </a:fontRef>
+        </p:style>
+      </p:cxnSp>
+      <p:sp>
+        <p:nvSpPr>
+          <p:cNvPr id="10" name="TextBox 9">
+            <a:extLst>
+              <a:ext uri="{FF2B5EF4-FFF2-40B4-BE49-F238E27FC236}">
+                <a16:creationId xmlns:a16="http://schemas.microsoft.com/office/drawing/2014/main" id="{6B9D6A29-2679-D658-96EE-B7FF0954BB32}"/>
+              </a:ext>
+            </a:extLst>
+          </p:cNvPr>
+          <p:cNvSpPr txBox="1"/>
+          <p:nvPr/>
+        </p:nvSpPr>
+        <p:spPr>
+          <a:xfrm>
+            <a:off x="311150" y="211668"/>
+            <a:ext cx="2451100" cy="323165"/>
+          </a:xfrm>
+          <a:prstGeom prst="rect">
+            <a:avLst/>
+          </a:prstGeom>
+          <a:noFill/>
+        </p:spPr>
+        <p:txBody>
+          <a:bodyPr wrap="square" rtlCol="0">
+            <a:spAutoFit/>
+          </a:bodyPr>
+          <a:lstStyle/>
+          <a:p>
+            <a:r>
+              <a:rPr lang="en-US" altLang="ko-KR" sz="1500" dirty="0"/>
+              <a:t>Manifest</a:t>
+            </a:r>
+            <a:endParaRPr lang="ko-KR" altLang="en-US" sz="1500" dirty="0"/>
+          </a:p>
+        </p:txBody>
+      </p:sp>
+      <p:sp>
+        <p:nvSpPr>
+          <p:cNvPr id="11" name="TextBox 10">
+            <a:extLst>
+              <a:ext uri="{FF2B5EF4-FFF2-40B4-BE49-F238E27FC236}">
+                <a16:creationId xmlns:a16="http://schemas.microsoft.com/office/drawing/2014/main" id="{0DD1D5B3-0EB7-C277-2DFB-ADA6049DB1CC}"/>
+              </a:ext>
+            </a:extLst>
+          </p:cNvPr>
+          <p:cNvSpPr txBox="1"/>
+          <p:nvPr/>
+        </p:nvSpPr>
+        <p:spPr>
+          <a:xfrm>
+            <a:off x="57150" y="6611778"/>
+            <a:ext cx="1479550" cy="215444"/>
+          </a:xfrm>
+          <a:prstGeom prst="rect">
+            <a:avLst/>
+          </a:prstGeom>
+          <a:noFill/>
+        </p:spPr>
+        <p:txBody>
+          <a:bodyPr wrap="square" rtlCol="0">
+            <a:spAutoFit/>
+          </a:bodyPr>
+          <a:lstStyle/>
+          <a:p>
+            <a:r>
+              <a:rPr lang="en-US" altLang="ko-KR" sz="800" dirty="0"/>
+              <a:t>UI: User Interface</a:t>
+            </a:r>
+            <a:endParaRPr lang="ko-KR" altLang="en-US" sz="800" dirty="0"/>
+          </a:p>
+        </p:txBody>
+      </p:sp>
+      <p:sp>
+        <p:nvSpPr>
+          <p:cNvPr id="12" name="TextBox 11">
+            <a:extLst>
+              <a:ext uri="{FF2B5EF4-FFF2-40B4-BE49-F238E27FC236}">
+                <a16:creationId xmlns:a16="http://schemas.microsoft.com/office/drawing/2014/main" id="{25D19196-CD30-3AF6-3F56-12A35968416D}"/>
+              </a:ext>
+            </a:extLst>
+          </p:cNvPr>
+          <p:cNvSpPr txBox="1"/>
+          <p:nvPr/>
+        </p:nvSpPr>
+        <p:spPr>
+          <a:xfrm>
+            <a:off x="311150" y="5762288"/>
+            <a:ext cx="8350250" cy="553998"/>
+          </a:xfrm>
+          <a:prstGeom prst="rect">
+            <a:avLst/>
+          </a:prstGeom>
+          <a:noFill/>
+        </p:spPr>
+        <p:txBody>
+          <a:bodyPr wrap="square" rtlCol="0">
+            <a:spAutoFit/>
+          </a:bodyPr>
+          <a:lstStyle/>
+          <a:p>
+            <a:r>
+              <a:rPr lang="en-US" altLang="ko-KR" sz="1500" dirty="0"/>
+              <a:t>Intent</a:t>
+            </a:r>
+          </a:p>
+          <a:p>
+            <a:r>
+              <a:rPr lang="en-US" altLang="ko-KR" sz="1500" dirty="0"/>
+              <a:t>- </a:t>
+            </a:r>
+            <a:endParaRPr lang="ko-KR" altLang="en-US" sz="1300" dirty="0"/>
+          </a:p>
+        </p:txBody>
+      </p:sp>
+    </p:spTree>
+    <p:extLst>
+      <p:ext uri="{BB962C8B-B14F-4D97-AF65-F5344CB8AC3E}">
+        <p14:creationId xmlns:p14="http://schemas.microsoft.com/office/powerpoint/2010/main" val="2978429721"/>
+      </p:ext>
+    </p:extLst>
+  </p:cSld>
+  <p:clrMapOvr>
+    <a:masterClrMapping/>
+  </p:clrMapOvr>
+</p:sld>
+</file>
+
+<file path=ppt/slides/slide11.xml><?xml version="1.0" encoding="utf-8"?>
+<p:sld xmlns:a="http://schemas.openxmlformats.org/drawingml/2006/main" xmlns:r="http://schemas.openxmlformats.org/officeDocument/2006/relationships" xmlns:p="http://schemas.openxmlformats.org/presentationml/2006/main">
+  <p:cSld>
+    <p:spTree>
+      <p:nvGrpSpPr>
+        <p:cNvPr id="1" name=""/>
+        <p:cNvGrpSpPr/>
+        <p:nvPr/>
+      </p:nvGrpSpPr>
+      <p:grpSpPr>
+        <a:xfrm>
+          <a:off x="0" y="0"/>
+          <a:ext cx="0" cy="0"/>
+          <a:chOff x="0" y="0"/>
+          <a:chExt cx="0" cy="0"/>
+        </a:xfrm>
+      </p:grpSpPr>
+      <p:sp>
+        <p:nvSpPr>
+          <p:cNvPr id="4" name="TextBox 3">
+            <a:extLst>
+              <a:ext uri="{FF2B5EF4-FFF2-40B4-BE49-F238E27FC236}">
+                <a16:creationId xmlns:a16="http://schemas.microsoft.com/office/drawing/2014/main" id="{29FAE5ED-BA65-8D6C-2FA4-D5B3391B71B6}"/>
+              </a:ext>
+            </a:extLst>
+          </p:cNvPr>
+          <p:cNvSpPr txBox="1"/>
+          <p:nvPr/>
+        </p:nvSpPr>
+        <p:spPr>
+          <a:xfrm>
+            <a:off x="11664950" y="6581001"/>
+            <a:ext cx="527050" cy="276999"/>
+          </a:xfrm>
+          <a:prstGeom prst="rect">
+            <a:avLst/>
+          </a:prstGeom>
+          <a:noFill/>
+        </p:spPr>
+        <p:txBody>
+          <a:bodyPr wrap="square" rtlCol="0">
+            <a:spAutoFit/>
+          </a:bodyPr>
+          <a:lstStyle/>
+          <a:p>
+            <a:pPr algn="r"/>
+            <a:r>
+              <a:rPr lang="en-US" altLang="ko-KR" sz="1200" dirty="0"/>
+              <a:t>Ch2</a:t>
+            </a:r>
+            <a:endParaRPr lang="ko-KR" altLang="en-US" sz="1200" dirty="0"/>
+          </a:p>
+        </p:txBody>
+      </p:sp>
+      <p:cxnSp>
+        <p:nvCxnSpPr>
+          <p:cNvPr id="8" name="직선 연결선 7">
+            <a:extLst>
+              <a:ext uri="{FF2B5EF4-FFF2-40B4-BE49-F238E27FC236}">
+                <a16:creationId xmlns:a16="http://schemas.microsoft.com/office/drawing/2014/main" id="{DF13C32A-6CB1-3873-9027-B2750C1D390F}"/>
+              </a:ext>
+            </a:extLst>
+          </p:cNvPr>
+          <p:cNvCxnSpPr/>
+          <p:nvPr/>
+        </p:nvCxnSpPr>
+        <p:spPr>
+          <a:xfrm>
+            <a:off x="311150" y="640665"/>
+            <a:ext cx="11499850" cy="0"/>
+          </a:xfrm>
+          <a:prstGeom prst="line">
+            <a:avLst/>
+          </a:prstGeom>
+        </p:spPr>
+        <p:style>
+          <a:lnRef idx="2">
+            <a:schemeClr val="accent1"/>
+          </a:lnRef>
+          <a:fillRef idx="0">
+            <a:schemeClr val="accent1"/>
+          </a:fillRef>
+          <a:effectRef idx="1">
+            <a:schemeClr val="accent1"/>
+          </a:effectRef>
+          <a:fontRef idx="minor">
+            <a:schemeClr val="tx1"/>
+          </a:fontRef>
+        </p:style>
+      </p:cxnSp>
+      <p:sp>
+        <p:nvSpPr>
+          <p:cNvPr id="10" name="TextBox 9">
+            <a:extLst>
+              <a:ext uri="{FF2B5EF4-FFF2-40B4-BE49-F238E27FC236}">
+                <a16:creationId xmlns:a16="http://schemas.microsoft.com/office/drawing/2014/main" id="{6B9D6A29-2679-D658-96EE-B7FF0954BB32}"/>
+              </a:ext>
+            </a:extLst>
+          </p:cNvPr>
+          <p:cNvSpPr txBox="1"/>
+          <p:nvPr/>
+        </p:nvSpPr>
+        <p:spPr>
+          <a:xfrm>
+            <a:off x="311150" y="211668"/>
+            <a:ext cx="2451100" cy="323165"/>
+          </a:xfrm>
+          <a:prstGeom prst="rect">
+            <a:avLst/>
+          </a:prstGeom>
+          <a:noFill/>
+        </p:spPr>
+        <p:txBody>
+          <a:bodyPr wrap="square" rtlCol="0">
+            <a:spAutoFit/>
+          </a:bodyPr>
+          <a:lstStyle/>
+          <a:p>
+            <a:r>
+              <a:rPr lang="en-US" altLang="ko-KR" sz="1500" dirty="0"/>
+              <a:t>Example Code 1</a:t>
+            </a:r>
+            <a:endParaRPr lang="ko-KR" altLang="en-US" sz="1500" dirty="0"/>
+          </a:p>
+        </p:txBody>
+      </p:sp>
+      <p:sp>
+        <p:nvSpPr>
+          <p:cNvPr id="12" name="TextBox 11">
+            <a:extLst>
+              <a:ext uri="{FF2B5EF4-FFF2-40B4-BE49-F238E27FC236}">
+                <a16:creationId xmlns:a16="http://schemas.microsoft.com/office/drawing/2014/main" id="{25D19196-CD30-3AF6-3F56-12A35968416D}"/>
+              </a:ext>
+            </a:extLst>
+          </p:cNvPr>
+          <p:cNvSpPr txBox="1"/>
+          <p:nvPr/>
+        </p:nvSpPr>
+        <p:spPr>
+          <a:xfrm>
+            <a:off x="8321675" y="1256963"/>
+            <a:ext cx="2070100" cy="323165"/>
+          </a:xfrm>
+          <a:prstGeom prst="rect">
+            <a:avLst/>
+          </a:prstGeom>
+          <a:noFill/>
+        </p:spPr>
+        <p:txBody>
+          <a:bodyPr wrap="square" rtlCol="0">
+            <a:spAutoFit/>
+          </a:bodyPr>
+          <a:lstStyle/>
+          <a:p>
+            <a:r>
+              <a:rPr lang="ko-KR" altLang="en-US" sz="1500" dirty="0"/>
+              <a:t>결과 화면</a:t>
+            </a:r>
+            <a:endParaRPr lang="ko-KR" altLang="en-US" sz="1300" dirty="0"/>
+          </a:p>
+        </p:txBody>
+      </p:sp>
+      <p:sp>
+        <p:nvSpPr>
+          <p:cNvPr id="3" name="TextBox 2">
+            <a:extLst>
+              <a:ext uri="{FF2B5EF4-FFF2-40B4-BE49-F238E27FC236}">
+                <a16:creationId xmlns:a16="http://schemas.microsoft.com/office/drawing/2014/main" id="{20A2AEFB-C515-D6E6-BB3D-D5678AF230A5}"/>
+              </a:ext>
+            </a:extLst>
+          </p:cNvPr>
+          <p:cNvSpPr txBox="1"/>
+          <p:nvPr/>
+        </p:nvSpPr>
+        <p:spPr>
+          <a:xfrm>
+            <a:off x="501650" y="1256963"/>
+            <a:ext cx="2070100" cy="292388"/>
+          </a:xfrm>
+          <a:prstGeom prst="rect">
+            <a:avLst/>
+          </a:prstGeom>
+          <a:noFill/>
+        </p:spPr>
+        <p:txBody>
+          <a:bodyPr wrap="square" rtlCol="0">
+            <a:spAutoFit/>
+          </a:bodyPr>
+          <a:lstStyle/>
+          <a:p>
+            <a:r>
+              <a:rPr lang="en-US" altLang="ko-KR" sz="1300"/>
+              <a:t>Layout XML &amp; </a:t>
+            </a:r>
+            <a:r>
+              <a:rPr lang="ko-KR" altLang="en-US" sz="1300" dirty="0"/>
+              <a:t>화면</a:t>
+            </a:r>
+          </a:p>
+        </p:txBody>
+      </p:sp>
+      <p:sp>
+        <p:nvSpPr>
+          <p:cNvPr id="5" name="TextBox 4">
+            <a:extLst>
+              <a:ext uri="{FF2B5EF4-FFF2-40B4-BE49-F238E27FC236}">
+                <a16:creationId xmlns:a16="http://schemas.microsoft.com/office/drawing/2014/main" id="{18F1723F-B6CA-940F-8938-C1013550CC2A}"/>
+              </a:ext>
+            </a:extLst>
+          </p:cNvPr>
+          <p:cNvSpPr txBox="1"/>
+          <p:nvPr/>
+        </p:nvSpPr>
+        <p:spPr>
+          <a:xfrm>
+            <a:off x="501650" y="4571663"/>
+            <a:ext cx="2070100" cy="292388"/>
+          </a:xfrm>
+          <a:prstGeom prst="rect">
+            <a:avLst/>
+          </a:prstGeom>
+          <a:noFill/>
+        </p:spPr>
+        <p:txBody>
+          <a:bodyPr wrap="square" rtlCol="0">
+            <a:spAutoFit/>
+          </a:bodyPr>
+          <a:lstStyle/>
+          <a:p>
+            <a:r>
+              <a:rPr lang="en-US" altLang="ko-KR" sz="1300" dirty="0"/>
+              <a:t>Main</a:t>
+            </a:r>
+            <a:r>
+              <a:rPr lang="ko-KR" altLang="en-US" sz="1300" dirty="0"/>
+              <a:t> </a:t>
+            </a:r>
+            <a:r>
+              <a:rPr lang="en-US" altLang="ko-KR" sz="1300" dirty="0"/>
+              <a:t>Java</a:t>
+            </a:r>
+            <a:r>
+              <a:rPr lang="ko-KR" altLang="en-US" sz="1300" dirty="0"/>
+              <a:t> 코드</a:t>
+            </a:r>
+          </a:p>
+        </p:txBody>
+      </p:sp>
+    </p:spTree>
+    <p:extLst>
+      <p:ext uri="{BB962C8B-B14F-4D97-AF65-F5344CB8AC3E}">
+        <p14:creationId xmlns:p14="http://schemas.microsoft.com/office/powerpoint/2010/main" val="197607691"/>
+      </p:ext>
+    </p:extLst>
+  </p:cSld>
+  <p:clrMapOvr>
+    <a:masterClrMapping/>
+  </p:clrMapOvr>
+</p:sld>
+</file>
+
+<file path=ppt/slides/slide12.xml><?xml version="1.0" encoding="utf-8"?>
+<p:sld xmlns:a="http://schemas.openxmlformats.org/drawingml/2006/main" xmlns:r="http://schemas.openxmlformats.org/officeDocument/2006/relationships" xmlns:p="http://schemas.openxmlformats.org/presentationml/2006/main">
+  <p:cSld>
+    <p:spTree>
+      <p:nvGrpSpPr>
+        <p:cNvPr id="1" name=""/>
+        <p:cNvGrpSpPr/>
+        <p:nvPr/>
+      </p:nvGrpSpPr>
+      <p:grpSpPr>
+        <a:xfrm>
+          <a:off x="0" y="0"/>
+          <a:ext cx="0" cy="0"/>
+          <a:chOff x="0" y="0"/>
+          <a:chExt cx="0" cy="0"/>
+        </a:xfrm>
+      </p:grpSpPr>
+      <p:sp>
+        <p:nvSpPr>
+          <p:cNvPr id="4" name="TextBox 3">
+            <a:extLst>
+              <a:ext uri="{FF2B5EF4-FFF2-40B4-BE49-F238E27FC236}">
+                <a16:creationId xmlns:a16="http://schemas.microsoft.com/office/drawing/2014/main" id="{29FAE5ED-BA65-8D6C-2FA4-D5B3391B71B6}"/>
+              </a:ext>
+            </a:extLst>
+          </p:cNvPr>
+          <p:cNvSpPr txBox="1"/>
+          <p:nvPr/>
+        </p:nvSpPr>
+        <p:spPr>
+          <a:xfrm>
+            <a:off x="11664950" y="6581001"/>
+            <a:ext cx="527050" cy="276999"/>
+          </a:xfrm>
+          <a:prstGeom prst="rect">
+            <a:avLst/>
+          </a:prstGeom>
+          <a:noFill/>
+        </p:spPr>
+        <p:txBody>
+          <a:bodyPr wrap="square" rtlCol="0">
+            <a:spAutoFit/>
+          </a:bodyPr>
+          <a:lstStyle/>
+          <a:p>
+            <a:pPr algn="r"/>
+            <a:r>
+              <a:rPr lang="en-US" altLang="ko-KR" sz="1200" dirty="0"/>
+              <a:t>Ch2</a:t>
+            </a:r>
+            <a:endParaRPr lang="ko-KR" altLang="en-US" sz="1200" dirty="0"/>
+          </a:p>
+        </p:txBody>
+      </p:sp>
+      <p:cxnSp>
+        <p:nvCxnSpPr>
+          <p:cNvPr id="8" name="직선 연결선 7">
+            <a:extLst>
+              <a:ext uri="{FF2B5EF4-FFF2-40B4-BE49-F238E27FC236}">
+                <a16:creationId xmlns:a16="http://schemas.microsoft.com/office/drawing/2014/main" id="{DF13C32A-6CB1-3873-9027-B2750C1D390F}"/>
+              </a:ext>
+            </a:extLst>
+          </p:cNvPr>
+          <p:cNvCxnSpPr/>
+          <p:nvPr/>
+        </p:nvCxnSpPr>
+        <p:spPr>
+          <a:xfrm>
+            <a:off x="311150" y="640665"/>
+            <a:ext cx="11499850" cy="0"/>
+          </a:xfrm>
+          <a:prstGeom prst="line">
+            <a:avLst/>
+          </a:prstGeom>
+        </p:spPr>
+        <p:style>
+          <a:lnRef idx="2">
+            <a:schemeClr val="accent1"/>
+          </a:lnRef>
+          <a:fillRef idx="0">
+            <a:schemeClr val="accent1"/>
+          </a:fillRef>
+          <a:effectRef idx="1">
+            <a:schemeClr val="accent1"/>
+          </a:effectRef>
+          <a:fontRef idx="minor">
+            <a:schemeClr val="tx1"/>
+          </a:fontRef>
+        </p:style>
+      </p:cxnSp>
+      <p:sp>
+        <p:nvSpPr>
+          <p:cNvPr id="10" name="TextBox 9">
+            <a:extLst>
+              <a:ext uri="{FF2B5EF4-FFF2-40B4-BE49-F238E27FC236}">
+                <a16:creationId xmlns:a16="http://schemas.microsoft.com/office/drawing/2014/main" id="{6B9D6A29-2679-D658-96EE-B7FF0954BB32}"/>
+              </a:ext>
+            </a:extLst>
+          </p:cNvPr>
+          <p:cNvSpPr txBox="1"/>
+          <p:nvPr/>
+        </p:nvSpPr>
+        <p:spPr>
+          <a:xfrm>
+            <a:off x="311150" y="211668"/>
+            <a:ext cx="2451100" cy="323165"/>
+          </a:xfrm>
+          <a:prstGeom prst="rect">
+            <a:avLst/>
+          </a:prstGeom>
+          <a:noFill/>
+        </p:spPr>
+        <p:txBody>
+          <a:bodyPr wrap="square" rtlCol="0">
+            <a:spAutoFit/>
+          </a:bodyPr>
+          <a:lstStyle/>
+          <a:p>
+            <a:r>
+              <a:rPr lang="en-US" altLang="ko-KR" sz="1500" dirty="0"/>
+              <a:t>Example Code 2</a:t>
+            </a:r>
+            <a:endParaRPr lang="ko-KR" altLang="en-US" sz="1500" dirty="0"/>
+          </a:p>
+        </p:txBody>
+      </p:sp>
+      <p:sp>
+        <p:nvSpPr>
+          <p:cNvPr id="12" name="TextBox 11">
+            <a:extLst>
+              <a:ext uri="{FF2B5EF4-FFF2-40B4-BE49-F238E27FC236}">
+                <a16:creationId xmlns:a16="http://schemas.microsoft.com/office/drawing/2014/main" id="{25D19196-CD30-3AF6-3F56-12A35968416D}"/>
+              </a:ext>
+            </a:extLst>
+          </p:cNvPr>
+          <p:cNvSpPr txBox="1"/>
+          <p:nvPr/>
+        </p:nvSpPr>
+        <p:spPr>
+          <a:xfrm>
+            <a:off x="8321675" y="1256963"/>
+            <a:ext cx="2070100" cy="323165"/>
+          </a:xfrm>
+          <a:prstGeom prst="rect">
+            <a:avLst/>
+          </a:prstGeom>
+          <a:noFill/>
+        </p:spPr>
+        <p:txBody>
+          <a:bodyPr wrap="square" rtlCol="0">
+            <a:spAutoFit/>
+          </a:bodyPr>
+          <a:lstStyle/>
+          <a:p>
+            <a:r>
+              <a:rPr lang="ko-KR" altLang="en-US" sz="1500" dirty="0"/>
+              <a:t>결과 화면</a:t>
+            </a:r>
+            <a:endParaRPr lang="ko-KR" altLang="en-US" sz="1300" dirty="0"/>
+          </a:p>
+        </p:txBody>
+      </p:sp>
+      <p:sp>
+        <p:nvSpPr>
+          <p:cNvPr id="3" name="TextBox 2">
+            <a:extLst>
+              <a:ext uri="{FF2B5EF4-FFF2-40B4-BE49-F238E27FC236}">
+                <a16:creationId xmlns:a16="http://schemas.microsoft.com/office/drawing/2014/main" id="{20A2AEFB-C515-D6E6-BB3D-D5678AF230A5}"/>
+              </a:ext>
+            </a:extLst>
+          </p:cNvPr>
+          <p:cNvSpPr txBox="1"/>
+          <p:nvPr/>
+        </p:nvSpPr>
+        <p:spPr>
+          <a:xfrm>
+            <a:off x="501650" y="1256963"/>
+            <a:ext cx="2070100" cy="292388"/>
+          </a:xfrm>
+          <a:prstGeom prst="rect">
+            <a:avLst/>
+          </a:prstGeom>
+          <a:noFill/>
+        </p:spPr>
+        <p:txBody>
+          <a:bodyPr wrap="square" rtlCol="0">
+            <a:spAutoFit/>
+          </a:bodyPr>
+          <a:lstStyle/>
+          <a:p>
+            <a:r>
+              <a:rPr lang="en-US" altLang="ko-KR" sz="1300"/>
+              <a:t>Layout XML &amp; </a:t>
+            </a:r>
+            <a:r>
+              <a:rPr lang="ko-KR" altLang="en-US" sz="1300" dirty="0"/>
+              <a:t>화면</a:t>
+            </a:r>
+          </a:p>
+        </p:txBody>
+      </p:sp>
+      <p:sp>
+        <p:nvSpPr>
+          <p:cNvPr id="5" name="TextBox 4">
+            <a:extLst>
+              <a:ext uri="{FF2B5EF4-FFF2-40B4-BE49-F238E27FC236}">
+                <a16:creationId xmlns:a16="http://schemas.microsoft.com/office/drawing/2014/main" id="{18F1723F-B6CA-940F-8938-C1013550CC2A}"/>
+              </a:ext>
+            </a:extLst>
+          </p:cNvPr>
+          <p:cNvSpPr txBox="1"/>
+          <p:nvPr/>
+        </p:nvSpPr>
+        <p:spPr>
+          <a:xfrm>
+            <a:off x="501650" y="4571663"/>
+            <a:ext cx="2070100" cy="292388"/>
+          </a:xfrm>
+          <a:prstGeom prst="rect">
+            <a:avLst/>
+          </a:prstGeom>
+          <a:noFill/>
+        </p:spPr>
+        <p:txBody>
+          <a:bodyPr wrap="square" rtlCol="0">
+            <a:spAutoFit/>
+          </a:bodyPr>
+          <a:lstStyle/>
+          <a:p>
+            <a:r>
+              <a:rPr lang="en-US" altLang="ko-KR" sz="1300" dirty="0"/>
+              <a:t>Main</a:t>
+            </a:r>
+            <a:r>
+              <a:rPr lang="ko-KR" altLang="en-US" sz="1300" dirty="0"/>
+              <a:t> </a:t>
+            </a:r>
+            <a:r>
+              <a:rPr lang="en-US" altLang="ko-KR" sz="1300" dirty="0"/>
+              <a:t>Java</a:t>
+            </a:r>
+            <a:r>
+              <a:rPr lang="ko-KR" altLang="en-US" sz="1300" dirty="0"/>
+              <a:t> 코드</a:t>
+            </a:r>
+          </a:p>
+        </p:txBody>
+      </p:sp>
+    </p:spTree>
+    <p:extLst>
+      <p:ext uri="{BB962C8B-B14F-4D97-AF65-F5344CB8AC3E}">
+        <p14:creationId xmlns:p14="http://schemas.microsoft.com/office/powerpoint/2010/main" val="2506848159"/>
+      </p:ext>
+    </p:extLst>
+  </p:cSld>
+  <p:clrMapOvr>
+    <a:masterClrMapping/>
+  </p:clrMapOvr>
+</p:sld>
+</file>
+
+<file path=ppt/slides/slide13.xml><?xml version="1.0" encoding="utf-8"?>
+<p:sld xmlns:a="http://schemas.openxmlformats.org/drawingml/2006/main" xmlns:r="http://schemas.openxmlformats.org/officeDocument/2006/relationships" xmlns:p="http://schemas.openxmlformats.org/presentationml/2006/main">
+  <p:cSld>
+    <p:spTree>
+      <p:nvGrpSpPr>
+        <p:cNvPr id="1" name=""/>
+        <p:cNvGrpSpPr/>
+        <p:nvPr/>
+      </p:nvGrpSpPr>
+      <p:grpSpPr>
+        <a:xfrm>
+          <a:off x="0" y="0"/>
+          <a:ext cx="0" cy="0"/>
+          <a:chOff x="0" y="0"/>
+          <a:chExt cx="0" cy="0"/>
+        </a:xfrm>
+      </p:grpSpPr>
+      <p:sp>
+        <p:nvSpPr>
+          <p:cNvPr id="4" name="TextBox 3">
+            <a:extLst>
+              <a:ext uri="{FF2B5EF4-FFF2-40B4-BE49-F238E27FC236}">
+                <a16:creationId xmlns:a16="http://schemas.microsoft.com/office/drawing/2014/main" id="{29FAE5ED-BA65-8D6C-2FA4-D5B3391B71B6}"/>
+              </a:ext>
+            </a:extLst>
+          </p:cNvPr>
+          <p:cNvSpPr txBox="1"/>
+          <p:nvPr/>
+        </p:nvSpPr>
+        <p:spPr>
+          <a:xfrm>
+            <a:off x="11664950" y="6581001"/>
+            <a:ext cx="527050" cy="276999"/>
+          </a:xfrm>
+          <a:prstGeom prst="rect">
+            <a:avLst/>
+          </a:prstGeom>
+          <a:noFill/>
+        </p:spPr>
+        <p:txBody>
+          <a:bodyPr wrap="square" rtlCol="0">
+            <a:spAutoFit/>
+          </a:bodyPr>
+          <a:lstStyle/>
+          <a:p>
+            <a:pPr algn="r"/>
+            <a:r>
+              <a:rPr lang="en-US" altLang="ko-KR" sz="1200" dirty="0"/>
+              <a:t>Ch2</a:t>
+            </a:r>
+            <a:endParaRPr lang="ko-KR" altLang="en-US" sz="1200" dirty="0"/>
+          </a:p>
+        </p:txBody>
+      </p:sp>
+      <p:cxnSp>
+        <p:nvCxnSpPr>
+          <p:cNvPr id="8" name="직선 연결선 7">
+            <a:extLst>
+              <a:ext uri="{FF2B5EF4-FFF2-40B4-BE49-F238E27FC236}">
+                <a16:creationId xmlns:a16="http://schemas.microsoft.com/office/drawing/2014/main" id="{DF13C32A-6CB1-3873-9027-B2750C1D390F}"/>
+              </a:ext>
+            </a:extLst>
+          </p:cNvPr>
+          <p:cNvCxnSpPr/>
+          <p:nvPr/>
+        </p:nvCxnSpPr>
+        <p:spPr>
+          <a:xfrm>
+            <a:off x="311150" y="640665"/>
+            <a:ext cx="11499850" cy="0"/>
+          </a:xfrm>
+          <a:prstGeom prst="line">
+            <a:avLst/>
+          </a:prstGeom>
+        </p:spPr>
+        <p:style>
+          <a:lnRef idx="2">
+            <a:schemeClr val="accent1"/>
+          </a:lnRef>
+          <a:fillRef idx="0">
+            <a:schemeClr val="accent1"/>
+          </a:fillRef>
+          <a:effectRef idx="1">
+            <a:schemeClr val="accent1"/>
+          </a:effectRef>
+          <a:fontRef idx="minor">
+            <a:schemeClr val="tx1"/>
+          </a:fontRef>
+        </p:style>
+      </p:cxnSp>
+      <p:sp>
+        <p:nvSpPr>
+          <p:cNvPr id="10" name="TextBox 9">
+            <a:extLst>
+              <a:ext uri="{FF2B5EF4-FFF2-40B4-BE49-F238E27FC236}">
+                <a16:creationId xmlns:a16="http://schemas.microsoft.com/office/drawing/2014/main" id="{6B9D6A29-2679-D658-96EE-B7FF0954BB32}"/>
+              </a:ext>
+            </a:extLst>
+          </p:cNvPr>
+          <p:cNvSpPr txBox="1"/>
+          <p:nvPr/>
+        </p:nvSpPr>
+        <p:spPr>
+          <a:xfrm>
+            <a:off x="311150" y="211668"/>
+            <a:ext cx="2451100" cy="323165"/>
+          </a:xfrm>
+          <a:prstGeom prst="rect">
+            <a:avLst/>
+          </a:prstGeom>
+          <a:noFill/>
+        </p:spPr>
+        <p:txBody>
+          <a:bodyPr wrap="square" rtlCol="0">
+            <a:spAutoFit/>
+          </a:bodyPr>
+          <a:lstStyle/>
+          <a:p>
+            <a:r>
+              <a:rPr lang="en-US" altLang="ko-KR" sz="1500" dirty="0"/>
+              <a:t>Example Code 3</a:t>
+            </a:r>
+            <a:endParaRPr lang="ko-KR" altLang="en-US" sz="1500" dirty="0"/>
+          </a:p>
+        </p:txBody>
+      </p:sp>
+      <p:sp>
+        <p:nvSpPr>
+          <p:cNvPr id="12" name="TextBox 11">
+            <a:extLst>
+              <a:ext uri="{FF2B5EF4-FFF2-40B4-BE49-F238E27FC236}">
+                <a16:creationId xmlns:a16="http://schemas.microsoft.com/office/drawing/2014/main" id="{25D19196-CD30-3AF6-3F56-12A35968416D}"/>
+              </a:ext>
+            </a:extLst>
+          </p:cNvPr>
+          <p:cNvSpPr txBox="1"/>
+          <p:nvPr/>
+        </p:nvSpPr>
+        <p:spPr>
+          <a:xfrm>
+            <a:off x="8321675" y="1256963"/>
+            <a:ext cx="2070100" cy="323165"/>
+          </a:xfrm>
+          <a:prstGeom prst="rect">
+            <a:avLst/>
+          </a:prstGeom>
+          <a:noFill/>
+        </p:spPr>
+        <p:txBody>
+          <a:bodyPr wrap="square" rtlCol="0">
+            <a:spAutoFit/>
+          </a:bodyPr>
+          <a:lstStyle/>
+          <a:p>
+            <a:r>
+              <a:rPr lang="ko-KR" altLang="en-US" sz="1500" dirty="0"/>
+              <a:t>결과 화면</a:t>
+            </a:r>
+            <a:endParaRPr lang="ko-KR" altLang="en-US" sz="1300" dirty="0"/>
+          </a:p>
+        </p:txBody>
+      </p:sp>
+      <p:sp>
+        <p:nvSpPr>
+          <p:cNvPr id="3" name="TextBox 2">
+            <a:extLst>
+              <a:ext uri="{FF2B5EF4-FFF2-40B4-BE49-F238E27FC236}">
+                <a16:creationId xmlns:a16="http://schemas.microsoft.com/office/drawing/2014/main" id="{20A2AEFB-C515-D6E6-BB3D-D5678AF230A5}"/>
+              </a:ext>
+            </a:extLst>
+          </p:cNvPr>
+          <p:cNvSpPr txBox="1"/>
+          <p:nvPr/>
+        </p:nvSpPr>
+        <p:spPr>
+          <a:xfrm>
+            <a:off x="501650" y="1256963"/>
+            <a:ext cx="2070100" cy="292388"/>
+          </a:xfrm>
+          <a:prstGeom prst="rect">
+            <a:avLst/>
+          </a:prstGeom>
+          <a:noFill/>
+        </p:spPr>
+        <p:txBody>
+          <a:bodyPr wrap="square" rtlCol="0">
+            <a:spAutoFit/>
+          </a:bodyPr>
+          <a:lstStyle/>
+          <a:p>
+            <a:r>
+              <a:rPr lang="en-US" altLang="ko-KR" sz="1300"/>
+              <a:t>Layout XML &amp; </a:t>
+            </a:r>
+            <a:r>
+              <a:rPr lang="ko-KR" altLang="en-US" sz="1300" dirty="0"/>
+              <a:t>화면</a:t>
+            </a:r>
+          </a:p>
+        </p:txBody>
+      </p:sp>
+      <p:sp>
+        <p:nvSpPr>
+          <p:cNvPr id="5" name="TextBox 4">
+            <a:extLst>
+              <a:ext uri="{FF2B5EF4-FFF2-40B4-BE49-F238E27FC236}">
+                <a16:creationId xmlns:a16="http://schemas.microsoft.com/office/drawing/2014/main" id="{18F1723F-B6CA-940F-8938-C1013550CC2A}"/>
+              </a:ext>
+            </a:extLst>
+          </p:cNvPr>
+          <p:cNvSpPr txBox="1"/>
+          <p:nvPr/>
+        </p:nvSpPr>
+        <p:spPr>
+          <a:xfrm>
+            <a:off x="501650" y="4571663"/>
+            <a:ext cx="2070100" cy="292388"/>
+          </a:xfrm>
+          <a:prstGeom prst="rect">
+            <a:avLst/>
+          </a:prstGeom>
+          <a:noFill/>
+        </p:spPr>
+        <p:txBody>
+          <a:bodyPr wrap="square" rtlCol="0">
+            <a:spAutoFit/>
+          </a:bodyPr>
+          <a:lstStyle/>
+          <a:p>
+            <a:r>
+              <a:rPr lang="en-US" altLang="ko-KR" sz="1300" dirty="0"/>
+              <a:t>Main</a:t>
+            </a:r>
+            <a:r>
+              <a:rPr lang="ko-KR" altLang="en-US" sz="1300" dirty="0"/>
+              <a:t> </a:t>
+            </a:r>
+            <a:r>
+              <a:rPr lang="en-US" altLang="ko-KR" sz="1300" dirty="0"/>
+              <a:t>Java</a:t>
+            </a:r>
+            <a:r>
+              <a:rPr lang="ko-KR" altLang="en-US" sz="1300" dirty="0"/>
+              <a:t> 코드</a:t>
+            </a:r>
+          </a:p>
+        </p:txBody>
+      </p:sp>
+    </p:spTree>
+    <p:extLst>
+      <p:ext uri="{BB962C8B-B14F-4D97-AF65-F5344CB8AC3E}">
+        <p14:creationId xmlns:p14="http://schemas.microsoft.com/office/powerpoint/2010/main" val="2942369541"/>
+      </p:ext>
+    </p:extLst>
+  </p:cSld>
+  <p:clrMapOvr>
+    <a:masterClrMapping/>
+  </p:clrMapOvr>
+</p:sld>
+</file>
+
+<file path=ppt/slides/slide14.xml><?xml version="1.0" encoding="utf-8"?>
+<p:sld xmlns:a="http://schemas.openxmlformats.org/drawingml/2006/main" xmlns:r="http://schemas.openxmlformats.org/officeDocument/2006/relationships" xmlns:p="http://schemas.openxmlformats.org/presentationml/2006/main">
+  <p:cSld>
+    <p:spTree>
+      <p:nvGrpSpPr>
+        <p:cNvPr id="1" name=""/>
+        <p:cNvGrpSpPr/>
+        <p:nvPr/>
+      </p:nvGrpSpPr>
+      <p:grpSpPr>
+        <a:xfrm>
+          <a:off x="0" y="0"/>
+          <a:ext cx="0" cy="0"/>
+          <a:chOff x="0" y="0"/>
+          <a:chExt cx="0" cy="0"/>
+        </a:xfrm>
+      </p:grpSpPr>
+      <p:sp>
+        <p:nvSpPr>
+          <p:cNvPr id="4" name="TextBox 3">
+            <a:extLst>
+              <a:ext uri="{FF2B5EF4-FFF2-40B4-BE49-F238E27FC236}">
+                <a16:creationId xmlns:a16="http://schemas.microsoft.com/office/drawing/2014/main" id="{29FAE5ED-BA65-8D6C-2FA4-D5B3391B71B6}"/>
+              </a:ext>
+            </a:extLst>
+          </p:cNvPr>
+          <p:cNvSpPr txBox="1"/>
+          <p:nvPr/>
+        </p:nvSpPr>
+        <p:spPr>
+          <a:xfrm>
+            <a:off x="11664950" y="6581001"/>
+            <a:ext cx="527050" cy="276999"/>
+          </a:xfrm>
+          <a:prstGeom prst="rect">
+            <a:avLst/>
+          </a:prstGeom>
+          <a:noFill/>
+        </p:spPr>
+        <p:txBody>
+          <a:bodyPr wrap="square" rtlCol="0">
+            <a:spAutoFit/>
+          </a:bodyPr>
+          <a:lstStyle/>
+          <a:p>
+            <a:pPr algn="r"/>
+            <a:r>
+              <a:rPr lang="en-US" altLang="ko-KR" sz="1200" dirty="0"/>
+              <a:t>Ch2</a:t>
+            </a:r>
+            <a:endParaRPr lang="ko-KR" altLang="en-US" sz="1200" dirty="0"/>
+          </a:p>
+        </p:txBody>
+      </p:sp>
+      <p:cxnSp>
+        <p:nvCxnSpPr>
+          <p:cNvPr id="8" name="직선 연결선 7">
+            <a:extLst>
+              <a:ext uri="{FF2B5EF4-FFF2-40B4-BE49-F238E27FC236}">
+                <a16:creationId xmlns:a16="http://schemas.microsoft.com/office/drawing/2014/main" id="{DF13C32A-6CB1-3873-9027-B2750C1D390F}"/>
+              </a:ext>
+            </a:extLst>
+          </p:cNvPr>
+          <p:cNvCxnSpPr/>
+          <p:nvPr/>
+        </p:nvCxnSpPr>
+        <p:spPr>
+          <a:xfrm>
+            <a:off x="311150" y="640665"/>
+            <a:ext cx="11499850" cy="0"/>
+          </a:xfrm>
+          <a:prstGeom prst="line">
+            <a:avLst/>
+          </a:prstGeom>
+        </p:spPr>
+        <p:style>
+          <a:lnRef idx="2">
+            <a:schemeClr val="accent1"/>
+          </a:lnRef>
+          <a:fillRef idx="0">
+            <a:schemeClr val="accent1"/>
+          </a:fillRef>
+          <a:effectRef idx="1">
+            <a:schemeClr val="accent1"/>
+          </a:effectRef>
+          <a:fontRef idx="minor">
+            <a:schemeClr val="tx1"/>
+          </a:fontRef>
+        </p:style>
+      </p:cxnSp>
+      <p:sp>
+        <p:nvSpPr>
+          <p:cNvPr id="10" name="TextBox 9">
+            <a:extLst>
+              <a:ext uri="{FF2B5EF4-FFF2-40B4-BE49-F238E27FC236}">
+                <a16:creationId xmlns:a16="http://schemas.microsoft.com/office/drawing/2014/main" id="{6B9D6A29-2679-D658-96EE-B7FF0954BB32}"/>
+              </a:ext>
+            </a:extLst>
+          </p:cNvPr>
+          <p:cNvSpPr txBox="1"/>
+          <p:nvPr/>
+        </p:nvSpPr>
+        <p:spPr>
+          <a:xfrm>
+            <a:off x="311150" y="211668"/>
+            <a:ext cx="2451100" cy="323165"/>
+          </a:xfrm>
+          <a:prstGeom prst="rect">
+            <a:avLst/>
+          </a:prstGeom>
+          <a:noFill/>
+        </p:spPr>
+        <p:txBody>
+          <a:bodyPr wrap="square" rtlCol="0">
+            <a:spAutoFit/>
+          </a:bodyPr>
+          <a:lstStyle/>
+          <a:p>
+            <a:r>
+              <a:rPr lang="en-US" altLang="ko-KR" sz="1500" dirty="0"/>
+              <a:t>Example Code 4</a:t>
+            </a:r>
+            <a:endParaRPr lang="ko-KR" altLang="en-US" sz="1500" dirty="0"/>
+          </a:p>
+        </p:txBody>
+      </p:sp>
+      <p:sp>
+        <p:nvSpPr>
+          <p:cNvPr id="12" name="TextBox 11">
+            <a:extLst>
+              <a:ext uri="{FF2B5EF4-FFF2-40B4-BE49-F238E27FC236}">
+                <a16:creationId xmlns:a16="http://schemas.microsoft.com/office/drawing/2014/main" id="{25D19196-CD30-3AF6-3F56-12A35968416D}"/>
+              </a:ext>
+            </a:extLst>
+          </p:cNvPr>
+          <p:cNvSpPr txBox="1"/>
+          <p:nvPr/>
+        </p:nvSpPr>
+        <p:spPr>
+          <a:xfrm>
+            <a:off x="8321675" y="1256963"/>
+            <a:ext cx="2070100" cy="323165"/>
+          </a:xfrm>
+          <a:prstGeom prst="rect">
+            <a:avLst/>
+          </a:prstGeom>
+          <a:noFill/>
+        </p:spPr>
+        <p:txBody>
+          <a:bodyPr wrap="square" rtlCol="0">
+            <a:spAutoFit/>
+          </a:bodyPr>
+          <a:lstStyle/>
+          <a:p>
+            <a:r>
+              <a:rPr lang="ko-KR" altLang="en-US" sz="1500" dirty="0"/>
+              <a:t>결과 화면</a:t>
+            </a:r>
+            <a:endParaRPr lang="ko-KR" altLang="en-US" sz="1300" dirty="0"/>
+          </a:p>
+        </p:txBody>
+      </p:sp>
+      <p:sp>
+        <p:nvSpPr>
+          <p:cNvPr id="3" name="TextBox 2">
+            <a:extLst>
+              <a:ext uri="{FF2B5EF4-FFF2-40B4-BE49-F238E27FC236}">
+                <a16:creationId xmlns:a16="http://schemas.microsoft.com/office/drawing/2014/main" id="{20A2AEFB-C515-D6E6-BB3D-D5678AF230A5}"/>
+              </a:ext>
+            </a:extLst>
+          </p:cNvPr>
+          <p:cNvSpPr txBox="1"/>
+          <p:nvPr/>
+        </p:nvSpPr>
+        <p:spPr>
+          <a:xfrm>
+            <a:off x="501650" y="1256963"/>
+            <a:ext cx="2070100" cy="292388"/>
+          </a:xfrm>
+          <a:prstGeom prst="rect">
+            <a:avLst/>
+          </a:prstGeom>
+          <a:noFill/>
+        </p:spPr>
+        <p:txBody>
+          <a:bodyPr wrap="square" rtlCol="0">
+            <a:spAutoFit/>
+          </a:bodyPr>
+          <a:lstStyle/>
+          <a:p>
+            <a:r>
+              <a:rPr lang="en-US" altLang="ko-KR" sz="1300"/>
+              <a:t>Layout XML &amp; </a:t>
+            </a:r>
+            <a:r>
+              <a:rPr lang="ko-KR" altLang="en-US" sz="1300" dirty="0"/>
+              <a:t>화면</a:t>
+            </a:r>
+          </a:p>
+        </p:txBody>
+      </p:sp>
+      <p:sp>
+        <p:nvSpPr>
+          <p:cNvPr id="5" name="TextBox 4">
+            <a:extLst>
+              <a:ext uri="{FF2B5EF4-FFF2-40B4-BE49-F238E27FC236}">
+                <a16:creationId xmlns:a16="http://schemas.microsoft.com/office/drawing/2014/main" id="{18F1723F-B6CA-940F-8938-C1013550CC2A}"/>
+              </a:ext>
+            </a:extLst>
+          </p:cNvPr>
+          <p:cNvSpPr txBox="1"/>
+          <p:nvPr/>
+        </p:nvSpPr>
+        <p:spPr>
+          <a:xfrm>
+            <a:off x="501650" y="4571663"/>
+            <a:ext cx="2070100" cy="292388"/>
+          </a:xfrm>
+          <a:prstGeom prst="rect">
+            <a:avLst/>
+          </a:prstGeom>
+          <a:noFill/>
+        </p:spPr>
+        <p:txBody>
+          <a:bodyPr wrap="square" rtlCol="0">
+            <a:spAutoFit/>
+          </a:bodyPr>
+          <a:lstStyle/>
+          <a:p>
+            <a:r>
+              <a:rPr lang="en-US" altLang="ko-KR" sz="1300" dirty="0"/>
+              <a:t>Main</a:t>
+            </a:r>
+            <a:r>
+              <a:rPr lang="ko-KR" altLang="en-US" sz="1300" dirty="0"/>
+              <a:t> </a:t>
+            </a:r>
+            <a:r>
+              <a:rPr lang="en-US" altLang="ko-KR" sz="1300" dirty="0"/>
+              <a:t>Java</a:t>
+            </a:r>
+            <a:r>
+              <a:rPr lang="ko-KR" altLang="en-US" sz="1300" dirty="0"/>
+              <a:t> 코드</a:t>
+            </a:r>
+          </a:p>
+        </p:txBody>
+      </p:sp>
+    </p:spTree>
+    <p:extLst>
+      <p:ext uri="{BB962C8B-B14F-4D97-AF65-F5344CB8AC3E}">
+        <p14:creationId xmlns:p14="http://schemas.microsoft.com/office/powerpoint/2010/main" val="4283361976"/>
+      </p:ext>
+    </p:extLst>
+  </p:cSld>
+  <p:clrMapOvr>
+    <a:masterClrMapping/>
+  </p:clrMapOvr>
+</p:sld>
+</file>
+
+<file path=ppt/slides/slide2.xml><?xml version="1.0" encoding="utf-8"?>
+<p:sld xmlns:a="http://schemas.openxmlformats.org/drawingml/2006/main" xmlns:r="http://schemas.openxmlformats.org/officeDocument/2006/relationships" xmlns:p="http://schemas.openxmlformats.org/presentationml/2006/main">
+  <p:cSld>
+    <p:spTree>
+      <p:nvGrpSpPr>
+        <p:cNvPr id="1" name=""/>
+        <p:cNvGrpSpPr/>
+        <p:nvPr/>
+      </p:nvGrpSpPr>
+      <p:grpSpPr>
+        <a:xfrm>
+          <a:off x="0" y="0"/>
+          <a:ext cx="0" cy="0"/>
+          <a:chOff x="0" y="0"/>
+          <a:chExt cx="0" cy="0"/>
+        </a:xfrm>
+      </p:grpSpPr>
+      <p:sp>
+        <p:nvSpPr>
+          <p:cNvPr id="4" name="TextBox 3">
+            <a:extLst>
+              <a:ext uri="{FF2B5EF4-FFF2-40B4-BE49-F238E27FC236}">
+                <a16:creationId xmlns:a16="http://schemas.microsoft.com/office/drawing/2014/main" id="{29FAE5ED-BA65-8D6C-2FA4-D5B3391B71B6}"/>
+              </a:ext>
+            </a:extLst>
+          </p:cNvPr>
+          <p:cNvSpPr txBox="1"/>
+          <p:nvPr/>
+        </p:nvSpPr>
+        <p:spPr>
+          <a:xfrm>
+            <a:off x="11664950" y="6581001"/>
+            <a:ext cx="527050" cy="276999"/>
+          </a:xfrm>
+          <a:prstGeom prst="rect">
+            <a:avLst/>
+          </a:prstGeom>
+          <a:noFill/>
+        </p:spPr>
+        <p:txBody>
+          <a:bodyPr wrap="square" rtlCol="0">
+            <a:spAutoFit/>
+          </a:bodyPr>
+          <a:lstStyle/>
+          <a:p>
+            <a:pPr algn="r"/>
+            <a:r>
+              <a:rPr lang="en-US" altLang="ko-KR" sz="1200" dirty="0"/>
+              <a:t>Ch1</a:t>
+            </a:r>
+            <a:endParaRPr lang="ko-KR" altLang="en-US" sz="1200" dirty="0"/>
+          </a:p>
+        </p:txBody>
+      </p:sp>
+      <p:sp>
+        <p:nvSpPr>
+          <p:cNvPr id="5" name="TextBox 4">
+            <a:extLst>
+              <a:ext uri="{FF2B5EF4-FFF2-40B4-BE49-F238E27FC236}">
+                <a16:creationId xmlns:a16="http://schemas.microsoft.com/office/drawing/2014/main" id="{78D9FF8D-6741-6CDE-7D28-42AB81CDC249}"/>
+              </a:ext>
+            </a:extLst>
+          </p:cNvPr>
+          <p:cNvSpPr txBox="1"/>
+          <p:nvPr/>
+        </p:nvSpPr>
+        <p:spPr>
+          <a:xfrm>
+            <a:off x="311150" y="211668"/>
+            <a:ext cx="2451100" cy="323165"/>
+          </a:xfrm>
+          <a:prstGeom prst="rect">
+            <a:avLst/>
+          </a:prstGeom>
+          <a:noFill/>
+        </p:spPr>
+        <p:txBody>
+          <a:bodyPr wrap="square" rtlCol="0">
+            <a:spAutoFit/>
+          </a:bodyPr>
+          <a:lstStyle/>
+          <a:p>
+            <a:r>
+              <a:rPr lang="ko-KR" altLang="en-US" sz="1500" dirty="0"/>
+              <a:t>모바일 운영체제의 비교</a:t>
+            </a:r>
+          </a:p>
+        </p:txBody>
+      </p:sp>
+      <p:graphicFrame>
+        <p:nvGraphicFramePr>
+          <p:cNvPr id="6" name="표 5">
+            <a:extLst>
+              <a:ext uri="{FF2B5EF4-FFF2-40B4-BE49-F238E27FC236}">
+                <a16:creationId xmlns:a16="http://schemas.microsoft.com/office/drawing/2014/main" id="{902449ED-9311-1127-856B-9B2C04B8D6E3}"/>
+              </a:ext>
+            </a:extLst>
+          </p:cNvPr>
+          <p:cNvGraphicFramePr>
+            <a:graphicFrameLocks noGrp="1"/>
+          </p:cNvGraphicFramePr>
+          <p:nvPr>
+            <p:extLst>
+              <p:ext uri="{D42A27DB-BD31-4B8C-83A1-F6EECF244321}">
+                <p14:modId xmlns:p14="http://schemas.microsoft.com/office/powerpoint/2010/main" val="1194380586"/>
+              </p:ext>
+            </p:extLst>
+          </p:nvPr>
+        </p:nvGraphicFramePr>
+        <p:xfrm>
+          <a:off x="2425700" y="1817371"/>
+          <a:ext cx="6864349" cy="3223257"/>
+        </p:xfrm>
+        <a:graphic>
+          <a:graphicData uri="http://schemas.openxmlformats.org/drawingml/2006/table">
+            <a:tbl>
+              <a:tblPr firstRow="1" bandRow="1">
+                <a:tableStyleId>{5C22544A-7EE6-4342-B048-85BDC9FD1C3A}</a:tableStyleId>
+              </a:tblPr>
+              <a:tblGrid>
+                <a:gridCol w="1136649">
+                  <a:extLst>
+                    <a:ext uri="{9D8B030D-6E8A-4147-A177-3AD203B41FA5}">
+                      <a16:colId xmlns:a16="http://schemas.microsoft.com/office/drawing/2014/main" val="1837972520"/>
+                    </a:ext>
+                  </a:extLst>
+                </a:gridCol>
+                <a:gridCol w="2870200">
+                  <a:extLst>
+                    <a:ext uri="{9D8B030D-6E8A-4147-A177-3AD203B41FA5}">
+                      <a16:colId xmlns:a16="http://schemas.microsoft.com/office/drawing/2014/main" val="616665914"/>
+                    </a:ext>
+                  </a:extLst>
+                </a:gridCol>
+                <a:gridCol w="2857500">
+                  <a:extLst>
+                    <a:ext uri="{9D8B030D-6E8A-4147-A177-3AD203B41FA5}">
+                      <a16:colId xmlns:a16="http://schemas.microsoft.com/office/drawing/2014/main" val="2801368045"/>
+                    </a:ext>
+                  </a:extLst>
+                </a:gridCol>
+              </a:tblGrid>
+              <a:tr h="314113">
+                <a:tc>
+                  <a:txBody>
+                    <a:bodyPr/>
+                    <a:lstStyle/>
+                    <a:p>
+                      <a:pPr latinLnBrk="1"/>
+                      <a:endParaRPr lang="ko-KR" altLang="en-US" sz="1300" dirty="0">
+                        <a:solidFill>
+                          <a:schemeClr val="tx1"/>
+                        </a:solidFill>
+                      </a:endParaRPr>
+                    </a:p>
+                  </a:txBody>
+                  <a:tcPr>
+                    <a:lnR w="12700" cap="flat" cmpd="sng" algn="ctr">
+                      <a:solidFill>
+                        <a:schemeClr val="tx1"/>
+                      </a:solidFill>
+                      <a:prstDash val="solid"/>
+                      <a:round/>
+                      <a:headEnd type="none" w="med" len="med"/>
+                      <a:tailEnd type="none" w="med" len="med"/>
+                    </a:lnR>
+                    <a:lnB w="12700" cap="flat" cmpd="sng" algn="ctr">
+                      <a:solidFill>
+                        <a:schemeClr val="tx1"/>
+                      </a:solidFill>
+                      <a:prstDash val="solid"/>
+                      <a:round/>
+                      <a:headEnd type="none" w="med" len="med"/>
+                      <a:tailEnd type="none" w="med" len="med"/>
+                    </a:lnB>
+                    <a:noFill/>
+                  </a:tcPr>
+                </a:tc>
+                <a:tc>
+                  <a:txBody>
+                    <a:bodyPr/>
+                    <a:lstStyle/>
+                    <a:p>
+                      <a:pPr algn="ctr" latinLnBrk="1"/>
+                      <a:r>
+                        <a:rPr lang="en-US" altLang="ko-KR" sz="1300" dirty="0">
+                          <a:solidFill>
+                            <a:schemeClr val="tx1"/>
+                          </a:solidFill>
+                        </a:rPr>
+                        <a:t>Android</a:t>
+                      </a:r>
+                      <a:endParaRPr lang="ko-KR" altLang="en-US" sz="1300" dirty="0">
+                        <a:solidFill>
+                          <a:schemeClr val="tx1"/>
+                        </a:solidFill>
+                      </a:endParaRPr>
+                    </a:p>
+                  </a:txBody>
+                  <a:tcPr>
+                    <a:lnL w="12700" cap="flat" cmpd="sng" algn="ctr">
+                      <a:solidFill>
+                        <a:schemeClr val="tx1"/>
+                      </a:solidFill>
+                      <a:prstDash val="solid"/>
+                      <a:round/>
+                      <a:headEnd type="none" w="med" len="med"/>
+                      <a:tailEnd type="none" w="med" len="med"/>
+                    </a:lnL>
+                    <a:lnR w="12700" cap="flat" cmpd="sng" algn="ctr">
+                      <a:solidFill>
+                        <a:schemeClr val="tx1"/>
+                      </a:solidFill>
+                      <a:prstDash val="solid"/>
+                      <a:round/>
+                      <a:headEnd type="none" w="med" len="med"/>
+                      <a:tailEnd type="none" w="med" len="med"/>
+                    </a:lnR>
+                    <a:lnB w="12700" cap="flat" cmpd="sng" algn="ctr">
+                      <a:solidFill>
+                        <a:schemeClr val="tx1"/>
+                      </a:solidFill>
+                      <a:prstDash val="solid"/>
+                      <a:round/>
+                      <a:headEnd type="none" w="med" len="med"/>
+                      <a:tailEnd type="none" w="med" len="med"/>
+                    </a:lnB>
+                    <a:noFill/>
+                  </a:tcPr>
+                </a:tc>
+                <a:tc>
+                  <a:txBody>
+                    <a:bodyPr/>
+                    <a:lstStyle/>
+                    <a:p>
+                      <a:pPr algn="ctr" latinLnBrk="1"/>
+                      <a:r>
+                        <a:rPr lang="en-US" altLang="ko-KR" sz="1300" dirty="0">
+                          <a:solidFill>
+                            <a:schemeClr val="tx1"/>
+                          </a:solidFill>
+                        </a:rPr>
+                        <a:t>iOS</a:t>
+                      </a:r>
+                      <a:endParaRPr lang="ko-KR" altLang="en-US" sz="1300" dirty="0">
+                        <a:solidFill>
+                          <a:schemeClr val="tx1"/>
+                        </a:solidFill>
+                      </a:endParaRPr>
+                    </a:p>
+                  </a:txBody>
+                  <a:tcPr>
+                    <a:lnL w="12700" cap="flat" cmpd="sng" algn="ctr">
+                      <a:solidFill>
+                        <a:schemeClr val="tx1"/>
+                      </a:solidFill>
+                      <a:prstDash val="solid"/>
+                      <a:round/>
+                      <a:headEnd type="none" w="med" len="med"/>
+                      <a:tailEnd type="none" w="med" len="med"/>
+                    </a:lnL>
+                    <a:lnB w="12700" cap="flat" cmpd="sng" algn="ctr">
+                      <a:solidFill>
+                        <a:schemeClr val="tx1"/>
+                      </a:solidFill>
+                      <a:prstDash val="solid"/>
+                      <a:round/>
+                      <a:headEnd type="none" w="med" len="med"/>
+                      <a:tailEnd type="none" w="med" len="med"/>
+                    </a:lnB>
+                    <a:noFill/>
+                  </a:tcPr>
+                </a:tc>
+                <a:extLst>
+                  <a:ext uri="{0D108BD9-81ED-4DB2-BD59-A6C34878D82A}">
+                    <a16:rowId xmlns:a16="http://schemas.microsoft.com/office/drawing/2014/main" val="2635752856"/>
+                  </a:ext>
+                </a:extLst>
+              </a:tr>
+              <a:tr h="314113">
+                <a:tc>
+                  <a:txBody>
+                    <a:bodyPr/>
+                    <a:lstStyle/>
+                    <a:p>
+                      <a:pPr latinLnBrk="1"/>
+                      <a:r>
+                        <a:rPr lang="ko-KR" altLang="en-US" sz="1300" dirty="0">
+                          <a:solidFill>
+                            <a:schemeClr val="tx1"/>
+                          </a:solidFill>
+                        </a:rPr>
+                        <a:t>제조사</a:t>
+                      </a:r>
+                    </a:p>
+                  </a:txBody>
+                  <a:tcPr>
+                    <a:lnR w="12700" cap="flat" cmpd="sng" algn="ctr">
+                      <a:solidFill>
+                        <a:schemeClr val="tx1"/>
+                      </a:solidFill>
+                      <a:prstDash val="solid"/>
+                      <a:round/>
+                      <a:headEnd type="none" w="med" len="med"/>
+                      <a:tailEnd type="none" w="med" len="med"/>
+                    </a:lnR>
+                    <a:lnT w="12700" cap="flat" cmpd="sng" algn="ctr">
+                      <a:solidFill>
+                        <a:schemeClr val="tx1"/>
+                      </a:solidFill>
+                      <a:prstDash val="solid"/>
+                      <a:round/>
+                      <a:headEnd type="none" w="med" len="med"/>
+                      <a:tailEnd type="none" w="med" len="med"/>
+                    </a:lnT>
+                    <a:lnB w="12700" cap="flat" cmpd="sng" algn="ctr">
+                      <a:solidFill>
+                        <a:schemeClr val="tx1"/>
+                      </a:solidFill>
+                      <a:prstDash val="solid"/>
+                      <a:round/>
+                      <a:headEnd type="none" w="med" len="med"/>
+                      <a:tailEnd type="none" w="med" len="med"/>
+                    </a:lnB>
+                    <a:noFill/>
+                  </a:tcPr>
+                </a:tc>
+                <a:tc>
+                  <a:txBody>
+                    <a:bodyPr/>
+                    <a:lstStyle/>
+                    <a:p>
+                      <a:pPr latinLnBrk="1"/>
+                      <a:r>
+                        <a:rPr lang="en-US" altLang="ko-KR" sz="1000" dirty="0">
+                          <a:solidFill>
+                            <a:schemeClr val="tx1"/>
+                          </a:solidFill>
+                        </a:rPr>
+                        <a:t>Google</a:t>
+                      </a:r>
+                      <a:endParaRPr lang="ko-KR" altLang="en-US" sz="1000" dirty="0">
+                        <a:solidFill>
+                          <a:schemeClr val="tx1"/>
+                        </a:solidFill>
+                      </a:endParaRPr>
+                    </a:p>
+                  </a:txBody>
+                  <a:tcPr>
+                    <a:lnL w="12700" cap="flat" cmpd="sng" algn="ctr">
+                      <a:solidFill>
+                        <a:schemeClr val="tx1"/>
+                      </a:solidFill>
+                      <a:prstDash val="solid"/>
+                      <a:round/>
+                      <a:headEnd type="none" w="med" len="med"/>
+                      <a:tailEnd type="none" w="med" len="med"/>
+                    </a:lnL>
+                    <a:lnR w="12700" cap="flat" cmpd="sng" algn="ctr">
+                      <a:solidFill>
+                        <a:schemeClr val="tx1"/>
+                      </a:solidFill>
+                      <a:prstDash val="solid"/>
+                      <a:round/>
+                      <a:headEnd type="none" w="med" len="med"/>
+                      <a:tailEnd type="none" w="med" len="med"/>
+                    </a:lnR>
+                    <a:lnT w="12700" cap="flat" cmpd="sng" algn="ctr">
+                      <a:solidFill>
+                        <a:schemeClr val="tx1"/>
+                      </a:solidFill>
+                      <a:prstDash val="solid"/>
+                      <a:round/>
+                      <a:headEnd type="none" w="med" len="med"/>
+                      <a:tailEnd type="none" w="med" len="med"/>
+                    </a:lnT>
+                    <a:lnB w="12700" cap="flat" cmpd="sng" algn="ctr">
+                      <a:solidFill>
+                        <a:schemeClr val="tx1"/>
+                      </a:solidFill>
+                      <a:prstDash val="solid"/>
+                      <a:round/>
+                      <a:headEnd type="none" w="med" len="med"/>
+                      <a:tailEnd type="none" w="med" len="med"/>
+                    </a:lnB>
+                    <a:noFill/>
+                  </a:tcPr>
+                </a:tc>
+                <a:tc>
+                  <a:txBody>
+                    <a:bodyPr/>
+                    <a:lstStyle/>
+                    <a:p>
+                      <a:pPr latinLnBrk="1"/>
+                      <a:r>
+                        <a:rPr lang="en-US" altLang="ko-KR" sz="1000" dirty="0">
+                          <a:solidFill>
+                            <a:schemeClr val="tx1"/>
+                          </a:solidFill>
+                        </a:rPr>
+                        <a:t>Apple</a:t>
+                      </a:r>
+                      <a:endParaRPr lang="ko-KR" altLang="en-US" sz="1000" dirty="0">
+                        <a:solidFill>
+                          <a:schemeClr val="tx1"/>
+                        </a:solidFill>
+                      </a:endParaRPr>
+                    </a:p>
+                  </a:txBody>
+                  <a:tcPr>
+                    <a:lnL w="12700" cap="flat" cmpd="sng" algn="ctr">
+                      <a:solidFill>
+                        <a:schemeClr val="tx1"/>
+                      </a:solidFill>
+                      <a:prstDash val="solid"/>
+                      <a:round/>
+                      <a:headEnd type="none" w="med" len="med"/>
+                      <a:tailEnd type="none" w="med" len="med"/>
+                    </a:lnL>
+                    <a:lnT w="12700" cap="flat" cmpd="sng" algn="ctr">
+                      <a:solidFill>
+                        <a:schemeClr val="tx1"/>
+                      </a:solidFill>
+                      <a:prstDash val="solid"/>
+                      <a:round/>
+                      <a:headEnd type="none" w="med" len="med"/>
+                      <a:tailEnd type="none" w="med" len="med"/>
+                    </a:lnT>
+                    <a:lnB w="12700" cap="flat" cmpd="sng" algn="ctr">
+                      <a:solidFill>
+                        <a:schemeClr val="tx1"/>
+                      </a:solidFill>
+                      <a:prstDash val="solid"/>
+                      <a:round/>
+                      <a:headEnd type="none" w="med" len="med"/>
+                      <a:tailEnd type="none" w="med" len="med"/>
+                    </a:lnB>
+                    <a:noFill/>
+                  </a:tcPr>
+                </a:tc>
+                <a:extLst>
+                  <a:ext uri="{0D108BD9-81ED-4DB2-BD59-A6C34878D82A}">
+                    <a16:rowId xmlns:a16="http://schemas.microsoft.com/office/drawing/2014/main" val="3766109496"/>
+                  </a:ext>
+                </a:extLst>
+              </a:tr>
+              <a:tr h="314113">
+                <a:tc>
+                  <a:txBody>
+                    <a:bodyPr/>
+                    <a:lstStyle/>
+                    <a:p>
+                      <a:pPr latinLnBrk="1"/>
+                      <a:r>
+                        <a:rPr lang="ko-KR" altLang="en-US" sz="1300" dirty="0">
+                          <a:solidFill>
+                            <a:schemeClr val="tx1"/>
+                          </a:solidFill>
+                        </a:rPr>
+                        <a:t>개발 언어</a:t>
+                      </a:r>
+                    </a:p>
+                  </a:txBody>
+                  <a:tcPr>
+                    <a:lnR w="12700" cap="flat" cmpd="sng" algn="ctr">
+                      <a:solidFill>
+                        <a:schemeClr val="tx1"/>
+                      </a:solidFill>
+                      <a:prstDash val="solid"/>
+                      <a:round/>
+                      <a:headEnd type="none" w="med" len="med"/>
+                      <a:tailEnd type="none" w="med" len="med"/>
+                    </a:lnR>
+                    <a:lnT w="12700" cap="flat" cmpd="sng" algn="ctr">
+                      <a:solidFill>
+                        <a:schemeClr val="tx1"/>
+                      </a:solidFill>
+                      <a:prstDash val="solid"/>
+                      <a:round/>
+                      <a:headEnd type="none" w="med" len="med"/>
+                      <a:tailEnd type="none" w="med" len="med"/>
+                    </a:lnT>
+                    <a:lnB w="12700" cap="flat" cmpd="sng" algn="ctr">
+                      <a:solidFill>
+                        <a:schemeClr val="tx1"/>
+                      </a:solidFill>
+                      <a:prstDash val="solid"/>
+                      <a:round/>
+                      <a:headEnd type="none" w="med" len="med"/>
+                      <a:tailEnd type="none" w="med" len="med"/>
+                    </a:lnB>
+                    <a:noFill/>
+                  </a:tcPr>
+                </a:tc>
+                <a:tc>
+                  <a:txBody>
+                    <a:bodyPr/>
+                    <a:lstStyle/>
+                    <a:p>
+                      <a:pPr latinLnBrk="1"/>
+                      <a:r>
+                        <a:rPr lang="en-US" altLang="ko-KR" sz="1000" dirty="0">
+                          <a:solidFill>
+                            <a:schemeClr val="tx1"/>
+                          </a:solidFill>
+                          <a:highlight>
+                            <a:srgbClr val="FFFF00"/>
+                          </a:highlight>
+                        </a:rPr>
+                        <a:t>Java, Kotlin</a:t>
+                      </a:r>
+                      <a:r>
+                        <a:rPr lang="en-US" altLang="ko-KR" sz="1000" dirty="0">
+                          <a:solidFill>
+                            <a:schemeClr val="tx1"/>
+                          </a:solidFill>
+                        </a:rPr>
+                        <a:t>, C, C++</a:t>
+                      </a:r>
+                      <a:endParaRPr lang="ko-KR" altLang="en-US" sz="1000" dirty="0">
+                        <a:solidFill>
+                          <a:schemeClr val="tx1"/>
+                        </a:solidFill>
+                      </a:endParaRPr>
+                    </a:p>
+                  </a:txBody>
+                  <a:tcPr>
+                    <a:lnL w="12700" cap="flat" cmpd="sng" algn="ctr">
+                      <a:solidFill>
+                        <a:schemeClr val="tx1"/>
+                      </a:solidFill>
+                      <a:prstDash val="solid"/>
+                      <a:round/>
+                      <a:headEnd type="none" w="med" len="med"/>
+                      <a:tailEnd type="none" w="med" len="med"/>
+                    </a:lnL>
+                    <a:lnR w="12700" cap="flat" cmpd="sng" algn="ctr">
+                      <a:solidFill>
+                        <a:schemeClr val="tx1"/>
+                      </a:solidFill>
+                      <a:prstDash val="solid"/>
+                      <a:round/>
+                      <a:headEnd type="none" w="med" len="med"/>
+                      <a:tailEnd type="none" w="med" len="med"/>
+                    </a:lnR>
+                    <a:lnT w="12700" cap="flat" cmpd="sng" algn="ctr">
+                      <a:solidFill>
+                        <a:schemeClr val="tx1"/>
+                      </a:solidFill>
+                      <a:prstDash val="solid"/>
+                      <a:round/>
+                      <a:headEnd type="none" w="med" len="med"/>
+                      <a:tailEnd type="none" w="med" len="med"/>
+                    </a:lnT>
+                    <a:lnB w="12700" cap="flat" cmpd="sng" algn="ctr">
+                      <a:solidFill>
+                        <a:schemeClr val="tx1"/>
+                      </a:solidFill>
+                      <a:prstDash val="solid"/>
+                      <a:round/>
+                      <a:headEnd type="none" w="med" len="med"/>
+                      <a:tailEnd type="none" w="med" len="med"/>
+                    </a:lnB>
+                    <a:noFill/>
+                  </a:tcPr>
+                </a:tc>
+                <a:tc>
+                  <a:txBody>
+                    <a:bodyPr/>
+                    <a:lstStyle/>
+                    <a:p>
+                      <a:pPr latinLnBrk="1"/>
+                      <a:r>
+                        <a:rPr lang="en-US" altLang="ko-KR" sz="1000" dirty="0">
+                          <a:solidFill>
+                            <a:schemeClr val="tx1"/>
+                          </a:solidFill>
+                          <a:highlight>
+                            <a:srgbClr val="FFFF00"/>
+                          </a:highlight>
+                        </a:rPr>
+                        <a:t>Objective-C, Swift</a:t>
+                      </a:r>
+                      <a:r>
+                        <a:rPr lang="en-US" altLang="ko-KR" sz="1000" dirty="0">
+                          <a:solidFill>
+                            <a:schemeClr val="tx1"/>
+                          </a:solidFill>
+                        </a:rPr>
+                        <a:t>, C, C++</a:t>
+                      </a:r>
+                      <a:endParaRPr lang="ko-KR" altLang="en-US" sz="1000" dirty="0">
+                        <a:solidFill>
+                          <a:schemeClr val="tx1"/>
+                        </a:solidFill>
+                      </a:endParaRPr>
+                    </a:p>
+                  </a:txBody>
+                  <a:tcPr>
+                    <a:lnL w="12700" cap="flat" cmpd="sng" algn="ctr">
+                      <a:solidFill>
+                        <a:schemeClr val="tx1"/>
+                      </a:solidFill>
+                      <a:prstDash val="solid"/>
+                      <a:round/>
+                      <a:headEnd type="none" w="med" len="med"/>
+                      <a:tailEnd type="none" w="med" len="med"/>
+                    </a:lnL>
+                    <a:lnT w="12700" cap="flat" cmpd="sng" algn="ctr">
+                      <a:solidFill>
+                        <a:schemeClr val="tx1"/>
+                      </a:solidFill>
+                      <a:prstDash val="solid"/>
+                      <a:round/>
+                      <a:headEnd type="none" w="med" len="med"/>
+                      <a:tailEnd type="none" w="med" len="med"/>
+                    </a:lnT>
+                    <a:lnB w="12700" cap="flat" cmpd="sng" algn="ctr">
+                      <a:solidFill>
+                        <a:schemeClr val="tx1"/>
+                      </a:solidFill>
+                      <a:prstDash val="solid"/>
+                      <a:round/>
+                      <a:headEnd type="none" w="med" len="med"/>
+                      <a:tailEnd type="none" w="med" len="med"/>
+                    </a:lnB>
+                    <a:noFill/>
+                  </a:tcPr>
+                </a:tc>
+                <a:extLst>
+                  <a:ext uri="{0D108BD9-81ED-4DB2-BD59-A6C34878D82A}">
+                    <a16:rowId xmlns:a16="http://schemas.microsoft.com/office/drawing/2014/main" val="4283574450"/>
+                  </a:ext>
+                </a:extLst>
+              </a:tr>
+              <a:tr h="314113">
+                <a:tc>
+                  <a:txBody>
+                    <a:bodyPr/>
+                    <a:lstStyle/>
+                    <a:p>
+                      <a:pPr latinLnBrk="1"/>
+                      <a:r>
+                        <a:rPr lang="ko-KR" altLang="en-US" sz="1300" dirty="0">
+                          <a:solidFill>
+                            <a:schemeClr val="tx1"/>
+                          </a:solidFill>
+                        </a:rPr>
+                        <a:t>커널</a:t>
+                      </a:r>
+                    </a:p>
+                  </a:txBody>
+                  <a:tcPr>
+                    <a:lnR w="12700" cap="flat" cmpd="sng" algn="ctr">
+                      <a:solidFill>
+                        <a:schemeClr val="tx1"/>
+                      </a:solidFill>
+                      <a:prstDash val="solid"/>
+                      <a:round/>
+                      <a:headEnd type="none" w="med" len="med"/>
+                      <a:tailEnd type="none" w="med" len="med"/>
+                    </a:lnR>
+                    <a:lnT w="12700" cap="flat" cmpd="sng" algn="ctr">
+                      <a:solidFill>
+                        <a:schemeClr val="tx1"/>
+                      </a:solidFill>
+                      <a:prstDash val="solid"/>
+                      <a:round/>
+                      <a:headEnd type="none" w="med" len="med"/>
+                      <a:tailEnd type="none" w="med" len="med"/>
+                    </a:lnT>
+                    <a:lnB w="12700" cap="flat" cmpd="sng" algn="ctr">
+                      <a:solidFill>
+                        <a:schemeClr val="tx1"/>
+                      </a:solidFill>
+                      <a:prstDash val="solid"/>
+                      <a:round/>
+                      <a:headEnd type="none" w="med" len="med"/>
+                      <a:tailEnd type="none" w="med" len="med"/>
+                    </a:lnB>
+                    <a:noFill/>
+                  </a:tcPr>
+                </a:tc>
+                <a:tc>
+                  <a:txBody>
+                    <a:bodyPr/>
+                    <a:lstStyle/>
+                    <a:p>
+                      <a:pPr latinLnBrk="1"/>
+                      <a:r>
+                        <a:rPr lang="en-US" altLang="ko-KR" sz="1000" dirty="0">
+                          <a:solidFill>
+                            <a:schemeClr val="tx1"/>
+                          </a:solidFill>
+                          <a:highlight>
+                            <a:srgbClr val="FFFF00"/>
+                          </a:highlight>
+                        </a:rPr>
+                        <a:t>Linux</a:t>
+                      </a:r>
+                      <a:endParaRPr lang="ko-KR" altLang="en-US" sz="1000" dirty="0">
+                        <a:solidFill>
+                          <a:schemeClr val="tx1"/>
+                        </a:solidFill>
+                        <a:highlight>
+                          <a:srgbClr val="FFFF00"/>
+                        </a:highlight>
+                      </a:endParaRPr>
+                    </a:p>
+                  </a:txBody>
+                  <a:tcPr>
+                    <a:lnL w="12700" cap="flat" cmpd="sng" algn="ctr">
+                      <a:solidFill>
+                        <a:schemeClr val="tx1"/>
+                      </a:solidFill>
+                      <a:prstDash val="solid"/>
+                      <a:round/>
+                      <a:headEnd type="none" w="med" len="med"/>
+                      <a:tailEnd type="none" w="med" len="med"/>
+                    </a:lnL>
+                    <a:lnR w="12700" cap="flat" cmpd="sng" algn="ctr">
+                      <a:solidFill>
+                        <a:schemeClr val="tx1"/>
+                      </a:solidFill>
+                      <a:prstDash val="solid"/>
+                      <a:round/>
+                      <a:headEnd type="none" w="med" len="med"/>
+                      <a:tailEnd type="none" w="med" len="med"/>
+                    </a:lnR>
+                    <a:lnT w="12700" cap="flat" cmpd="sng" algn="ctr">
+                      <a:solidFill>
+                        <a:schemeClr val="tx1"/>
+                      </a:solidFill>
+                      <a:prstDash val="solid"/>
+                      <a:round/>
+                      <a:headEnd type="none" w="med" len="med"/>
+                      <a:tailEnd type="none" w="med" len="med"/>
+                    </a:lnT>
+                    <a:lnB w="12700" cap="flat" cmpd="sng" algn="ctr">
+                      <a:solidFill>
+                        <a:schemeClr val="tx1"/>
+                      </a:solidFill>
+                      <a:prstDash val="solid"/>
+                      <a:round/>
+                      <a:headEnd type="none" w="med" len="med"/>
+                      <a:tailEnd type="none" w="med" len="med"/>
+                    </a:lnB>
+                    <a:noFill/>
+                  </a:tcPr>
+                </a:tc>
+                <a:tc>
+                  <a:txBody>
+                    <a:bodyPr/>
+                    <a:lstStyle/>
+                    <a:p>
+                      <a:pPr latinLnBrk="1"/>
+                      <a:r>
+                        <a:rPr lang="en-US" altLang="ko-KR" sz="1000" dirty="0">
+                          <a:solidFill>
+                            <a:schemeClr val="tx1"/>
+                          </a:solidFill>
+                          <a:highlight>
+                            <a:srgbClr val="FFFF00"/>
+                          </a:highlight>
+                        </a:rPr>
+                        <a:t>UNIX </a:t>
+                      </a:r>
+                      <a:r>
+                        <a:rPr lang="ko-KR" altLang="en-US" sz="1000" dirty="0">
+                          <a:solidFill>
+                            <a:schemeClr val="tx1"/>
+                          </a:solidFill>
+                          <a:highlight>
+                            <a:srgbClr val="FFFF00"/>
+                          </a:highlight>
+                        </a:rPr>
+                        <a:t>계통</a:t>
+                      </a:r>
+                    </a:p>
+                  </a:txBody>
+                  <a:tcPr>
+                    <a:lnL w="12700" cap="flat" cmpd="sng" algn="ctr">
+                      <a:solidFill>
+                        <a:schemeClr val="tx1"/>
+                      </a:solidFill>
+                      <a:prstDash val="solid"/>
+                      <a:round/>
+                      <a:headEnd type="none" w="med" len="med"/>
+                      <a:tailEnd type="none" w="med" len="med"/>
+                    </a:lnL>
+                    <a:lnT w="12700" cap="flat" cmpd="sng" algn="ctr">
+                      <a:solidFill>
+                        <a:schemeClr val="tx1"/>
+                      </a:solidFill>
+                      <a:prstDash val="solid"/>
+                      <a:round/>
+                      <a:headEnd type="none" w="med" len="med"/>
+                      <a:tailEnd type="none" w="med" len="med"/>
+                    </a:lnT>
+                    <a:lnB w="12700" cap="flat" cmpd="sng" algn="ctr">
+                      <a:solidFill>
+                        <a:schemeClr val="tx1"/>
+                      </a:solidFill>
+                      <a:prstDash val="solid"/>
+                      <a:round/>
+                      <a:headEnd type="none" w="med" len="med"/>
+                      <a:tailEnd type="none" w="med" len="med"/>
+                    </a:lnB>
+                    <a:noFill/>
+                  </a:tcPr>
+                </a:tc>
+                <a:extLst>
+                  <a:ext uri="{0D108BD9-81ED-4DB2-BD59-A6C34878D82A}">
+                    <a16:rowId xmlns:a16="http://schemas.microsoft.com/office/drawing/2014/main" val="1326657363"/>
+                  </a:ext>
+                </a:extLst>
+              </a:tr>
+              <a:tr h="314113">
+                <a:tc>
+                  <a:txBody>
+                    <a:bodyPr/>
+                    <a:lstStyle/>
+                    <a:p>
+                      <a:pPr latinLnBrk="1"/>
+                      <a:r>
+                        <a:rPr lang="ko-KR" altLang="en-US" sz="1300" dirty="0">
+                          <a:solidFill>
+                            <a:schemeClr val="tx1"/>
+                          </a:solidFill>
+                        </a:rPr>
+                        <a:t>개발 도구</a:t>
+                      </a:r>
+                    </a:p>
+                  </a:txBody>
+                  <a:tcPr>
+                    <a:lnR w="12700" cap="flat" cmpd="sng" algn="ctr">
+                      <a:solidFill>
+                        <a:schemeClr val="tx1"/>
+                      </a:solidFill>
+                      <a:prstDash val="solid"/>
+                      <a:round/>
+                      <a:headEnd type="none" w="med" len="med"/>
+                      <a:tailEnd type="none" w="med" len="med"/>
+                    </a:lnR>
+                    <a:lnT w="12700" cap="flat" cmpd="sng" algn="ctr">
+                      <a:solidFill>
+                        <a:schemeClr val="tx1"/>
+                      </a:solidFill>
+                      <a:prstDash val="solid"/>
+                      <a:round/>
+                      <a:headEnd type="none" w="med" len="med"/>
+                      <a:tailEnd type="none" w="med" len="med"/>
+                    </a:lnT>
+                    <a:lnB w="12700" cap="flat" cmpd="sng" algn="ctr">
+                      <a:solidFill>
+                        <a:schemeClr val="tx1"/>
+                      </a:solidFill>
+                      <a:prstDash val="solid"/>
+                      <a:round/>
+                      <a:headEnd type="none" w="med" len="med"/>
+                      <a:tailEnd type="none" w="med" len="med"/>
+                    </a:lnB>
+                    <a:noFill/>
+                  </a:tcPr>
+                </a:tc>
+                <a:tc>
+                  <a:txBody>
+                    <a:bodyPr/>
+                    <a:lstStyle/>
+                    <a:p>
+                      <a:pPr latinLnBrk="1"/>
+                      <a:r>
+                        <a:rPr lang="en-US" altLang="ko-KR" sz="1000" dirty="0">
+                          <a:solidFill>
+                            <a:schemeClr val="tx1"/>
+                          </a:solidFill>
+                          <a:highlight>
+                            <a:srgbClr val="FFFF00"/>
+                          </a:highlight>
+                        </a:rPr>
+                        <a:t>Android Studio</a:t>
+                      </a:r>
+                      <a:endParaRPr lang="ko-KR" altLang="en-US" sz="1000" dirty="0">
+                        <a:solidFill>
+                          <a:schemeClr val="tx1"/>
+                        </a:solidFill>
+                        <a:highlight>
+                          <a:srgbClr val="FFFF00"/>
+                        </a:highlight>
+                      </a:endParaRPr>
+                    </a:p>
+                  </a:txBody>
+                  <a:tcPr>
+                    <a:lnL w="12700" cap="flat" cmpd="sng" algn="ctr">
+                      <a:solidFill>
+                        <a:schemeClr val="tx1"/>
+                      </a:solidFill>
+                      <a:prstDash val="solid"/>
+                      <a:round/>
+                      <a:headEnd type="none" w="med" len="med"/>
+                      <a:tailEnd type="none" w="med" len="med"/>
+                    </a:lnL>
+                    <a:lnR w="12700" cap="flat" cmpd="sng" algn="ctr">
+                      <a:solidFill>
+                        <a:schemeClr val="tx1"/>
+                      </a:solidFill>
+                      <a:prstDash val="solid"/>
+                      <a:round/>
+                      <a:headEnd type="none" w="med" len="med"/>
+                      <a:tailEnd type="none" w="med" len="med"/>
+                    </a:lnR>
+                    <a:lnT w="12700" cap="flat" cmpd="sng" algn="ctr">
+                      <a:solidFill>
+                        <a:schemeClr val="tx1"/>
+                      </a:solidFill>
+                      <a:prstDash val="solid"/>
+                      <a:round/>
+                      <a:headEnd type="none" w="med" len="med"/>
+                      <a:tailEnd type="none" w="med" len="med"/>
+                    </a:lnT>
+                    <a:lnB w="12700" cap="flat" cmpd="sng" algn="ctr">
+                      <a:solidFill>
+                        <a:schemeClr val="tx1"/>
+                      </a:solidFill>
+                      <a:prstDash val="solid"/>
+                      <a:round/>
+                      <a:headEnd type="none" w="med" len="med"/>
+                      <a:tailEnd type="none" w="med" len="med"/>
+                    </a:lnB>
+                    <a:noFill/>
+                  </a:tcPr>
+                </a:tc>
+                <a:tc>
+                  <a:txBody>
+                    <a:bodyPr/>
+                    <a:lstStyle/>
+                    <a:p>
+                      <a:pPr latinLnBrk="1"/>
+                      <a:r>
+                        <a:rPr lang="en-US" altLang="ko-KR" sz="1000" dirty="0">
+                          <a:solidFill>
+                            <a:schemeClr val="tx1"/>
+                          </a:solidFill>
+                          <a:highlight>
+                            <a:srgbClr val="FFFF00"/>
+                          </a:highlight>
+                        </a:rPr>
+                        <a:t>Xcode</a:t>
+                      </a:r>
+                      <a:endParaRPr lang="ko-KR" altLang="en-US" sz="1000" dirty="0">
+                        <a:solidFill>
+                          <a:schemeClr val="tx1"/>
+                        </a:solidFill>
+                        <a:highlight>
+                          <a:srgbClr val="FFFF00"/>
+                        </a:highlight>
+                      </a:endParaRPr>
+                    </a:p>
+                  </a:txBody>
+                  <a:tcPr>
+                    <a:lnL w="12700" cap="flat" cmpd="sng" algn="ctr">
+                      <a:solidFill>
+                        <a:schemeClr val="tx1"/>
+                      </a:solidFill>
+                      <a:prstDash val="solid"/>
+                      <a:round/>
+                      <a:headEnd type="none" w="med" len="med"/>
+                      <a:tailEnd type="none" w="med" len="med"/>
+                    </a:lnL>
+                    <a:lnT w="12700" cap="flat" cmpd="sng" algn="ctr">
+                      <a:solidFill>
+                        <a:schemeClr val="tx1"/>
+                      </a:solidFill>
+                      <a:prstDash val="solid"/>
+                      <a:round/>
+                      <a:headEnd type="none" w="med" len="med"/>
+                      <a:tailEnd type="none" w="med" len="med"/>
+                    </a:lnT>
+                    <a:lnB w="12700" cap="flat" cmpd="sng" algn="ctr">
+                      <a:solidFill>
+                        <a:schemeClr val="tx1"/>
+                      </a:solidFill>
+                      <a:prstDash val="solid"/>
+                      <a:round/>
+                      <a:headEnd type="none" w="med" len="med"/>
+                      <a:tailEnd type="none" w="med" len="med"/>
+                    </a:lnB>
+                    <a:noFill/>
+                  </a:tcPr>
+                </a:tc>
+                <a:extLst>
+                  <a:ext uri="{0D108BD9-81ED-4DB2-BD59-A6C34878D82A}">
+                    <a16:rowId xmlns:a16="http://schemas.microsoft.com/office/drawing/2014/main" val="474077202"/>
+                  </a:ext>
+                </a:extLst>
+              </a:tr>
+              <a:tr h="314113">
+                <a:tc>
+                  <a:txBody>
+                    <a:bodyPr/>
+                    <a:lstStyle/>
+                    <a:p>
+                      <a:pPr latinLnBrk="1"/>
+                      <a:r>
+                        <a:rPr lang="ko-KR" altLang="en-US" sz="1300" dirty="0">
+                          <a:solidFill>
+                            <a:schemeClr val="tx1"/>
+                          </a:solidFill>
+                        </a:rPr>
+                        <a:t>최신버전</a:t>
+                      </a:r>
+                    </a:p>
+                  </a:txBody>
+                  <a:tcPr>
+                    <a:lnR w="12700" cap="flat" cmpd="sng" algn="ctr">
+                      <a:solidFill>
+                        <a:schemeClr val="tx1"/>
+                      </a:solidFill>
+                      <a:prstDash val="solid"/>
+                      <a:round/>
+                      <a:headEnd type="none" w="med" len="med"/>
+                      <a:tailEnd type="none" w="med" len="med"/>
+                    </a:lnR>
+                    <a:lnT w="12700" cap="flat" cmpd="sng" algn="ctr">
+                      <a:solidFill>
+                        <a:schemeClr val="tx1"/>
+                      </a:solidFill>
+                      <a:prstDash val="solid"/>
+                      <a:round/>
+                      <a:headEnd type="none" w="med" len="med"/>
+                      <a:tailEnd type="none" w="med" len="med"/>
+                    </a:lnT>
+                    <a:lnB w="12700" cap="flat" cmpd="sng" algn="ctr">
+                      <a:solidFill>
+                        <a:schemeClr val="tx1"/>
+                      </a:solidFill>
+                      <a:prstDash val="solid"/>
+                      <a:round/>
+                      <a:headEnd type="none" w="med" len="med"/>
+                      <a:tailEnd type="none" w="med" len="med"/>
+                    </a:lnB>
+                    <a:noFill/>
+                  </a:tcPr>
+                </a:tc>
+                <a:tc>
+                  <a:txBody>
+                    <a:bodyPr/>
+                    <a:lstStyle/>
+                    <a:p>
+                      <a:pPr latinLnBrk="1"/>
+                      <a:r>
+                        <a:rPr lang="en-US" altLang="ko-KR" sz="1000" dirty="0">
+                          <a:solidFill>
+                            <a:schemeClr val="tx1"/>
+                          </a:solidFill>
+                        </a:rPr>
+                        <a:t>Android 14</a:t>
+                      </a:r>
+                      <a:endParaRPr lang="ko-KR" altLang="en-US" sz="1000" dirty="0">
+                        <a:solidFill>
+                          <a:schemeClr val="tx1"/>
+                        </a:solidFill>
+                      </a:endParaRPr>
+                    </a:p>
+                  </a:txBody>
+                  <a:tcPr>
+                    <a:lnL w="12700" cap="flat" cmpd="sng" algn="ctr">
+                      <a:solidFill>
+                        <a:schemeClr val="tx1"/>
+                      </a:solidFill>
+                      <a:prstDash val="solid"/>
+                      <a:round/>
+                      <a:headEnd type="none" w="med" len="med"/>
+                      <a:tailEnd type="none" w="med" len="med"/>
+                    </a:lnL>
+                    <a:lnR w="12700" cap="flat" cmpd="sng" algn="ctr">
+                      <a:solidFill>
+                        <a:schemeClr val="tx1"/>
+                      </a:solidFill>
+                      <a:prstDash val="solid"/>
+                      <a:round/>
+                      <a:headEnd type="none" w="med" len="med"/>
+                      <a:tailEnd type="none" w="med" len="med"/>
+                    </a:lnR>
+                    <a:lnT w="12700" cap="flat" cmpd="sng" algn="ctr">
+                      <a:solidFill>
+                        <a:schemeClr val="tx1"/>
+                      </a:solidFill>
+                      <a:prstDash val="solid"/>
+                      <a:round/>
+                      <a:headEnd type="none" w="med" len="med"/>
+                      <a:tailEnd type="none" w="med" len="med"/>
+                    </a:lnT>
+                    <a:lnB w="12700" cap="flat" cmpd="sng" algn="ctr">
+                      <a:solidFill>
+                        <a:schemeClr val="tx1"/>
+                      </a:solidFill>
+                      <a:prstDash val="solid"/>
+                      <a:round/>
+                      <a:headEnd type="none" w="med" len="med"/>
+                      <a:tailEnd type="none" w="med" len="med"/>
+                    </a:lnB>
+                    <a:noFill/>
+                  </a:tcPr>
+                </a:tc>
+                <a:tc>
+                  <a:txBody>
+                    <a:bodyPr/>
+                    <a:lstStyle/>
+                    <a:p>
+                      <a:pPr latinLnBrk="1"/>
+                      <a:r>
+                        <a:rPr lang="en-US" altLang="ko-KR" sz="1000" dirty="0">
+                          <a:solidFill>
+                            <a:schemeClr val="tx1"/>
+                          </a:solidFill>
+                        </a:rPr>
+                        <a:t>iOS 17.0</a:t>
+                      </a:r>
+                      <a:endParaRPr lang="ko-KR" altLang="en-US" sz="1000" dirty="0">
+                        <a:solidFill>
+                          <a:schemeClr val="tx1"/>
+                        </a:solidFill>
+                      </a:endParaRPr>
+                    </a:p>
+                  </a:txBody>
+                  <a:tcPr>
+                    <a:lnL w="12700" cap="flat" cmpd="sng" algn="ctr">
+                      <a:solidFill>
+                        <a:schemeClr val="tx1"/>
+                      </a:solidFill>
+                      <a:prstDash val="solid"/>
+                      <a:round/>
+                      <a:headEnd type="none" w="med" len="med"/>
+                      <a:tailEnd type="none" w="med" len="med"/>
+                    </a:lnL>
+                    <a:lnT w="12700" cap="flat" cmpd="sng" algn="ctr">
+                      <a:solidFill>
+                        <a:schemeClr val="tx1"/>
+                      </a:solidFill>
+                      <a:prstDash val="solid"/>
+                      <a:round/>
+                      <a:headEnd type="none" w="med" len="med"/>
+                      <a:tailEnd type="none" w="med" len="med"/>
+                    </a:lnT>
+                    <a:lnB w="12700" cap="flat" cmpd="sng" algn="ctr">
+                      <a:solidFill>
+                        <a:schemeClr val="tx1"/>
+                      </a:solidFill>
+                      <a:prstDash val="solid"/>
+                      <a:round/>
+                      <a:headEnd type="none" w="med" len="med"/>
+                      <a:tailEnd type="none" w="med" len="med"/>
+                    </a:lnB>
+                    <a:noFill/>
+                  </a:tcPr>
+                </a:tc>
+                <a:extLst>
+                  <a:ext uri="{0D108BD9-81ED-4DB2-BD59-A6C34878D82A}">
+                    <a16:rowId xmlns:a16="http://schemas.microsoft.com/office/drawing/2014/main" val="1857694700"/>
+                  </a:ext>
+                </a:extLst>
+              </a:tr>
+              <a:tr h="314113">
+                <a:tc>
+                  <a:txBody>
+                    <a:bodyPr/>
+                    <a:lstStyle/>
+                    <a:p>
+                      <a:pPr latinLnBrk="1"/>
+                      <a:r>
+                        <a:rPr lang="ko-KR" altLang="en-US" sz="1300" dirty="0">
+                          <a:solidFill>
+                            <a:schemeClr val="tx1"/>
+                          </a:solidFill>
+                        </a:rPr>
+                        <a:t>플랫폼</a:t>
+                      </a:r>
+                    </a:p>
+                  </a:txBody>
+                  <a:tcPr>
+                    <a:lnR w="12700" cap="flat" cmpd="sng" algn="ctr">
+                      <a:solidFill>
+                        <a:schemeClr val="tx1"/>
+                      </a:solidFill>
+                      <a:prstDash val="solid"/>
+                      <a:round/>
+                      <a:headEnd type="none" w="med" len="med"/>
+                      <a:tailEnd type="none" w="med" len="med"/>
+                    </a:lnR>
+                    <a:lnT w="12700" cap="flat" cmpd="sng" algn="ctr">
+                      <a:solidFill>
+                        <a:schemeClr val="tx1"/>
+                      </a:solidFill>
+                      <a:prstDash val="solid"/>
+                      <a:round/>
+                      <a:headEnd type="none" w="med" len="med"/>
+                      <a:tailEnd type="none" w="med" len="med"/>
+                    </a:lnT>
+                    <a:lnB w="12700" cap="flat" cmpd="sng" algn="ctr">
+                      <a:solidFill>
+                        <a:schemeClr val="tx1"/>
+                      </a:solidFill>
+                      <a:prstDash val="solid"/>
+                      <a:round/>
+                      <a:headEnd type="none" w="med" len="med"/>
+                      <a:tailEnd type="none" w="med" len="med"/>
+                    </a:lnB>
+                    <a:noFill/>
+                  </a:tcPr>
+                </a:tc>
+                <a:tc>
+                  <a:txBody>
+                    <a:bodyPr/>
+                    <a:lstStyle/>
+                    <a:p>
+                      <a:pPr latinLnBrk="1"/>
+                      <a:r>
+                        <a:rPr lang="en-US" altLang="ko-KR" sz="1000" dirty="0">
+                          <a:solidFill>
+                            <a:schemeClr val="tx1"/>
+                          </a:solidFill>
+                        </a:rPr>
+                        <a:t>64-bit ARM</a:t>
+                      </a:r>
+                      <a:endParaRPr lang="ko-KR" altLang="en-US" sz="1000" dirty="0">
+                        <a:solidFill>
+                          <a:schemeClr val="tx1"/>
+                        </a:solidFill>
+                      </a:endParaRPr>
+                    </a:p>
+                  </a:txBody>
+                  <a:tcPr>
+                    <a:lnL w="12700" cap="flat" cmpd="sng" algn="ctr">
+                      <a:solidFill>
+                        <a:schemeClr val="tx1"/>
+                      </a:solidFill>
+                      <a:prstDash val="solid"/>
+                      <a:round/>
+                      <a:headEnd type="none" w="med" len="med"/>
+                      <a:tailEnd type="none" w="med" len="med"/>
+                    </a:lnL>
+                    <a:lnR w="12700" cap="flat" cmpd="sng" algn="ctr">
+                      <a:solidFill>
+                        <a:schemeClr val="tx1"/>
+                      </a:solidFill>
+                      <a:prstDash val="solid"/>
+                      <a:round/>
+                      <a:headEnd type="none" w="med" len="med"/>
+                      <a:tailEnd type="none" w="med" len="med"/>
+                    </a:lnR>
+                    <a:lnT w="12700" cap="flat" cmpd="sng" algn="ctr">
+                      <a:solidFill>
+                        <a:schemeClr val="tx1"/>
+                      </a:solidFill>
+                      <a:prstDash val="solid"/>
+                      <a:round/>
+                      <a:headEnd type="none" w="med" len="med"/>
+                      <a:tailEnd type="none" w="med" len="med"/>
+                    </a:lnT>
+                    <a:lnB w="12700" cap="flat" cmpd="sng" algn="ctr">
+                      <a:solidFill>
+                        <a:schemeClr val="tx1"/>
+                      </a:solidFill>
+                      <a:prstDash val="solid"/>
+                      <a:round/>
+                      <a:headEnd type="none" w="med" len="med"/>
+                      <a:tailEnd type="none" w="med" len="med"/>
+                    </a:lnB>
+                    <a:noFill/>
+                  </a:tcPr>
+                </a:tc>
+                <a:tc>
+                  <a:txBody>
+                    <a:bodyPr/>
+                    <a:lstStyle/>
+                    <a:p>
+                      <a:pPr latinLnBrk="1"/>
+                      <a:r>
+                        <a:rPr lang="en-US" altLang="ko-KR" sz="1000" dirty="0">
+                          <a:solidFill>
+                            <a:schemeClr val="tx1"/>
+                          </a:solidFill>
+                        </a:rPr>
+                        <a:t>ARMv8-A</a:t>
+                      </a:r>
+                      <a:endParaRPr lang="ko-KR" altLang="en-US" sz="1000" dirty="0">
+                        <a:solidFill>
+                          <a:schemeClr val="tx1"/>
+                        </a:solidFill>
+                      </a:endParaRPr>
+                    </a:p>
+                  </a:txBody>
+                  <a:tcPr>
+                    <a:lnL w="12700" cap="flat" cmpd="sng" algn="ctr">
+                      <a:solidFill>
+                        <a:schemeClr val="tx1"/>
+                      </a:solidFill>
+                      <a:prstDash val="solid"/>
+                      <a:round/>
+                      <a:headEnd type="none" w="med" len="med"/>
+                      <a:tailEnd type="none" w="med" len="med"/>
+                    </a:lnL>
+                    <a:lnT w="12700" cap="flat" cmpd="sng" algn="ctr">
+                      <a:solidFill>
+                        <a:schemeClr val="tx1"/>
+                      </a:solidFill>
+                      <a:prstDash val="solid"/>
+                      <a:round/>
+                      <a:headEnd type="none" w="med" len="med"/>
+                      <a:tailEnd type="none" w="med" len="med"/>
+                    </a:lnT>
+                    <a:lnB w="12700" cap="flat" cmpd="sng" algn="ctr">
+                      <a:solidFill>
+                        <a:schemeClr val="tx1"/>
+                      </a:solidFill>
+                      <a:prstDash val="solid"/>
+                      <a:round/>
+                      <a:headEnd type="none" w="med" len="med"/>
+                      <a:tailEnd type="none" w="med" len="med"/>
+                    </a:lnB>
+                    <a:noFill/>
+                  </a:tcPr>
+                </a:tc>
+                <a:extLst>
+                  <a:ext uri="{0D108BD9-81ED-4DB2-BD59-A6C34878D82A}">
+                    <a16:rowId xmlns:a16="http://schemas.microsoft.com/office/drawing/2014/main" val="2770858866"/>
+                  </a:ext>
+                </a:extLst>
+              </a:tr>
+              <a:tr h="314113">
+                <a:tc>
+                  <a:txBody>
+                    <a:bodyPr/>
+                    <a:lstStyle/>
+                    <a:p>
+                      <a:pPr latinLnBrk="1"/>
+                      <a:r>
+                        <a:rPr lang="ko-KR" altLang="en-US" sz="1300" dirty="0">
+                          <a:solidFill>
+                            <a:schemeClr val="tx1"/>
+                          </a:solidFill>
+                        </a:rPr>
+                        <a:t>타겟</a:t>
+                      </a:r>
+                    </a:p>
+                  </a:txBody>
+                  <a:tcPr>
+                    <a:lnR w="12700" cap="flat" cmpd="sng" algn="ctr">
+                      <a:solidFill>
+                        <a:schemeClr val="tx1"/>
+                      </a:solidFill>
+                      <a:prstDash val="solid"/>
+                      <a:round/>
+                      <a:headEnd type="none" w="med" len="med"/>
+                      <a:tailEnd type="none" w="med" len="med"/>
+                    </a:lnR>
+                    <a:lnT w="12700" cap="flat" cmpd="sng" algn="ctr">
+                      <a:solidFill>
+                        <a:schemeClr val="tx1"/>
+                      </a:solidFill>
+                      <a:prstDash val="solid"/>
+                      <a:round/>
+                      <a:headEnd type="none" w="med" len="med"/>
+                      <a:tailEnd type="none" w="med" len="med"/>
+                    </a:lnT>
+                    <a:lnB w="12700" cap="flat" cmpd="sng" algn="ctr">
+                      <a:solidFill>
+                        <a:schemeClr val="tx1"/>
+                      </a:solidFill>
+                      <a:prstDash val="solid"/>
+                      <a:round/>
+                      <a:headEnd type="none" w="med" len="med"/>
+                      <a:tailEnd type="none" w="med" len="med"/>
+                    </a:lnB>
+                    <a:noFill/>
+                  </a:tcPr>
+                </a:tc>
+                <a:tc>
+                  <a:txBody>
+                    <a:bodyPr/>
+                    <a:lstStyle/>
+                    <a:p>
+                      <a:pPr latinLnBrk="1"/>
+                      <a:r>
+                        <a:rPr lang="ko-KR" altLang="en-US" sz="1000" dirty="0">
+                          <a:solidFill>
+                            <a:schemeClr val="tx1"/>
+                          </a:solidFill>
+                        </a:rPr>
+                        <a:t>스마트폰</a:t>
+                      </a:r>
+                      <a:r>
+                        <a:rPr lang="en-US" altLang="ko-KR" sz="1000" dirty="0">
+                          <a:solidFill>
+                            <a:schemeClr val="tx1"/>
+                          </a:solidFill>
+                        </a:rPr>
+                        <a:t>, </a:t>
+                      </a:r>
+                      <a:r>
+                        <a:rPr lang="ko-KR" altLang="en-US" sz="1000" dirty="0" err="1">
+                          <a:solidFill>
+                            <a:schemeClr val="tx1"/>
+                          </a:solidFill>
+                        </a:rPr>
+                        <a:t>태플릿</a:t>
+                      </a:r>
+                      <a:r>
+                        <a:rPr lang="en-US" altLang="ko-KR" sz="1000" dirty="0">
+                          <a:solidFill>
+                            <a:schemeClr val="tx1"/>
+                          </a:solidFill>
+                        </a:rPr>
+                        <a:t>, </a:t>
+                      </a:r>
+                      <a:r>
+                        <a:rPr lang="ko-KR" altLang="en-US" sz="1000" dirty="0">
+                          <a:solidFill>
+                            <a:schemeClr val="tx1"/>
+                          </a:solidFill>
+                        </a:rPr>
+                        <a:t>안드로이드 </a:t>
+                      </a:r>
+                      <a:r>
+                        <a:rPr lang="en-US" altLang="ko-KR" sz="1000" dirty="0">
+                          <a:solidFill>
+                            <a:schemeClr val="tx1"/>
+                          </a:solidFill>
+                        </a:rPr>
+                        <a:t>TV, </a:t>
+                      </a:r>
+                      <a:r>
+                        <a:rPr lang="ko-KR" altLang="en-US" sz="1000" dirty="0">
+                          <a:solidFill>
+                            <a:schemeClr val="tx1"/>
+                          </a:solidFill>
+                        </a:rPr>
+                        <a:t>안드로이드 </a:t>
+                      </a:r>
+                      <a:r>
+                        <a:rPr lang="en-US" altLang="ko-KR" sz="1000" dirty="0">
+                          <a:solidFill>
+                            <a:schemeClr val="tx1"/>
+                          </a:solidFill>
+                        </a:rPr>
+                        <a:t>Auto, </a:t>
+                      </a:r>
+                      <a:r>
+                        <a:rPr lang="ko-KR" altLang="en-US" sz="1000" dirty="0">
+                          <a:solidFill>
+                            <a:schemeClr val="tx1"/>
+                          </a:solidFill>
+                        </a:rPr>
+                        <a:t>스마트 </a:t>
+                      </a:r>
+                      <a:r>
+                        <a:rPr lang="ko-KR" altLang="en-US" sz="1000" dirty="0" err="1">
+                          <a:solidFill>
+                            <a:schemeClr val="tx1"/>
+                          </a:solidFill>
+                        </a:rPr>
+                        <a:t>워치</a:t>
+                      </a:r>
+                      <a:endParaRPr lang="ko-KR" altLang="en-US" sz="1000" dirty="0">
+                        <a:solidFill>
+                          <a:schemeClr val="tx1"/>
+                        </a:solidFill>
+                      </a:endParaRPr>
+                    </a:p>
+                  </a:txBody>
+                  <a:tcPr>
+                    <a:lnL w="12700" cap="flat" cmpd="sng" algn="ctr">
+                      <a:solidFill>
+                        <a:schemeClr val="tx1"/>
+                      </a:solidFill>
+                      <a:prstDash val="solid"/>
+                      <a:round/>
+                      <a:headEnd type="none" w="med" len="med"/>
+                      <a:tailEnd type="none" w="med" len="med"/>
+                    </a:lnL>
+                    <a:lnR w="12700" cap="flat" cmpd="sng" algn="ctr">
+                      <a:solidFill>
+                        <a:schemeClr val="tx1"/>
+                      </a:solidFill>
+                      <a:prstDash val="solid"/>
+                      <a:round/>
+                      <a:headEnd type="none" w="med" len="med"/>
+                      <a:tailEnd type="none" w="med" len="med"/>
+                    </a:lnR>
+                    <a:lnT w="12700" cap="flat" cmpd="sng" algn="ctr">
+                      <a:solidFill>
+                        <a:schemeClr val="tx1"/>
+                      </a:solidFill>
+                      <a:prstDash val="solid"/>
+                      <a:round/>
+                      <a:headEnd type="none" w="med" len="med"/>
+                      <a:tailEnd type="none" w="med" len="med"/>
+                    </a:lnT>
+                    <a:lnB w="12700" cap="flat" cmpd="sng" algn="ctr">
+                      <a:solidFill>
+                        <a:schemeClr val="tx1"/>
+                      </a:solidFill>
+                      <a:prstDash val="solid"/>
+                      <a:round/>
+                      <a:headEnd type="none" w="med" len="med"/>
+                      <a:tailEnd type="none" w="med" len="med"/>
+                    </a:lnB>
+                    <a:noFill/>
+                  </a:tcPr>
+                </a:tc>
+                <a:tc>
+                  <a:txBody>
+                    <a:bodyPr/>
+                    <a:lstStyle/>
+                    <a:p>
+                      <a:pPr latinLnBrk="1"/>
+                      <a:r>
+                        <a:rPr lang="ko-KR" altLang="en-US" sz="1000" dirty="0">
+                          <a:solidFill>
+                            <a:schemeClr val="tx1"/>
+                          </a:solidFill>
+                        </a:rPr>
+                        <a:t>스마트폰</a:t>
+                      </a:r>
+                      <a:r>
+                        <a:rPr lang="en-US" altLang="ko-KR" sz="1000" dirty="0">
+                          <a:solidFill>
+                            <a:schemeClr val="tx1"/>
+                          </a:solidFill>
+                        </a:rPr>
+                        <a:t>, </a:t>
+                      </a:r>
+                      <a:r>
+                        <a:rPr lang="ko-KR" altLang="en-US" sz="1000" dirty="0" err="1">
+                          <a:solidFill>
+                            <a:schemeClr val="tx1"/>
+                          </a:solidFill>
+                        </a:rPr>
+                        <a:t>태플릿</a:t>
+                      </a:r>
+                      <a:r>
+                        <a:rPr lang="en-US" altLang="ko-KR" sz="1000" dirty="0">
+                          <a:solidFill>
+                            <a:schemeClr val="tx1"/>
+                          </a:solidFill>
+                        </a:rPr>
+                        <a:t>, </a:t>
+                      </a:r>
+                      <a:r>
+                        <a:rPr lang="ko-KR" altLang="en-US" sz="1000" dirty="0">
+                          <a:solidFill>
+                            <a:schemeClr val="tx1"/>
+                          </a:solidFill>
+                        </a:rPr>
+                        <a:t>포터블 미디어 플레이어</a:t>
+                      </a:r>
+                    </a:p>
+                  </a:txBody>
+                  <a:tcPr>
+                    <a:lnL w="12700" cap="flat" cmpd="sng" algn="ctr">
+                      <a:solidFill>
+                        <a:schemeClr val="tx1"/>
+                      </a:solidFill>
+                      <a:prstDash val="solid"/>
+                      <a:round/>
+                      <a:headEnd type="none" w="med" len="med"/>
+                      <a:tailEnd type="none" w="med" len="med"/>
+                    </a:lnL>
+                    <a:lnT w="12700" cap="flat" cmpd="sng" algn="ctr">
+                      <a:solidFill>
+                        <a:schemeClr val="tx1"/>
+                      </a:solidFill>
+                      <a:prstDash val="solid"/>
+                      <a:round/>
+                      <a:headEnd type="none" w="med" len="med"/>
+                      <a:tailEnd type="none" w="med" len="med"/>
+                    </a:lnT>
+                    <a:lnB w="12700" cap="flat" cmpd="sng" algn="ctr">
+                      <a:solidFill>
+                        <a:schemeClr val="tx1"/>
+                      </a:solidFill>
+                      <a:prstDash val="solid"/>
+                      <a:round/>
+                      <a:headEnd type="none" w="med" len="med"/>
+                      <a:tailEnd type="none" w="med" len="med"/>
+                    </a:lnB>
+                    <a:noFill/>
+                  </a:tcPr>
+                </a:tc>
+                <a:extLst>
+                  <a:ext uri="{0D108BD9-81ED-4DB2-BD59-A6C34878D82A}">
+                    <a16:rowId xmlns:a16="http://schemas.microsoft.com/office/drawing/2014/main" val="865186174"/>
+                  </a:ext>
+                </a:extLst>
+              </a:tr>
+              <a:tr h="314113">
+                <a:tc>
+                  <a:txBody>
+                    <a:bodyPr/>
+                    <a:lstStyle/>
+                    <a:p>
+                      <a:pPr latinLnBrk="1"/>
+                      <a:r>
+                        <a:rPr lang="ko-KR" altLang="en-US" sz="1300" dirty="0">
+                          <a:solidFill>
+                            <a:schemeClr val="tx1"/>
+                          </a:solidFill>
+                        </a:rPr>
+                        <a:t>라이선스</a:t>
+                      </a:r>
+                    </a:p>
+                  </a:txBody>
+                  <a:tcPr>
+                    <a:lnR w="12700" cap="flat" cmpd="sng" algn="ctr">
+                      <a:solidFill>
+                        <a:schemeClr val="tx1"/>
+                      </a:solidFill>
+                      <a:prstDash val="solid"/>
+                      <a:round/>
+                      <a:headEnd type="none" w="med" len="med"/>
+                      <a:tailEnd type="none" w="med" len="med"/>
+                    </a:lnR>
+                    <a:lnT w="12700" cap="flat" cmpd="sng" algn="ctr">
+                      <a:solidFill>
+                        <a:schemeClr val="tx1"/>
+                      </a:solidFill>
+                      <a:prstDash val="solid"/>
+                      <a:round/>
+                      <a:headEnd type="none" w="med" len="med"/>
+                      <a:tailEnd type="none" w="med" len="med"/>
+                    </a:lnT>
+                    <a:lnB w="12700" cap="flat" cmpd="sng" algn="ctr">
+                      <a:solidFill>
+                        <a:schemeClr val="tx1"/>
+                      </a:solidFill>
+                      <a:prstDash val="solid"/>
+                      <a:round/>
+                      <a:headEnd type="none" w="med" len="med"/>
+                      <a:tailEnd type="none" w="med" len="med"/>
+                    </a:lnB>
+                    <a:noFill/>
+                  </a:tcPr>
+                </a:tc>
+                <a:tc>
+                  <a:txBody>
+                    <a:bodyPr/>
+                    <a:lstStyle/>
+                    <a:p>
+                      <a:pPr latinLnBrk="1"/>
+                      <a:r>
+                        <a:rPr lang="en-US" altLang="ko-KR" sz="1000" dirty="0">
+                          <a:solidFill>
+                            <a:schemeClr val="tx1"/>
+                          </a:solidFill>
+                          <a:highlight>
+                            <a:srgbClr val="FFFF00"/>
+                          </a:highlight>
+                        </a:rPr>
+                        <a:t>Open</a:t>
+                      </a:r>
+                      <a:r>
+                        <a:rPr lang="ko-KR" altLang="en-US" sz="1000" dirty="0">
+                          <a:solidFill>
+                            <a:schemeClr val="tx1"/>
+                          </a:solidFill>
+                          <a:highlight>
+                            <a:srgbClr val="FFFF00"/>
+                          </a:highlight>
+                        </a:rPr>
+                        <a:t> </a:t>
+                      </a:r>
+                      <a:r>
+                        <a:rPr lang="en-US" altLang="ko-KR" sz="1000" dirty="0">
+                          <a:solidFill>
+                            <a:schemeClr val="tx1"/>
+                          </a:solidFill>
+                          <a:highlight>
+                            <a:srgbClr val="FFFF00"/>
+                          </a:highlight>
+                        </a:rPr>
+                        <a:t>Source</a:t>
+                      </a:r>
+                      <a:endParaRPr lang="ko-KR" altLang="en-US" sz="1000" dirty="0">
+                        <a:solidFill>
+                          <a:schemeClr val="tx1"/>
+                        </a:solidFill>
+                        <a:highlight>
+                          <a:srgbClr val="FFFF00"/>
+                        </a:highlight>
+                      </a:endParaRPr>
+                    </a:p>
+                  </a:txBody>
+                  <a:tcPr>
+                    <a:lnL w="12700" cap="flat" cmpd="sng" algn="ctr">
+                      <a:solidFill>
+                        <a:schemeClr val="tx1"/>
+                      </a:solidFill>
+                      <a:prstDash val="solid"/>
+                      <a:round/>
+                      <a:headEnd type="none" w="med" len="med"/>
+                      <a:tailEnd type="none" w="med" len="med"/>
+                    </a:lnL>
+                    <a:lnR w="12700" cap="flat" cmpd="sng" algn="ctr">
+                      <a:solidFill>
+                        <a:schemeClr val="tx1"/>
+                      </a:solidFill>
+                      <a:prstDash val="solid"/>
+                      <a:round/>
+                      <a:headEnd type="none" w="med" len="med"/>
+                      <a:tailEnd type="none" w="med" len="med"/>
+                    </a:lnR>
+                    <a:lnT w="12700" cap="flat" cmpd="sng" algn="ctr">
+                      <a:solidFill>
+                        <a:schemeClr val="tx1"/>
+                      </a:solidFill>
+                      <a:prstDash val="solid"/>
+                      <a:round/>
+                      <a:headEnd type="none" w="med" len="med"/>
+                      <a:tailEnd type="none" w="med" len="med"/>
+                    </a:lnT>
+                    <a:lnB w="12700" cap="flat" cmpd="sng" algn="ctr">
+                      <a:solidFill>
+                        <a:schemeClr val="tx1"/>
+                      </a:solidFill>
+                      <a:prstDash val="solid"/>
+                      <a:round/>
+                      <a:headEnd type="none" w="med" len="med"/>
+                      <a:tailEnd type="none" w="med" len="med"/>
+                    </a:lnB>
+                    <a:noFill/>
+                  </a:tcPr>
+                </a:tc>
+                <a:tc>
+                  <a:txBody>
+                    <a:bodyPr/>
+                    <a:lstStyle/>
+                    <a:p>
+                      <a:pPr latinLnBrk="1"/>
+                      <a:r>
+                        <a:rPr lang="en-US" altLang="ko-KR" sz="1000" dirty="0">
+                          <a:solidFill>
+                            <a:schemeClr val="tx1"/>
+                          </a:solidFill>
+                          <a:highlight>
+                            <a:srgbClr val="FFFF00"/>
+                          </a:highlight>
+                        </a:rPr>
+                        <a:t>Proprietary</a:t>
+                      </a:r>
+                      <a:endParaRPr lang="ko-KR" altLang="en-US" sz="1000" dirty="0">
+                        <a:solidFill>
+                          <a:schemeClr val="tx1"/>
+                        </a:solidFill>
+                        <a:highlight>
+                          <a:srgbClr val="FFFF00"/>
+                        </a:highlight>
+                      </a:endParaRPr>
+                    </a:p>
+                  </a:txBody>
+                  <a:tcPr>
+                    <a:lnL w="12700" cap="flat" cmpd="sng" algn="ctr">
+                      <a:solidFill>
+                        <a:schemeClr val="tx1"/>
+                      </a:solidFill>
+                      <a:prstDash val="solid"/>
+                      <a:round/>
+                      <a:headEnd type="none" w="med" len="med"/>
+                      <a:tailEnd type="none" w="med" len="med"/>
+                    </a:lnL>
+                    <a:lnT w="12700" cap="flat" cmpd="sng" algn="ctr">
+                      <a:solidFill>
+                        <a:schemeClr val="tx1"/>
+                      </a:solidFill>
+                      <a:prstDash val="solid"/>
+                      <a:round/>
+                      <a:headEnd type="none" w="med" len="med"/>
+                      <a:tailEnd type="none" w="med" len="med"/>
+                    </a:lnT>
+                    <a:lnB w="12700" cap="flat" cmpd="sng" algn="ctr">
+                      <a:solidFill>
+                        <a:schemeClr val="tx1"/>
+                      </a:solidFill>
+                      <a:prstDash val="solid"/>
+                      <a:round/>
+                      <a:headEnd type="none" w="med" len="med"/>
+                      <a:tailEnd type="none" w="med" len="med"/>
+                    </a:lnB>
+                    <a:noFill/>
+                  </a:tcPr>
+                </a:tc>
+                <a:extLst>
+                  <a:ext uri="{0D108BD9-81ED-4DB2-BD59-A6C34878D82A}">
+                    <a16:rowId xmlns:a16="http://schemas.microsoft.com/office/drawing/2014/main" val="3879965384"/>
+                  </a:ext>
+                </a:extLst>
+              </a:tr>
+              <a:tr h="314113">
+                <a:tc>
+                  <a:txBody>
+                    <a:bodyPr/>
+                    <a:lstStyle/>
+                    <a:p>
+                      <a:pPr latinLnBrk="1"/>
+                      <a:r>
+                        <a:rPr lang="ko-KR" altLang="en-US" sz="1300" dirty="0">
+                          <a:solidFill>
+                            <a:schemeClr val="tx1"/>
+                          </a:solidFill>
+                        </a:rPr>
+                        <a:t>앱스토어</a:t>
+                      </a:r>
+                    </a:p>
+                  </a:txBody>
+                  <a:tcPr>
+                    <a:lnR w="12700" cap="flat" cmpd="sng" algn="ctr">
+                      <a:solidFill>
+                        <a:schemeClr val="tx1"/>
+                      </a:solidFill>
+                      <a:prstDash val="solid"/>
+                      <a:round/>
+                      <a:headEnd type="none" w="med" len="med"/>
+                      <a:tailEnd type="none" w="med" len="med"/>
+                    </a:lnR>
+                    <a:lnT w="12700" cap="flat" cmpd="sng" algn="ctr">
+                      <a:solidFill>
+                        <a:schemeClr val="tx1"/>
+                      </a:solidFill>
+                      <a:prstDash val="solid"/>
+                      <a:round/>
+                      <a:headEnd type="none" w="med" len="med"/>
+                      <a:tailEnd type="none" w="med" len="med"/>
+                    </a:lnT>
+                    <a:noFill/>
+                  </a:tcPr>
+                </a:tc>
+                <a:tc>
+                  <a:txBody>
+                    <a:bodyPr/>
+                    <a:lstStyle/>
+                    <a:p>
+                      <a:pPr latinLnBrk="1"/>
+                      <a:r>
+                        <a:rPr lang="en-US" altLang="ko-KR" sz="1000" dirty="0">
+                          <a:solidFill>
+                            <a:schemeClr val="tx1"/>
+                          </a:solidFill>
+                        </a:rPr>
+                        <a:t>Google Play</a:t>
+                      </a:r>
+                      <a:endParaRPr lang="ko-KR" altLang="en-US" sz="1000" dirty="0">
+                        <a:solidFill>
+                          <a:schemeClr val="tx1"/>
+                        </a:solidFill>
+                      </a:endParaRPr>
+                    </a:p>
+                  </a:txBody>
+                  <a:tcPr>
+                    <a:lnL w="12700" cap="flat" cmpd="sng" algn="ctr">
+                      <a:solidFill>
+                        <a:schemeClr val="tx1"/>
+                      </a:solidFill>
+                      <a:prstDash val="solid"/>
+                      <a:round/>
+                      <a:headEnd type="none" w="med" len="med"/>
+                      <a:tailEnd type="none" w="med" len="med"/>
+                    </a:lnL>
+                    <a:lnR w="12700" cap="flat" cmpd="sng" algn="ctr">
+                      <a:solidFill>
+                        <a:schemeClr val="tx1"/>
+                      </a:solidFill>
+                      <a:prstDash val="solid"/>
+                      <a:round/>
+                      <a:headEnd type="none" w="med" len="med"/>
+                      <a:tailEnd type="none" w="med" len="med"/>
+                    </a:lnR>
+                    <a:lnT w="12700" cap="flat" cmpd="sng" algn="ctr">
+                      <a:solidFill>
+                        <a:schemeClr val="tx1"/>
+                      </a:solidFill>
+                      <a:prstDash val="solid"/>
+                      <a:round/>
+                      <a:headEnd type="none" w="med" len="med"/>
+                      <a:tailEnd type="none" w="med" len="med"/>
+                    </a:lnT>
+                    <a:noFill/>
+                  </a:tcPr>
+                </a:tc>
+                <a:tc>
+                  <a:txBody>
+                    <a:bodyPr/>
+                    <a:lstStyle/>
+                    <a:p>
+                      <a:pPr latinLnBrk="1"/>
+                      <a:r>
+                        <a:rPr lang="en-US" altLang="ko-KR" sz="1000" dirty="0">
+                          <a:solidFill>
+                            <a:schemeClr val="tx1"/>
+                          </a:solidFill>
+                        </a:rPr>
+                        <a:t>Apple Appstore</a:t>
+                      </a:r>
+                      <a:endParaRPr lang="ko-KR" altLang="en-US" sz="1000" dirty="0">
+                        <a:solidFill>
+                          <a:schemeClr val="tx1"/>
+                        </a:solidFill>
+                      </a:endParaRPr>
+                    </a:p>
+                  </a:txBody>
+                  <a:tcPr>
+                    <a:lnL w="12700" cap="flat" cmpd="sng" algn="ctr">
+                      <a:solidFill>
+                        <a:schemeClr val="tx1"/>
+                      </a:solidFill>
+                      <a:prstDash val="solid"/>
+                      <a:round/>
+                      <a:headEnd type="none" w="med" len="med"/>
+                      <a:tailEnd type="none" w="med" len="med"/>
+                    </a:lnL>
+                    <a:lnT w="12700" cap="flat" cmpd="sng" algn="ctr">
+                      <a:solidFill>
+                        <a:schemeClr val="tx1"/>
+                      </a:solidFill>
+                      <a:prstDash val="solid"/>
+                      <a:round/>
+                      <a:headEnd type="none" w="med" len="med"/>
+                      <a:tailEnd type="none" w="med" len="med"/>
+                    </a:lnT>
+                    <a:noFill/>
+                  </a:tcPr>
+                </a:tc>
+                <a:extLst>
+                  <a:ext uri="{0D108BD9-81ED-4DB2-BD59-A6C34878D82A}">
+                    <a16:rowId xmlns:a16="http://schemas.microsoft.com/office/drawing/2014/main" val="2427436083"/>
+                  </a:ext>
+                </a:extLst>
+              </a:tr>
+            </a:tbl>
+          </a:graphicData>
+        </a:graphic>
+      </p:graphicFrame>
+      <p:cxnSp>
+        <p:nvCxnSpPr>
+          <p:cNvPr id="7" name="직선 연결선 6">
+            <a:extLst>
+              <a:ext uri="{FF2B5EF4-FFF2-40B4-BE49-F238E27FC236}">
+                <a16:creationId xmlns:a16="http://schemas.microsoft.com/office/drawing/2014/main" id="{396ABC2F-46EF-B557-13D1-C557F1EE561D}"/>
+              </a:ext>
+            </a:extLst>
+          </p:cNvPr>
+          <p:cNvCxnSpPr/>
+          <p:nvPr/>
+        </p:nvCxnSpPr>
+        <p:spPr>
+          <a:xfrm>
+            <a:off x="311150" y="640665"/>
+            <a:ext cx="11499850" cy="0"/>
+          </a:xfrm>
+          <a:prstGeom prst="line">
+            <a:avLst/>
+          </a:prstGeom>
+        </p:spPr>
+        <p:style>
+          <a:lnRef idx="2">
+            <a:schemeClr val="accent1"/>
+          </a:lnRef>
+          <a:fillRef idx="0">
+            <a:schemeClr val="accent1"/>
+          </a:fillRef>
+          <a:effectRef idx="1">
+            <a:schemeClr val="accent1"/>
+          </a:effectRef>
+          <a:fontRef idx="minor">
+            <a:schemeClr val="tx1"/>
+          </a:fontRef>
+        </p:style>
+      </p:cxnSp>
+    </p:spTree>
+    <p:extLst>
+      <p:ext uri="{BB962C8B-B14F-4D97-AF65-F5344CB8AC3E}">
+        <p14:creationId xmlns:p14="http://schemas.microsoft.com/office/powerpoint/2010/main" val="1099797946"/>
+      </p:ext>
+    </p:extLst>
+  </p:cSld>
+  <p:clrMapOvr>
+    <a:masterClrMapping/>
+  </p:clrMapOvr>
+</p:sld>
+</file>
+
+<file path=ppt/slides/slide3.xml><?xml version="1.0" encoding="utf-8"?>
+<p:sld xmlns:a="http://schemas.openxmlformats.org/drawingml/2006/main" xmlns:r="http://schemas.openxmlformats.org/officeDocument/2006/relationships" xmlns:p="http://schemas.openxmlformats.org/presentationml/2006/main">
+  <p:cSld>
+    <p:spTree>
+      <p:nvGrpSpPr>
+        <p:cNvPr id="1" name=""/>
+        <p:cNvGrpSpPr/>
+        <p:nvPr/>
+      </p:nvGrpSpPr>
+      <p:grpSpPr>
+        <a:xfrm>
+          <a:off x="0" y="0"/>
+          <a:ext cx="0" cy="0"/>
+          <a:chOff x="0" y="0"/>
+          <a:chExt cx="0" cy="0"/>
+        </a:xfrm>
+      </p:grpSpPr>
+      <p:sp>
+        <p:nvSpPr>
+          <p:cNvPr id="4" name="TextBox 3">
+            <a:extLst>
+              <a:ext uri="{FF2B5EF4-FFF2-40B4-BE49-F238E27FC236}">
+                <a16:creationId xmlns:a16="http://schemas.microsoft.com/office/drawing/2014/main" id="{29FAE5ED-BA65-8D6C-2FA4-D5B3391B71B6}"/>
+              </a:ext>
+            </a:extLst>
+          </p:cNvPr>
+          <p:cNvSpPr txBox="1"/>
+          <p:nvPr/>
+        </p:nvSpPr>
+        <p:spPr>
+          <a:xfrm>
+            <a:off x="11664950" y="6581001"/>
+            <a:ext cx="527050" cy="276999"/>
+          </a:xfrm>
+          <a:prstGeom prst="rect">
+            <a:avLst/>
+          </a:prstGeom>
+          <a:noFill/>
+        </p:spPr>
+        <p:txBody>
+          <a:bodyPr wrap="square" rtlCol="0">
+            <a:spAutoFit/>
+          </a:bodyPr>
+          <a:lstStyle/>
+          <a:p>
+            <a:pPr algn="r"/>
+            <a:r>
+              <a:rPr lang="en-US" altLang="ko-KR" sz="1200" dirty="0"/>
+              <a:t>Ch1</a:t>
+            </a:r>
+            <a:endParaRPr lang="ko-KR" altLang="en-US" sz="1200" dirty="0"/>
+          </a:p>
+        </p:txBody>
+      </p:sp>
+      <p:sp>
+        <p:nvSpPr>
+          <p:cNvPr id="5" name="TextBox 4">
+            <a:extLst>
+              <a:ext uri="{FF2B5EF4-FFF2-40B4-BE49-F238E27FC236}">
+                <a16:creationId xmlns:a16="http://schemas.microsoft.com/office/drawing/2014/main" id="{78D9FF8D-6741-6CDE-7D28-42AB81CDC249}"/>
+              </a:ext>
+            </a:extLst>
+          </p:cNvPr>
+          <p:cNvSpPr txBox="1"/>
+          <p:nvPr/>
+        </p:nvSpPr>
+        <p:spPr>
+          <a:xfrm>
+            <a:off x="311150" y="211668"/>
+            <a:ext cx="2451100" cy="323165"/>
+          </a:xfrm>
+          <a:prstGeom prst="rect">
+            <a:avLst/>
+          </a:prstGeom>
+          <a:noFill/>
+        </p:spPr>
+        <p:txBody>
+          <a:bodyPr wrap="square" rtlCol="0">
+            <a:spAutoFit/>
+          </a:bodyPr>
+          <a:lstStyle/>
+          <a:p>
+            <a:r>
+              <a:rPr lang="en-US" altLang="ko-KR" sz="1500" dirty="0"/>
+              <a:t>Android </a:t>
+            </a:r>
+            <a:r>
+              <a:rPr lang="ko-KR" altLang="en-US" sz="1500" dirty="0"/>
+              <a:t>개발 환경 구축</a:t>
+            </a:r>
+          </a:p>
+        </p:txBody>
+      </p:sp>
+      <p:cxnSp>
+        <p:nvCxnSpPr>
+          <p:cNvPr id="7" name="직선 연결선 6">
+            <a:extLst>
+              <a:ext uri="{FF2B5EF4-FFF2-40B4-BE49-F238E27FC236}">
+                <a16:creationId xmlns:a16="http://schemas.microsoft.com/office/drawing/2014/main" id="{396ABC2F-46EF-B557-13D1-C557F1EE561D}"/>
+              </a:ext>
+            </a:extLst>
+          </p:cNvPr>
+          <p:cNvCxnSpPr/>
+          <p:nvPr/>
+        </p:nvCxnSpPr>
+        <p:spPr>
+          <a:xfrm>
+            <a:off x="311150" y="640665"/>
+            <a:ext cx="11499850" cy="0"/>
+          </a:xfrm>
+          <a:prstGeom prst="line">
+            <a:avLst/>
+          </a:prstGeom>
+        </p:spPr>
+        <p:style>
+          <a:lnRef idx="2">
+            <a:schemeClr val="accent1"/>
+          </a:lnRef>
+          <a:fillRef idx="0">
+            <a:schemeClr val="accent1"/>
+          </a:fillRef>
+          <a:effectRef idx="1">
+            <a:schemeClr val="accent1"/>
+          </a:effectRef>
+          <a:fontRef idx="minor">
+            <a:schemeClr val="tx1"/>
+          </a:fontRef>
+        </p:style>
+      </p:cxnSp>
+      <p:sp>
+        <p:nvSpPr>
+          <p:cNvPr id="2" name="TextBox 1">
+            <a:extLst>
+              <a:ext uri="{FF2B5EF4-FFF2-40B4-BE49-F238E27FC236}">
+                <a16:creationId xmlns:a16="http://schemas.microsoft.com/office/drawing/2014/main" id="{709919FE-2C01-8C22-76DF-AD2F15980C5C}"/>
+              </a:ext>
+            </a:extLst>
+          </p:cNvPr>
+          <p:cNvSpPr txBox="1"/>
+          <p:nvPr/>
+        </p:nvSpPr>
+        <p:spPr>
+          <a:xfrm>
+            <a:off x="311150" y="825579"/>
+            <a:ext cx="5927725" cy="1092607"/>
+          </a:xfrm>
+          <a:prstGeom prst="rect">
+            <a:avLst/>
+          </a:prstGeom>
+          <a:noFill/>
+        </p:spPr>
+        <p:txBody>
+          <a:bodyPr wrap="square" rtlCol="0">
+            <a:spAutoFit/>
+          </a:bodyPr>
+          <a:lstStyle/>
+          <a:p>
+            <a:pPr marL="342900" indent="-342900">
+              <a:buAutoNum type="arabicPeriod"/>
+            </a:pPr>
+            <a:r>
+              <a:rPr lang="en-US" altLang="ko-KR" sz="1300" dirty="0"/>
+              <a:t>Android Studio </a:t>
+            </a:r>
+            <a:r>
+              <a:rPr lang="ko-KR" altLang="en-US" sz="1300" dirty="0"/>
+              <a:t>다운로드</a:t>
+            </a:r>
+            <a:endParaRPr lang="en-US" altLang="ko-KR" sz="1300" dirty="0"/>
+          </a:p>
+          <a:p>
+            <a:pPr marL="342900" indent="-342900">
+              <a:buAutoNum type="arabicPeriod"/>
+            </a:pPr>
+            <a:r>
+              <a:rPr lang="en-US" altLang="ko-KR" sz="1300" dirty="0"/>
+              <a:t>Android Studio </a:t>
+            </a:r>
+            <a:r>
+              <a:rPr lang="ko-KR" altLang="en-US" sz="1300" dirty="0"/>
+              <a:t>설치</a:t>
+            </a:r>
+            <a:endParaRPr lang="en-US" altLang="ko-KR" sz="1300" dirty="0"/>
+          </a:p>
+          <a:p>
+            <a:pPr marL="342900" indent="-342900">
+              <a:buAutoNum type="arabicPeriod"/>
+            </a:pPr>
+            <a:r>
+              <a:rPr lang="en-US" altLang="ko-KR" sz="1300" dirty="0"/>
+              <a:t>Android Studio </a:t>
+            </a:r>
+            <a:r>
+              <a:rPr lang="ko-KR" altLang="en-US" sz="1300" dirty="0"/>
+              <a:t>환경 설정</a:t>
+            </a:r>
+            <a:endParaRPr lang="en-US" altLang="ko-KR" sz="1300" dirty="0"/>
+          </a:p>
+          <a:p>
+            <a:pPr marL="342900" indent="-342900">
+              <a:buAutoNum type="arabicPeriod"/>
+            </a:pPr>
+            <a:r>
+              <a:rPr lang="en-US" altLang="ko-KR" sz="1300" dirty="0"/>
+              <a:t>SDK </a:t>
+            </a:r>
+            <a:r>
+              <a:rPr lang="ko-KR" altLang="en-US" sz="1300" dirty="0"/>
+              <a:t>업데이트</a:t>
+            </a:r>
+            <a:endParaRPr lang="en-US" altLang="ko-KR" sz="1300" dirty="0"/>
+          </a:p>
+          <a:p>
+            <a:pPr marL="342900" indent="-342900">
+              <a:buAutoNum type="arabicPeriod"/>
+            </a:pPr>
+            <a:r>
+              <a:rPr lang="en-US" altLang="ko-KR" sz="1300" dirty="0"/>
+              <a:t>AVD </a:t>
+            </a:r>
+            <a:r>
+              <a:rPr lang="ko-KR" altLang="en-US" sz="1300" dirty="0"/>
+              <a:t>생성 및 설정</a:t>
+            </a:r>
+          </a:p>
+        </p:txBody>
+      </p:sp>
+      <p:sp>
+        <p:nvSpPr>
+          <p:cNvPr id="3" name="TextBox 2">
+            <a:extLst>
+              <a:ext uri="{FF2B5EF4-FFF2-40B4-BE49-F238E27FC236}">
+                <a16:creationId xmlns:a16="http://schemas.microsoft.com/office/drawing/2014/main" id="{EC9C4A85-0027-5A23-1153-39C436CC1D20}"/>
+              </a:ext>
+            </a:extLst>
+          </p:cNvPr>
+          <p:cNvSpPr txBox="1"/>
+          <p:nvPr/>
+        </p:nvSpPr>
+        <p:spPr>
+          <a:xfrm>
+            <a:off x="0" y="6166674"/>
+            <a:ext cx="2889504" cy="338554"/>
+          </a:xfrm>
+          <a:prstGeom prst="rect">
+            <a:avLst/>
+          </a:prstGeom>
+          <a:noFill/>
+        </p:spPr>
+        <p:txBody>
+          <a:bodyPr wrap="square" rtlCol="0">
+            <a:spAutoFit/>
+          </a:bodyPr>
+          <a:lstStyle/>
+          <a:p>
+            <a:r>
+              <a:rPr lang="en-US" altLang="ko-KR" sz="800" dirty="0"/>
+              <a:t>SDK: Software Development Kit</a:t>
+            </a:r>
+          </a:p>
+          <a:p>
+            <a:r>
+              <a:rPr lang="en-US" altLang="ko-KR" sz="800" dirty="0"/>
+              <a:t>AVD: Android Virtual Device</a:t>
+            </a:r>
+          </a:p>
+        </p:txBody>
+      </p:sp>
+    </p:spTree>
+    <p:extLst>
+      <p:ext uri="{BB962C8B-B14F-4D97-AF65-F5344CB8AC3E}">
+        <p14:creationId xmlns:p14="http://schemas.microsoft.com/office/powerpoint/2010/main" val="2820776098"/>
+      </p:ext>
+    </p:extLst>
+  </p:cSld>
+  <p:clrMapOvr>
+    <a:masterClrMapping/>
+  </p:clrMapOvr>
+</p:sld>
+</file>
+
+<file path=ppt/slides/slide4.xml><?xml version="1.0" encoding="utf-8"?>
+<p:sld xmlns:a="http://schemas.openxmlformats.org/drawingml/2006/main" xmlns:r="http://schemas.openxmlformats.org/officeDocument/2006/relationships" xmlns:p="http://schemas.openxmlformats.org/presentationml/2006/main">
+  <p:cSld>
+    <p:spTree>
+      <p:nvGrpSpPr>
+        <p:cNvPr id="1" name=""/>
+        <p:cNvGrpSpPr/>
+        <p:nvPr/>
+      </p:nvGrpSpPr>
+      <p:grpSpPr>
+        <a:xfrm>
+          <a:off x="0" y="0"/>
+          <a:ext cx="0" cy="0"/>
+          <a:chOff x="0" y="0"/>
+          <a:chExt cx="0" cy="0"/>
+        </a:xfrm>
+      </p:grpSpPr>
+      <p:sp>
+        <p:nvSpPr>
+          <p:cNvPr id="4" name="TextBox 3">
+            <a:extLst>
+              <a:ext uri="{FF2B5EF4-FFF2-40B4-BE49-F238E27FC236}">
+                <a16:creationId xmlns:a16="http://schemas.microsoft.com/office/drawing/2014/main" id="{29FAE5ED-BA65-8D6C-2FA4-D5B3391B71B6}"/>
+              </a:ext>
+            </a:extLst>
+          </p:cNvPr>
+          <p:cNvSpPr txBox="1"/>
+          <p:nvPr/>
+        </p:nvSpPr>
+        <p:spPr>
+          <a:xfrm>
+            <a:off x="11664950" y="6581001"/>
+            <a:ext cx="527050" cy="276999"/>
+          </a:xfrm>
+          <a:prstGeom prst="rect">
+            <a:avLst/>
+          </a:prstGeom>
+          <a:noFill/>
+        </p:spPr>
+        <p:txBody>
+          <a:bodyPr wrap="square" rtlCol="0">
+            <a:spAutoFit/>
+          </a:bodyPr>
+          <a:lstStyle/>
+          <a:p>
+            <a:pPr algn="r"/>
+            <a:r>
+              <a:rPr lang="en-US" altLang="ko-KR" sz="1200" dirty="0"/>
+              <a:t>Ch2</a:t>
+            </a:r>
+            <a:endParaRPr lang="ko-KR" altLang="en-US" sz="1200" dirty="0"/>
+          </a:p>
+        </p:txBody>
+      </p:sp>
+      <p:sp>
+        <p:nvSpPr>
+          <p:cNvPr id="2" name="TextBox 1">
+            <a:extLst>
+              <a:ext uri="{FF2B5EF4-FFF2-40B4-BE49-F238E27FC236}">
+                <a16:creationId xmlns:a16="http://schemas.microsoft.com/office/drawing/2014/main" id="{955667E6-3F14-F68F-0A56-A90A6AB59974}"/>
+              </a:ext>
+            </a:extLst>
+          </p:cNvPr>
+          <p:cNvSpPr txBox="1"/>
+          <p:nvPr/>
+        </p:nvSpPr>
+        <p:spPr>
+          <a:xfrm>
+            <a:off x="311150" y="863243"/>
+            <a:ext cx="8350250" cy="3739485"/>
+          </a:xfrm>
+          <a:prstGeom prst="rect">
+            <a:avLst/>
+          </a:prstGeom>
+          <a:noFill/>
+        </p:spPr>
+        <p:txBody>
+          <a:bodyPr wrap="square" rtlCol="0">
+            <a:spAutoFit/>
+          </a:bodyPr>
+          <a:lstStyle/>
+          <a:p>
+            <a:r>
+              <a:rPr lang="en-US" altLang="ko-KR" sz="1500" dirty="0"/>
+              <a:t>Activity (Activity Class)</a:t>
+            </a:r>
+          </a:p>
+          <a:p>
+            <a:pPr marL="285750" indent="-285750">
+              <a:buFontTx/>
+              <a:buChar char="-"/>
+            </a:pPr>
+            <a:r>
+              <a:rPr lang="en-US" altLang="ko-KR" sz="1300" dirty="0"/>
+              <a:t>UI </a:t>
+            </a:r>
+            <a:r>
+              <a:rPr lang="ko-KR" altLang="en-US" sz="1300" dirty="0"/>
+              <a:t>화면을 가지고 하나의 작업을 담당하는 </a:t>
+            </a:r>
+            <a:r>
+              <a:rPr lang="en-US" altLang="ko-KR" sz="1300" dirty="0"/>
+              <a:t>component</a:t>
+            </a:r>
+          </a:p>
+          <a:p>
+            <a:pPr marL="285750" indent="-285750">
+              <a:buFontTx/>
+              <a:buChar char="-"/>
+            </a:pPr>
+            <a:r>
+              <a:rPr lang="ko-KR" altLang="en-US" sz="1300" dirty="0"/>
+              <a:t>하나의 </a:t>
+            </a:r>
+            <a:r>
+              <a:rPr lang="en-US" altLang="ko-KR" sz="1300" dirty="0"/>
+              <a:t>application</a:t>
+            </a:r>
+            <a:r>
+              <a:rPr lang="ko-KR" altLang="en-US" sz="1300" dirty="0"/>
+              <a:t>은 여러 개의 </a:t>
+            </a:r>
+            <a:r>
+              <a:rPr lang="en-US" altLang="ko-KR" sz="1300" dirty="0"/>
+              <a:t>activity</a:t>
+            </a:r>
+            <a:r>
+              <a:rPr lang="ko-KR" altLang="en-US" sz="1300" dirty="0"/>
+              <a:t>를 가질 수 있음</a:t>
+            </a:r>
+            <a:endParaRPr lang="en-US" altLang="ko-KR" sz="1300" dirty="0"/>
+          </a:p>
+          <a:p>
+            <a:endParaRPr lang="en-US" altLang="ko-KR" sz="1500" dirty="0"/>
+          </a:p>
+          <a:p>
+            <a:r>
+              <a:rPr lang="en-US" altLang="ko-KR" sz="1500" dirty="0"/>
+              <a:t>Service</a:t>
+            </a:r>
+          </a:p>
+          <a:p>
+            <a:pPr marL="285750" indent="-285750">
+              <a:buFontTx/>
+              <a:buChar char="-"/>
+            </a:pPr>
+            <a:r>
+              <a:rPr lang="ko-KR" altLang="en-US" sz="1300" dirty="0"/>
+              <a:t>백그라운드에서 실행되는 </a:t>
+            </a:r>
+            <a:r>
+              <a:rPr lang="en-US" altLang="ko-KR" sz="1300" dirty="0"/>
+              <a:t>component</a:t>
+            </a:r>
+          </a:p>
+          <a:p>
+            <a:pPr marL="285750" indent="-285750">
+              <a:buFontTx/>
+              <a:buChar char="-"/>
+            </a:pPr>
+            <a:r>
+              <a:rPr lang="ko-KR" altLang="en-US" sz="1300" dirty="0"/>
+              <a:t>오랫동안 실행되는 작업이나 원격 프로세스를 위한 작업</a:t>
+            </a:r>
+            <a:endParaRPr lang="en-US" altLang="ko-KR" sz="1300" dirty="0"/>
+          </a:p>
+          <a:p>
+            <a:pPr marL="285750" indent="-285750">
+              <a:buFontTx/>
+              <a:buChar char="-"/>
+            </a:pPr>
+            <a:r>
+              <a:rPr lang="en-US" altLang="ko-KR" sz="1300" dirty="0"/>
+              <a:t>UI </a:t>
+            </a:r>
+            <a:r>
+              <a:rPr lang="ko-KR" altLang="en-US" sz="1300" dirty="0"/>
+              <a:t>화면을 가지지 않음</a:t>
+            </a:r>
+            <a:endParaRPr lang="en-US" altLang="ko-KR" sz="1300" dirty="0"/>
+          </a:p>
+          <a:p>
+            <a:endParaRPr lang="en-US" altLang="ko-KR" sz="1500" dirty="0"/>
+          </a:p>
+          <a:p>
+            <a:r>
+              <a:rPr lang="en-US" altLang="ko-KR" sz="1500" dirty="0"/>
+              <a:t>Broadcast Receiver</a:t>
+            </a:r>
+          </a:p>
+          <a:p>
+            <a:pPr marL="285750" indent="-285750">
+              <a:buFontTx/>
+              <a:buChar char="-"/>
+            </a:pPr>
+            <a:r>
+              <a:rPr lang="ko-KR" altLang="en-US" sz="1300" dirty="0"/>
+              <a:t>시스템 등에서 발생하는 </a:t>
+            </a:r>
+            <a:r>
+              <a:rPr lang="en-US" altLang="ko-KR" sz="1300" dirty="0"/>
+              <a:t>broadcast</a:t>
+            </a:r>
+            <a:r>
+              <a:rPr lang="ko-KR" altLang="en-US" sz="1300" dirty="0"/>
+              <a:t>를 받고 반응하는 </a:t>
+            </a:r>
+            <a:r>
+              <a:rPr lang="en-US" altLang="ko-KR" sz="1300" dirty="0"/>
+              <a:t>component</a:t>
+            </a:r>
+          </a:p>
+          <a:p>
+            <a:pPr marL="285750" indent="-285750">
+              <a:buFontTx/>
+              <a:buChar char="-"/>
+            </a:pPr>
+            <a:r>
+              <a:rPr lang="ko-KR" altLang="en-US" sz="1300" dirty="0"/>
+              <a:t>일반적으로 </a:t>
+            </a:r>
+            <a:r>
+              <a:rPr lang="en-US" altLang="ko-KR" sz="1300" dirty="0"/>
+              <a:t>UI</a:t>
+            </a:r>
+            <a:r>
+              <a:rPr lang="ko-KR" altLang="en-US" sz="1300" dirty="0"/>
+              <a:t>를 가지지 않음</a:t>
+            </a:r>
+            <a:endParaRPr lang="en-US" altLang="ko-KR" sz="1300" dirty="0"/>
+          </a:p>
+          <a:p>
+            <a:endParaRPr lang="en-US" altLang="ko-KR" sz="1500" dirty="0"/>
+          </a:p>
+          <a:p>
+            <a:endParaRPr lang="en-US" altLang="ko-KR" sz="1500" dirty="0"/>
+          </a:p>
+          <a:p>
+            <a:r>
+              <a:rPr lang="en-US" altLang="ko-KR" sz="1500" dirty="0"/>
+              <a:t>Content Provider</a:t>
+            </a:r>
+          </a:p>
+          <a:p>
+            <a:pPr marL="285750" indent="-285750">
+              <a:buFontTx/>
+              <a:buChar char="-"/>
+            </a:pPr>
+            <a:r>
+              <a:rPr lang="ko-KR" altLang="en-US" sz="1300" dirty="0"/>
+              <a:t>데이터를 관리하고 다른 </a:t>
+            </a:r>
+            <a:r>
+              <a:rPr lang="en-US" altLang="ko-KR" sz="1300" dirty="0"/>
+              <a:t>application</a:t>
+            </a:r>
+            <a:r>
+              <a:rPr lang="ko-KR" altLang="en-US" sz="1300" dirty="0"/>
+              <a:t>에 데이터를 제공하는 </a:t>
+            </a:r>
+            <a:r>
+              <a:rPr lang="en-US" altLang="ko-KR" sz="1300" dirty="0"/>
+              <a:t>component</a:t>
+            </a:r>
+          </a:p>
+          <a:p>
+            <a:pPr marL="285750" indent="-285750">
+              <a:buFontTx/>
+              <a:buChar char="-"/>
+            </a:pPr>
+            <a:endParaRPr lang="ko-KR" altLang="en-US" sz="1300" dirty="0"/>
+          </a:p>
+        </p:txBody>
+      </p:sp>
+      <p:cxnSp>
+        <p:nvCxnSpPr>
+          <p:cNvPr id="8" name="직선 연결선 7">
+            <a:extLst>
+              <a:ext uri="{FF2B5EF4-FFF2-40B4-BE49-F238E27FC236}">
+                <a16:creationId xmlns:a16="http://schemas.microsoft.com/office/drawing/2014/main" id="{DF13C32A-6CB1-3873-9027-B2750C1D390F}"/>
+              </a:ext>
+            </a:extLst>
+          </p:cNvPr>
+          <p:cNvCxnSpPr/>
+          <p:nvPr/>
+        </p:nvCxnSpPr>
+        <p:spPr>
+          <a:xfrm>
+            <a:off x="311150" y="640665"/>
+            <a:ext cx="11499850" cy="0"/>
+          </a:xfrm>
+          <a:prstGeom prst="line">
+            <a:avLst/>
+          </a:prstGeom>
+        </p:spPr>
+        <p:style>
+          <a:lnRef idx="2">
+            <a:schemeClr val="accent1"/>
+          </a:lnRef>
+          <a:fillRef idx="0">
+            <a:schemeClr val="accent1"/>
+          </a:fillRef>
+          <a:effectRef idx="1">
+            <a:schemeClr val="accent1"/>
+          </a:effectRef>
+          <a:fontRef idx="minor">
+            <a:schemeClr val="tx1"/>
+          </a:fontRef>
+        </p:style>
+      </p:cxnSp>
+      <p:sp>
+        <p:nvSpPr>
+          <p:cNvPr id="10" name="TextBox 9">
+            <a:extLst>
+              <a:ext uri="{FF2B5EF4-FFF2-40B4-BE49-F238E27FC236}">
+                <a16:creationId xmlns:a16="http://schemas.microsoft.com/office/drawing/2014/main" id="{6B9D6A29-2679-D658-96EE-B7FF0954BB32}"/>
+              </a:ext>
+            </a:extLst>
+          </p:cNvPr>
+          <p:cNvSpPr txBox="1"/>
+          <p:nvPr/>
+        </p:nvSpPr>
+        <p:spPr>
+          <a:xfrm>
+            <a:off x="311150" y="211668"/>
+            <a:ext cx="2451100" cy="323165"/>
+          </a:xfrm>
+          <a:prstGeom prst="rect">
+            <a:avLst/>
+          </a:prstGeom>
+          <a:noFill/>
+        </p:spPr>
+        <p:txBody>
+          <a:bodyPr wrap="square" rtlCol="0">
+            <a:spAutoFit/>
+          </a:bodyPr>
+          <a:lstStyle/>
+          <a:p>
+            <a:r>
+              <a:rPr lang="en-US" altLang="ko-KR" sz="1500" dirty="0"/>
+              <a:t>Application Component</a:t>
+            </a:r>
+            <a:endParaRPr lang="ko-KR" altLang="en-US" sz="1500" dirty="0"/>
+          </a:p>
+        </p:txBody>
+      </p:sp>
+      <p:sp>
+        <p:nvSpPr>
+          <p:cNvPr id="11" name="TextBox 10">
+            <a:extLst>
+              <a:ext uri="{FF2B5EF4-FFF2-40B4-BE49-F238E27FC236}">
+                <a16:creationId xmlns:a16="http://schemas.microsoft.com/office/drawing/2014/main" id="{0DD1D5B3-0EB7-C277-2DFB-ADA6049DB1CC}"/>
+              </a:ext>
+            </a:extLst>
+          </p:cNvPr>
+          <p:cNvSpPr txBox="1"/>
+          <p:nvPr/>
+        </p:nvSpPr>
+        <p:spPr>
+          <a:xfrm>
+            <a:off x="57150" y="6611778"/>
+            <a:ext cx="1479550" cy="215444"/>
+          </a:xfrm>
+          <a:prstGeom prst="rect">
+            <a:avLst/>
+          </a:prstGeom>
+          <a:noFill/>
+        </p:spPr>
+        <p:txBody>
+          <a:bodyPr wrap="square" rtlCol="0">
+            <a:spAutoFit/>
+          </a:bodyPr>
+          <a:lstStyle/>
+          <a:p>
+            <a:r>
+              <a:rPr lang="en-US" altLang="ko-KR" sz="800" dirty="0"/>
+              <a:t>UI: User Interface</a:t>
+            </a:r>
+            <a:endParaRPr lang="ko-KR" altLang="en-US" sz="800" dirty="0"/>
+          </a:p>
+        </p:txBody>
+      </p:sp>
+      <p:sp>
+        <p:nvSpPr>
+          <p:cNvPr id="12" name="TextBox 11">
+            <a:extLst>
+              <a:ext uri="{FF2B5EF4-FFF2-40B4-BE49-F238E27FC236}">
+                <a16:creationId xmlns:a16="http://schemas.microsoft.com/office/drawing/2014/main" id="{25D19196-CD30-3AF6-3F56-12A35968416D}"/>
+              </a:ext>
+            </a:extLst>
+          </p:cNvPr>
+          <p:cNvSpPr txBox="1"/>
+          <p:nvPr/>
+        </p:nvSpPr>
+        <p:spPr>
+          <a:xfrm>
+            <a:off x="6765925" y="889437"/>
+            <a:ext cx="4225925" cy="1523494"/>
+          </a:xfrm>
+          <a:prstGeom prst="rect">
+            <a:avLst/>
+          </a:prstGeom>
+          <a:noFill/>
+        </p:spPr>
+        <p:txBody>
+          <a:bodyPr wrap="square" rtlCol="0">
+            <a:spAutoFit/>
+          </a:bodyPr>
+          <a:lstStyle/>
+          <a:p>
+            <a:r>
+              <a:rPr lang="en-US" altLang="ko-KR" sz="1500" dirty="0"/>
+              <a:t>Android</a:t>
+            </a:r>
+            <a:r>
+              <a:rPr lang="ko-KR" altLang="en-US" sz="1500" dirty="0"/>
+              <a:t>의 </a:t>
+            </a:r>
+            <a:r>
+              <a:rPr lang="en-US" altLang="ko-KR" sz="1500" dirty="0"/>
+              <a:t>component </a:t>
+            </a:r>
+            <a:r>
+              <a:rPr lang="ko-KR" altLang="en-US" sz="1500" dirty="0"/>
+              <a:t>사용 특징</a:t>
+            </a:r>
+            <a:endParaRPr lang="en-US" altLang="ko-KR" sz="1500" dirty="0"/>
+          </a:p>
+          <a:p>
+            <a:endParaRPr lang="en-US" altLang="ko-KR" sz="1500" dirty="0"/>
+          </a:p>
+          <a:p>
+            <a:pPr marL="342900" indent="-342900">
+              <a:buAutoNum type="arabicPeriod"/>
+            </a:pPr>
+            <a:r>
+              <a:rPr lang="ko-KR" altLang="en-US" sz="1200" dirty="0"/>
+              <a:t>다른 </a:t>
+            </a:r>
+            <a:r>
+              <a:rPr lang="en-US" altLang="ko-KR" sz="1200" dirty="0"/>
+              <a:t>application</a:t>
+            </a:r>
+            <a:r>
+              <a:rPr lang="ko-KR" altLang="en-US" sz="1200" dirty="0"/>
+              <a:t>의 </a:t>
+            </a:r>
+            <a:r>
+              <a:rPr lang="en-US" altLang="ko-KR" sz="1200" dirty="0"/>
+              <a:t>component</a:t>
+            </a:r>
+            <a:r>
+              <a:rPr lang="ko-KR" altLang="en-US" sz="1200" dirty="0"/>
+              <a:t>를 실행할 수 있음</a:t>
+            </a:r>
+            <a:endParaRPr lang="en-US" altLang="ko-KR" sz="1200" dirty="0"/>
+          </a:p>
+          <a:p>
+            <a:pPr marL="342900" indent="-342900">
+              <a:buAutoNum type="arabicPeriod"/>
+            </a:pPr>
+            <a:r>
+              <a:rPr lang="ko-KR" altLang="en-US" sz="1200" dirty="0"/>
+              <a:t>하나의 </a:t>
+            </a:r>
+            <a:r>
+              <a:rPr lang="en-US" altLang="ko-KR" sz="1200" dirty="0"/>
+              <a:t>component </a:t>
+            </a:r>
+            <a:r>
+              <a:rPr lang="ko-KR" altLang="en-US" sz="1200" dirty="0"/>
+              <a:t>만으로도 </a:t>
+            </a:r>
+            <a:r>
+              <a:rPr lang="en-US" altLang="ko-KR" sz="1200" dirty="0"/>
+              <a:t>application </a:t>
+            </a:r>
+            <a:r>
+              <a:rPr lang="ko-KR" altLang="en-US" sz="1200" dirty="0"/>
+              <a:t>구성 가능</a:t>
+            </a:r>
+            <a:endParaRPr lang="en-US" altLang="ko-KR" sz="1200" dirty="0"/>
+          </a:p>
+          <a:p>
+            <a:pPr marL="342900" indent="-342900">
+              <a:buAutoNum type="arabicPeriod"/>
+            </a:pPr>
+            <a:r>
+              <a:rPr lang="en-US" altLang="ko-KR" sz="1200" dirty="0"/>
+              <a:t>App </a:t>
+            </a:r>
+            <a:r>
+              <a:rPr lang="ko-KR" altLang="en-US" sz="1200" dirty="0"/>
+              <a:t>안에서의 독립적인 실행 단위</a:t>
+            </a:r>
+            <a:endParaRPr lang="en-US" altLang="ko-KR" sz="1200" dirty="0"/>
+          </a:p>
+          <a:p>
+            <a:pPr marL="342900" indent="-342900">
+              <a:buAutoNum type="arabicPeriod"/>
+            </a:pPr>
+            <a:r>
+              <a:rPr lang="en-US" altLang="ko-KR" sz="1200" dirty="0"/>
+              <a:t>Life cycle</a:t>
+            </a:r>
+            <a:r>
+              <a:rPr lang="ko-KR" altLang="en-US" sz="1200" dirty="0"/>
+              <a:t>은 </a:t>
+            </a:r>
+            <a:r>
+              <a:rPr lang="en-US" altLang="ko-KR" sz="1200" dirty="0"/>
+              <a:t>Android </a:t>
+            </a:r>
+            <a:r>
+              <a:rPr lang="ko-KR" altLang="en-US" sz="1200" dirty="0"/>
+              <a:t>시스템에서 자체적으로 관리</a:t>
+            </a:r>
+            <a:endParaRPr lang="en-US" altLang="ko-KR" sz="1200" dirty="0"/>
+          </a:p>
+          <a:p>
+            <a:pPr marL="342900" indent="-342900">
+              <a:buAutoNum type="arabicPeriod"/>
+            </a:pPr>
+            <a:endParaRPr lang="en-US" altLang="ko-KR" sz="1500" dirty="0"/>
+          </a:p>
+        </p:txBody>
+      </p:sp>
+    </p:spTree>
+    <p:extLst>
+      <p:ext uri="{BB962C8B-B14F-4D97-AF65-F5344CB8AC3E}">
+        <p14:creationId xmlns:p14="http://schemas.microsoft.com/office/powerpoint/2010/main" val="645035642"/>
+      </p:ext>
+    </p:extLst>
+  </p:cSld>
+  <p:clrMapOvr>
+    <a:masterClrMapping/>
+  </p:clrMapOvr>
+</p:sld>
+</file>
+
+<file path=ppt/slides/slide5.xml><?xml version="1.0" encoding="utf-8"?>
+<p:sld xmlns:a="http://schemas.openxmlformats.org/drawingml/2006/main" xmlns:r="http://schemas.openxmlformats.org/officeDocument/2006/relationships" xmlns:p="http://schemas.openxmlformats.org/presentationml/2006/main">
+  <p:cSld>
+    <p:spTree>
+      <p:nvGrpSpPr>
+        <p:cNvPr id="1" name=""/>
+        <p:cNvGrpSpPr/>
+        <p:nvPr/>
+      </p:nvGrpSpPr>
+      <p:grpSpPr>
+        <a:xfrm>
+          <a:off x="0" y="0"/>
+          <a:ext cx="0" cy="0"/>
+          <a:chOff x="0" y="0"/>
+          <a:chExt cx="0" cy="0"/>
+        </a:xfrm>
+      </p:grpSpPr>
+      <p:sp>
+        <p:nvSpPr>
+          <p:cNvPr id="4" name="TextBox 3">
+            <a:extLst>
+              <a:ext uri="{FF2B5EF4-FFF2-40B4-BE49-F238E27FC236}">
+                <a16:creationId xmlns:a16="http://schemas.microsoft.com/office/drawing/2014/main" id="{29FAE5ED-BA65-8D6C-2FA4-D5B3391B71B6}"/>
+              </a:ext>
+            </a:extLst>
+          </p:cNvPr>
+          <p:cNvSpPr txBox="1"/>
+          <p:nvPr/>
+        </p:nvSpPr>
+        <p:spPr>
+          <a:xfrm>
+            <a:off x="11664950" y="6581001"/>
+            <a:ext cx="527050" cy="276999"/>
+          </a:xfrm>
+          <a:prstGeom prst="rect">
+            <a:avLst/>
+          </a:prstGeom>
+          <a:noFill/>
+        </p:spPr>
+        <p:txBody>
+          <a:bodyPr wrap="square" rtlCol="0">
+            <a:spAutoFit/>
+          </a:bodyPr>
+          <a:lstStyle/>
+          <a:p>
+            <a:pPr algn="r"/>
+            <a:r>
+              <a:rPr lang="en-US" altLang="ko-KR" sz="1200" dirty="0"/>
+              <a:t>Ch2</a:t>
+            </a:r>
+            <a:endParaRPr lang="ko-KR" altLang="en-US" sz="1200" dirty="0"/>
+          </a:p>
+        </p:txBody>
+      </p:sp>
+      <p:sp>
+        <p:nvSpPr>
+          <p:cNvPr id="2" name="TextBox 1">
+            <a:extLst>
+              <a:ext uri="{FF2B5EF4-FFF2-40B4-BE49-F238E27FC236}">
+                <a16:creationId xmlns:a16="http://schemas.microsoft.com/office/drawing/2014/main" id="{955667E6-3F14-F68F-0A56-A90A6AB59974}"/>
+              </a:ext>
+            </a:extLst>
+          </p:cNvPr>
+          <p:cNvSpPr txBox="1"/>
+          <p:nvPr/>
+        </p:nvSpPr>
+        <p:spPr>
+          <a:xfrm>
+            <a:off x="311150" y="863243"/>
+            <a:ext cx="8350250" cy="3739485"/>
+          </a:xfrm>
+          <a:prstGeom prst="rect">
+            <a:avLst/>
+          </a:prstGeom>
+          <a:noFill/>
+        </p:spPr>
+        <p:txBody>
+          <a:bodyPr wrap="square" rtlCol="0">
+            <a:spAutoFit/>
+          </a:bodyPr>
+          <a:lstStyle/>
+          <a:p>
+            <a:r>
+              <a:rPr lang="en-US" altLang="ko-KR" sz="1500" dirty="0"/>
+              <a:t>Activity (Activity Class)</a:t>
+            </a:r>
+          </a:p>
+          <a:p>
+            <a:pPr marL="285750" indent="-285750">
+              <a:buFontTx/>
+              <a:buChar char="-"/>
+            </a:pPr>
+            <a:r>
+              <a:rPr lang="en-US" altLang="ko-KR" sz="1300" dirty="0"/>
+              <a:t>UI </a:t>
+            </a:r>
+            <a:r>
+              <a:rPr lang="ko-KR" altLang="en-US" sz="1300" dirty="0"/>
+              <a:t>화면을 가지고 하나의 작업을 담당하는 </a:t>
+            </a:r>
+            <a:r>
+              <a:rPr lang="en-US" altLang="ko-KR" sz="1300" dirty="0"/>
+              <a:t>component</a:t>
+            </a:r>
+          </a:p>
+          <a:p>
+            <a:pPr marL="285750" indent="-285750">
+              <a:buFontTx/>
+              <a:buChar char="-"/>
+            </a:pPr>
+            <a:r>
+              <a:rPr lang="ko-KR" altLang="en-US" sz="1300" dirty="0"/>
+              <a:t>하나의 </a:t>
+            </a:r>
+            <a:r>
+              <a:rPr lang="en-US" altLang="ko-KR" sz="1300" dirty="0"/>
+              <a:t>application</a:t>
+            </a:r>
+            <a:r>
+              <a:rPr lang="ko-KR" altLang="en-US" sz="1300" dirty="0"/>
+              <a:t>은 여러 개의 </a:t>
+            </a:r>
+            <a:r>
+              <a:rPr lang="en-US" altLang="ko-KR" sz="1300" dirty="0"/>
+              <a:t>activity</a:t>
+            </a:r>
+            <a:r>
+              <a:rPr lang="ko-KR" altLang="en-US" sz="1300" dirty="0"/>
+              <a:t>를 가질 수 있음</a:t>
+            </a:r>
+            <a:endParaRPr lang="en-US" altLang="ko-KR" sz="1300" dirty="0"/>
+          </a:p>
+          <a:p>
+            <a:endParaRPr lang="en-US" altLang="ko-KR" sz="1500" dirty="0"/>
+          </a:p>
+          <a:p>
+            <a:r>
+              <a:rPr lang="en-US" altLang="ko-KR" sz="1500" dirty="0"/>
+              <a:t>Service</a:t>
+            </a:r>
+          </a:p>
+          <a:p>
+            <a:pPr marL="285750" indent="-285750">
+              <a:buFontTx/>
+              <a:buChar char="-"/>
+            </a:pPr>
+            <a:r>
+              <a:rPr lang="ko-KR" altLang="en-US" sz="1300" dirty="0"/>
+              <a:t>백그라운드에서 실행되는 </a:t>
+            </a:r>
+            <a:r>
+              <a:rPr lang="en-US" altLang="ko-KR" sz="1300" dirty="0"/>
+              <a:t>component</a:t>
+            </a:r>
+          </a:p>
+          <a:p>
+            <a:pPr marL="285750" indent="-285750">
+              <a:buFontTx/>
+              <a:buChar char="-"/>
+            </a:pPr>
+            <a:r>
+              <a:rPr lang="ko-KR" altLang="en-US" sz="1300" dirty="0"/>
+              <a:t>오랫동안 실행되는 작업이나 원격 프로세스를 위한 작업</a:t>
+            </a:r>
+            <a:endParaRPr lang="en-US" altLang="ko-KR" sz="1300" dirty="0"/>
+          </a:p>
+          <a:p>
+            <a:pPr marL="285750" indent="-285750">
+              <a:buFontTx/>
+              <a:buChar char="-"/>
+            </a:pPr>
+            <a:r>
+              <a:rPr lang="en-US" altLang="ko-KR" sz="1300" dirty="0"/>
+              <a:t>UI </a:t>
+            </a:r>
+            <a:r>
+              <a:rPr lang="ko-KR" altLang="en-US" sz="1300" dirty="0"/>
+              <a:t>화면을 가지지 않음</a:t>
+            </a:r>
+            <a:endParaRPr lang="en-US" altLang="ko-KR" sz="1300" dirty="0"/>
+          </a:p>
+          <a:p>
+            <a:endParaRPr lang="en-US" altLang="ko-KR" sz="1500" dirty="0"/>
+          </a:p>
+          <a:p>
+            <a:r>
+              <a:rPr lang="en-US" altLang="ko-KR" sz="1500" dirty="0"/>
+              <a:t>Broadcast Receiver</a:t>
+            </a:r>
+          </a:p>
+          <a:p>
+            <a:pPr marL="285750" indent="-285750">
+              <a:buFontTx/>
+              <a:buChar char="-"/>
+            </a:pPr>
+            <a:r>
+              <a:rPr lang="ko-KR" altLang="en-US" sz="1300" dirty="0"/>
+              <a:t>시스템 등에서 발생하는 </a:t>
+            </a:r>
+            <a:r>
+              <a:rPr lang="en-US" altLang="ko-KR" sz="1300" dirty="0"/>
+              <a:t>broadcast</a:t>
+            </a:r>
+            <a:r>
+              <a:rPr lang="ko-KR" altLang="en-US" sz="1300" dirty="0"/>
+              <a:t>를 받고 반응하는 </a:t>
+            </a:r>
+            <a:r>
+              <a:rPr lang="en-US" altLang="ko-KR" sz="1300" dirty="0"/>
+              <a:t>component</a:t>
+            </a:r>
+          </a:p>
+          <a:p>
+            <a:pPr marL="285750" indent="-285750">
+              <a:buFontTx/>
+              <a:buChar char="-"/>
+            </a:pPr>
+            <a:r>
+              <a:rPr lang="ko-KR" altLang="en-US" sz="1300" dirty="0"/>
+              <a:t>일반적으로 </a:t>
+            </a:r>
+            <a:r>
+              <a:rPr lang="en-US" altLang="ko-KR" sz="1300" dirty="0"/>
+              <a:t>UI</a:t>
+            </a:r>
+            <a:r>
+              <a:rPr lang="ko-KR" altLang="en-US" sz="1300" dirty="0"/>
+              <a:t>를 가지지 않음</a:t>
+            </a:r>
+            <a:endParaRPr lang="en-US" altLang="ko-KR" sz="1300" dirty="0"/>
+          </a:p>
+          <a:p>
+            <a:endParaRPr lang="en-US" altLang="ko-KR" sz="1500" dirty="0"/>
+          </a:p>
+          <a:p>
+            <a:endParaRPr lang="en-US" altLang="ko-KR" sz="1500" dirty="0"/>
+          </a:p>
+          <a:p>
+            <a:r>
+              <a:rPr lang="en-US" altLang="ko-KR" sz="1500" dirty="0"/>
+              <a:t>Content Provider</a:t>
+            </a:r>
+          </a:p>
+          <a:p>
+            <a:pPr marL="285750" indent="-285750">
+              <a:buFontTx/>
+              <a:buChar char="-"/>
+            </a:pPr>
+            <a:r>
+              <a:rPr lang="ko-KR" altLang="en-US" sz="1300" dirty="0"/>
+              <a:t>데이터를 관리하고 다른 </a:t>
+            </a:r>
+            <a:r>
+              <a:rPr lang="en-US" altLang="ko-KR" sz="1300" dirty="0"/>
+              <a:t>application</a:t>
+            </a:r>
+            <a:r>
+              <a:rPr lang="ko-KR" altLang="en-US" sz="1300" dirty="0"/>
+              <a:t>에 데이터를 제공하는 </a:t>
+            </a:r>
+            <a:r>
+              <a:rPr lang="en-US" altLang="ko-KR" sz="1300" dirty="0"/>
+              <a:t>component</a:t>
+            </a:r>
+          </a:p>
+          <a:p>
+            <a:pPr marL="285750" indent="-285750">
+              <a:buFontTx/>
+              <a:buChar char="-"/>
+            </a:pPr>
+            <a:endParaRPr lang="ko-KR" altLang="en-US" sz="1300" dirty="0"/>
+          </a:p>
+        </p:txBody>
+      </p:sp>
+      <p:cxnSp>
+        <p:nvCxnSpPr>
+          <p:cNvPr id="8" name="직선 연결선 7">
+            <a:extLst>
+              <a:ext uri="{FF2B5EF4-FFF2-40B4-BE49-F238E27FC236}">
+                <a16:creationId xmlns:a16="http://schemas.microsoft.com/office/drawing/2014/main" id="{DF13C32A-6CB1-3873-9027-B2750C1D390F}"/>
+              </a:ext>
+            </a:extLst>
+          </p:cNvPr>
+          <p:cNvCxnSpPr/>
+          <p:nvPr/>
+        </p:nvCxnSpPr>
+        <p:spPr>
+          <a:xfrm>
+            <a:off x="311150" y="640665"/>
+            <a:ext cx="11499850" cy="0"/>
+          </a:xfrm>
+          <a:prstGeom prst="line">
+            <a:avLst/>
+          </a:prstGeom>
+        </p:spPr>
+        <p:style>
+          <a:lnRef idx="2">
+            <a:schemeClr val="accent1"/>
+          </a:lnRef>
+          <a:fillRef idx="0">
+            <a:schemeClr val="accent1"/>
+          </a:fillRef>
+          <a:effectRef idx="1">
+            <a:schemeClr val="accent1"/>
+          </a:effectRef>
+          <a:fontRef idx="minor">
+            <a:schemeClr val="tx1"/>
+          </a:fontRef>
+        </p:style>
+      </p:cxnSp>
+      <p:sp>
+        <p:nvSpPr>
+          <p:cNvPr id="10" name="TextBox 9">
+            <a:extLst>
+              <a:ext uri="{FF2B5EF4-FFF2-40B4-BE49-F238E27FC236}">
+                <a16:creationId xmlns:a16="http://schemas.microsoft.com/office/drawing/2014/main" id="{6B9D6A29-2679-D658-96EE-B7FF0954BB32}"/>
+              </a:ext>
+            </a:extLst>
+          </p:cNvPr>
+          <p:cNvSpPr txBox="1"/>
+          <p:nvPr/>
+        </p:nvSpPr>
+        <p:spPr>
+          <a:xfrm>
+            <a:off x="311150" y="211668"/>
+            <a:ext cx="2451100" cy="323165"/>
+          </a:xfrm>
+          <a:prstGeom prst="rect">
+            <a:avLst/>
+          </a:prstGeom>
+          <a:noFill/>
+        </p:spPr>
+        <p:txBody>
+          <a:bodyPr wrap="square" rtlCol="0">
+            <a:spAutoFit/>
+          </a:bodyPr>
+          <a:lstStyle/>
+          <a:p>
+            <a:r>
+              <a:rPr lang="en-US" altLang="ko-KR" sz="1500" dirty="0"/>
+              <a:t>Application Component</a:t>
+            </a:r>
+            <a:endParaRPr lang="ko-KR" altLang="en-US" sz="1500" dirty="0"/>
+          </a:p>
+        </p:txBody>
+      </p:sp>
+      <p:sp>
+        <p:nvSpPr>
+          <p:cNvPr id="11" name="TextBox 10">
+            <a:extLst>
+              <a:ext uri="{FF2B5EF4-FFF2-40B4-BE49-F238E27FC236}">
+                <a16:creationId xmlns:a16="http://schemas.microsoft.com/office/drawing/2014/main" id="{0DD1D5B3-0EB7-C277-2DFB-ADA6049DB1CC}"/>
+              </a:ext>
+            </a:extLst>
+          </p:cNvPr>
+          <p:cNvSpPr txBox="1"/>
+          <p:nvPr/>
+        </p:nvSpPr>
+        <p:spPr>
+          <a:xfrm>
+            <a:off x="57150" y="6611778"/>
+            <a:ext cx="1479550" cy="215444"/>
+          </a:xfrm>
+          <a:prstGeom prst="rect">
+            <a:avLst/>
+          </a:prstGeom>
+          <a:noFill/>
+        </p:spPr>
+        <p:txBody>
+          <a:bodyPr wrap="square" rtlCol="0">
+            <a:spAutoFit/>
+          </a:bodyPr>
+          <a:lstStyle/>
+          <a:p>
+            <a:r>
+              <a:rPr lang="en-US" altLang="ko-KR" sz="800" dirty="0"/>
+              <a:t>UI: User Interface</a:t>
+            </a:r>
+            <a:endParaRPr lang="ko-KR" altLang="en-US" sz="800" dirty="0"/>
+          </a:p>
+        </p:txBody>
+      </p:sp>
+      <p:sp>
+        <p:nvSpPr>
+          <p:cNvPr id="12" name="TextBox 11">
+            <a:extLst>
+              <a:ext uri="{FF2B5EF4-FFF2-40B4-BE49-F238E27FC236}">
+                <a16:creationId xmlns:a16="http://schemas.microsoft.com/office/drawing/2014/main" id="{25D19196-CD30-3AF6-3F56-12A35968416D}"/>
+              </a:ext>
+            </a:extLst>
+          </p:cNvPr>
+          <p:cNvSpPr txBox="1"/>
+          <p:nvPr/>
+        </p:nvSpPr>
+        <p:spPr>
+          <a:xfrm>
+            <a:off x="6765925" y="889437"/>
+            <a:ext cx="4225925" cy="1523494"/>
+          </a:xfrm>
+          <a:prstGeom prst="rect">
+            <a:avLst/>
+          </a:prstGeom>
+          <a:noFill/>
+        </p:spPr>
+        <p:txBody>
+          <a:bodyPr wrap="square" rtlCol="0">
+            <a:spAutoFit/>
+          </a:bodyPr>
+          <a:lstStyle/>
+          <a:p>
+            <a:r>
+              <a:rPr lang="en-US" altLang="ko-KR" sz="1500" dirty="0"/>
+              <a:t>Android</a:t>
+            </a:r>
+            <a:r>
+              <a:rPr lang="ko-KR" altLang="en-US" sz="1500" dirty="0"/>
+              <a:t>의 </a:t>
+            </a:r>
+            <a:r>
+              <a:rPr lang="en-US" altLang="ko-KR" sz="1500" dirty="0"/>
+              <a:t>component </a:t>
+            </a:r>
+            <a:r>
+              <a:rPr lang="ko-KR" altLang="en-US" sz="1500" dirty="0"/>
+              <a:t>사용 특징</a:t>
+            </a:r>
+            <a:endParaRPr lang="en-US" altLang="ko-KR" sz="1500" dirty="0"/>
+          </a:p>
+          <a:p>
+            <a:endParaRPr lang="en-US" altLang="ko-KR" sz="1500" dirty="0"/>
+          </a:p>
+          <a:p>
+            <a:pPr marL="342900" indent="-342900">
+              <a:buAutoNum type="arabicPeriod"/>
+            </a:pPr>
+            <a:r>
+              <a:rPr lang="ko-KR" altLang="en-US" sz="1200" dirty="0"/>
+              <a:t>다른 </a:t>
+            </a:r>
+            <a:r>
+              <a:rPr lang="en-US" altLang="ko-KR" sz="1200" dirty="0"/>
+              <a:t>application</a:t>
+            </a:r>
+            <a:r>
+              <a:rPr lang="ko-KR" altLang="en-US" sz="1200" dirty="0"/>
+              <a:t>의 </a:t>
+            </a:r>
+            <a:r>
+              <a:rPr lang="en-US" altLang="ko-KR" sz="1200" dirty="0"/>
+              <a:t>component</a:t>
+            </a:r>
+            <a:r>
+              <a:rPr lang="ko-KR" altLang="en-US" sz="1200" dirty="0"/>
+              <a:t>를 실행할 수 있음</a:t>
+            </a:r>
+            <a:endParaRPr lang="en-US" altLang="ko-KR" sz="1200" dirty="0"/>
+          </a:p>
+          <a:p>
+            <a:pPr marL="342900" indent="-342900">
+              <a:buAutoNum type="arabicPeriod"/>
+            </a:pPr>
+            <a:r>
+              <a:rPr lang="ko-KR" altLang="en-US" sz="1200" dirty="0"/>
+              <a:t>하나의 </a:t>
+            </a:r>
+            <a:r>
+              <a:rPr lang="en-US" altLang="ko-KR" sz="1200" dirty="0"/>
+              <a:t>component </a:t>
+            </a:r>
+            <a:r>
+              <a:rPr lang="ko-KR" altLang="en-US" sz="1200" dirty="0"/>
+              <a:t>만으로도 </a:t>
+            </a:r>
+            <a:r>
+              <a:rPr lang="en-US" altLang="ko-KR" sz="1200" dirty="0"/>
+              <a:t>application </a:t>
+            </a:r>
+            <a:r>
+              <a:rPr lang="ko-KR" altLang="en-US" sz="1200" dirty="0"/>
+              <a:t>구성 가능</a:t>
+            </a:r>
+            <a:endParaRPr lang="en-US" altLang="ko-KR" sz="1200" dirty="0"/>
+          </a:p>
+          <a:p>
+            <a:pPr marL="342900" indent="-342900">
+              <a:buAutoNum type="arabicPeriod"/>
+            </a:pPr>
+            <a:r>
+              <a:rPr lang="en-US" altLang="ko-KR" sz="1200" dirty="0"/>
+              <a:t>App </a:t>
+            </a:r>
+            <a:r>
+              <a:rPr lang="ko-KR" altLang="en-US" sz="1200" dirty="0"/>
+              <a:t>안에서의 독립적인 실행 단위</a:t>
+            </a:r>
+            <a:endParaRPr lang="en-US" altLang="ko-KR" sz="1200" dirty="0"/>
+          </a:p>
+          <a:p>
+            <a:pPr marL="342900" indent="-342900">
+              <a:buAutoNum type="arabicPeriod"/>
+            </a:pPr>
+            <a:r>
+              <a:rPr lang="en-US" altLang="ko-KR" sz="1200" dirty="0"/>
+              <a:t>Life cycle</a:t>
+            </a:r>
+            <a:r>
+              <a:rPr lang="ko-KR" altLang="en-US" sz="1200" dirty="0"/>
+              <a:t>은 </a:t>
+            </a:r>
+            <a:r>
+              <a:rPr lang="en-US" altLang="ko-KR" sz="1200" dirty="0"/>
+              <a:t>Android </a:t>
+            </a:r>
+            <a:r>
+              <a:rPr lang="ko-KR" altLang="en-US" sz="1200" dirty="0"/>
+              <a:t>시스템에서 자체적으로 관리</a:t>
+            </a:r>
+            <a:endParaRPr lang="en-US" altLang="ko-KR" sz="1200" dirty="0"/>
+          </a:p>
+          <a:p>
+            <a:pPr marL="342900" indent="-342900">
+              <a:buAutoNum type="arabicPeriod"/>
+            </a:pPr>
+            <a:endParaRPr lang="en-US" altLang="ko-KR" sz="1500" dirty="0"/>
+          </a:p>
+        </p:txBody>
+      </p:sp>
+    </p:spTree>
+    <p:extLst>
+      <p:ext uri="{BB962C8B-B14F-4D97-AF65-F5344CB8AC3E}">
+        <p14:creationId xmlns:p14="http://schemas.microsoft.com/office/powerpoint/2010/main" val="2214911899"/>
+      </p:ext>
+    </p:extLst>
+  </p:cSld>
+  <p:clrMapOvr>
+    <a:masterClrMapping/>
+  </p:clrMapOvr>
+</p:sld>
+</file>
+
+<file path=ppt/slides/slide6.xml><?xml version="1.0" encoding="utf-8"?>
+<p:sld xmlns:a="http://schemas.openxmlformats.org/drawingml/2006/main" xmlns:r="http://schemas.openxmlformats.org/officeDocument/2006/relationships" xmlns:p="http://schemas.openxmlformats.org/presentationml/2006/main">
+  <p:cSld>
+    <p:spTree>
+      <p:nvGrpSpPr>
+        <p:cNvPr id="1" name=""/>
+        <p:cNvGrpSpPr/>
+        <p:nvPr/>
+      </p:nvGrpSpPr>
+      <p:grpSpPr>
+        <a:xfrm>
+          <a:off x="0" y="0"/>
+          <a:ext cx="0" cy="0"/>
+          <a:chOff x="0" y="0"/>
+          <a:chExt cx="0" cy="0"/>
+        </a:xfrm>
+      </p:grpSpPr>
+      <p:sp>
+        <p:nvSpPr>
+          <p:cNvPr id="4" name="TextBox 3">
+            <a:extLst>
+              <a:ext uri="{FF2B5EF4-FFF2-40B4-BE49-F238E27FC236}">
+                <a16:creationId xmlns:a16="http://schemas.microsoft.com/office/drawing/2014/main" id="{29FAE5ED-BA65-8D6C-2FA4-D5B3391B71B6}"/>
+              </a:ext>
+            </a:extLst>
+          </p:cNvPr>
+          <p:cNvSpPr txBox="1"/>
+          <p:nvPr/>
+        </p:nvSpPr>
+        <p:spPr>
+          <a:xfrm>
+            <a:off x="11664950" y="6581001"/>
+            <a:ext cx="527050" cy="276999"/>
+          </a:xfrm>
+          <a:prstGeom prst="rect">
+            <a:avLst/>
+          </a:prstGeom>
+          <a:noFill/>
+        </p:spPr>
+        <p:txBody>
+          <a:bodyPr wrap="square" rtlCol="0">
+            <a:spAutoFit/>
+          </a:bodyPr>
+          <a:lstStyle/>
+          <a:p>
+            <a:pPr algn="r"/>
+            <a:r>
+              <a:rPr lang="en-US" altLang="ko-KR" sz="1200" dirty="0"/>
+              <a:t>Ch2</a:t>
+            </a:r>
+            <a:endParaRPr lang="ko-KR" altLang="en-US" sz="1200" dirty="0"/>
+          </a:p>
+        </p:txBody>
+      </p:sp>
+      <p:sp>
+        <p:nvSpPr>
+          <p:cNvPr id="2" name="TextBox 1">
+            <a:extLst>
+              <a:ext uri="{FF2B5EF4-FFF2-40B4-BE49-F238E27FC236}">
+                <a16:creationId xmlns:a16="http://schemas.microsoft.com/office/drawing/2014/main" id="{955667E6-3F14-F68F-0A56-A90A6AB59974}"/>
+              </a:ext>
+            </a:extLst>
+          </p:cNvPr>
+          <p:cNvSpPr txBox="1"/>
+          <p:nvPr/>
+        </p:nvSpPr>
+        <p:spPr>
+          <a:xfrm>
+            <a:off x="7132320" y="1070507"/>
+            <a:ext cx="4296664" cy="4539704"/>
+          </a:xfrm>
+          <a:prstGeom prst="rect">
+            <a:avLst/>
+          </a:prstGeom>
+          <a:noFill/>
+        </p:spPr>
+        <p:txBody>
+          <a:bodyPr wrap="square" rtlCol="0">
+            <a:spAutoFit/>
+          </a:bodyPr>
+          <a:lstStyle/>
+          <a:p>
+            <a:r>
+              <a:rPr lang="en-US" altLang="ko-KR" sz="1500" dirty="0"/>
+              <a:t>Activity</a:t>
+            </a:r>
+          </a:p>
+          <a:p>
+            <a:pPr marL="285750" indent="-285750">
+              <a:buFontTx/>
+              <a:buChar char="-"/>
+            </a:pPr>
+            <a:r>
+              <a:rPr lang="en-US" altLang="ko-KR" sz="1300" dirty="0"/>
+              <a:t>UI </a:t>
+            </a:r>
+            <a:r>
+              <a:rPr lang="ko-KR" altLang="en-US" sz="1300" dirty="0"/>
+              <a:t>화면을 가지고 하나의 작업을 담당하는 </a:t>
+            </a:r>
+            <a:r>
+              <a:rPr lang="en-US" altLang="ko-KR" sz="1300" dirty="0"/>
+              <a:t>component</a:t>
+            </a:r>
+          </a:p>
+          <a:p>
+            <a:pPr marL="285750" indent="-285750">
+              <a:buFontTx/>
+              <a:buChar char="-"/>
+            </a:pPr>
+            <a:r>
+              <a:rPr lang="ko-KR" altLang="en-US" sz="1300" dirty="0"/>
+              <a:t>하나의 </a:t>
+            </a:r>
+            <a:r>
+              <a:rPr lang="en-US" altLang="ko-KR" sz="1300" dirty="0"/>
+              <a:t>application</a:t>
+            </a:r>
+            <a:r>
+              <a:rPr lang="ko-KR" altLang="en-US" sz="1300" dirty="0"/>
+              <a:t>은 여러 개의 </a:t>
+            </a:r>
+            <a:r>
+              <a:rPr lang="en-US" altLang="ko-KR" sz="1300" dirty="0"/>
+              <a:t>activity</a:t>
+            </a:r>
+            <a:r>
+              <a:rPr lang="ko-KR" altLang="en-US" sz="1300" dirty="0"/>
+              <a:t>를 가질 수 있음</a:t>
+            </a:r>
+            <a:endParaRPr lang="en-US" altLang="ko-KR" sz="1300" dirty="0"/>
+          </a:p>
+          <a:p>
+            <a:endParaRPr lang="en-US" altLang="ko-KR" sz="1500" dirty="0"/>
+          </a:p>
+          <a:p>
+            <a:r>
+              <a:rPr lang="en-US" altLang="ko-KR" sz="1500" dirty="0"/>
+              <a:t>Service</a:t>
+            </a:r>
+          </a:p>
+          <a:p>
+            <a:pPr marL="285750" indent="-285750">
+              <a:buFontTx/>
+              <a:buChar char="-"/>
+            </a:pPr>
+            <a:r>
+              <a:rPr lang="ko-KR" altLang="en-US" sz="1300" dirty="0"/>
+              <a:t>백그라운드에서 실행되는 </a:t>
+            </a:r>
+            <a:r>
+              <a:rPr lang="en-US" altLang="ko-KR" sz="1300" dirty="0"/>
+              <a:t>component</a:t>
+            </a:r>
+          </a:p>
+          <a:p>
+            <a:pPr marL="285750" indent="-285750">
+              <a:buFontTx/>
+              <a:buChar char="-"/>
+            </a:pPr>
+            <a:r>
+              <a:rPr lang="ko-KR" altLang="en-US" sz="1300" dirty="0"/>
+              <a:t>오랫동안 실행되는 작업이나 원격 프로세스를 위한 작업</a:t>
+            </a:r>
+            <a:endParaRPr lang="en-US" altLang="ko-KR" sz="1300" dirty="0"/>
+          </a:p>
+          <a:p>
+            <a:pPr marL="285750" indent="-285750">
+              <a:buFontTx/>
+              <a:buChar char="-"/>
+            </a:pPr>
+            <a:r>
+              <a:rPr lang="en-US" altLang="ko-KR" sz="1300" dirty="0"/>
+              <a:t>UI </a:t>
+            </a:r>
+            <a:r>
+              <a:rPr lang="ko-KR" altLang="en-US" sz="1300" dirty="0"/>
+              <a:t>화면을 가지지 않음</a:t>
+            </a:r>
+            <a:endParaRPr lang="en-US" altLang="ko-KR" sz="1300" dirty="0"/>
+          </a:p>
+          <a:p>
+            <a:endParaRPr lang="en-US" altLang="ko-KR" sz="1500" dirty="0"/>
+          </a:p>
+          <a:p>
+            <a:r>
+              <a:rPr lang="en-US" altLang="ko-KR" sz="1500" dirty="0"/>
+              <a:t>Broadcast Receiver</a:t>
+            </a:r>
+          </a:p>
+          <a:p>
+            <a:pPr marL="285750" indent="-285750">
+              <a:buFontTx/>
+              <a:buChar char="-"/>
+            </a:pPr>
+            <a:r>
+              <a:rPr lang="ko-KR" altLang="en-US" sz="1300" dirty="0"/>
+              <a:t>시스템 등에서 발생하는 </a:t>
+            </a:r>
+            <a:r>
+              <a:rPr lang="en-US" altLang="ko-KR" sz="1300" dirty="0"/>
+              <a:t>broadcast</a:t>
+            </a:r>
+            <a:r>
+              <a:rPr lang="ko-KR" altLang="en-US" sz="1300" dirty="0"/>
+              <a:t>를 받고 반응하는 </a:t>
+            </a:r>
+            <a:r>
+              <a:rPr lang="en-US" altLang="ko-KR" sz="1300" dirty="0"/>
+              <a:t>component</a:t>
+            </a:r>
+          </a:p>
+          <a:p>
+            <a:pPr marL="285750" indent="-285750">
+              <a:buFontTx/>
+              <a:buChar char="-"/>
+            </a:pPr>
+            <a:r>
+              <a:rPr lang="ko-KR" altLang="en-US" sz="1300" dirty="0"/>
+              <a:t>일반적으로 </a:t>
+            </a:r>
+            <a:r>
+              <a:rPr lang="en-US" altLang="ko-KR" sz="1300" dirty="0"/>
+              <a:t>UI</a:t>
+            </a:r>
+            <a:r>
+              <a:rPr lang="ko-KR" altLang="en-US" sz="1300" dirty="0"/>
+              <a:t>를 가지지 않음</a:t>
+            </a:r>
+            <a:endParaRPr lang="en-US" altLang="ko-KR" sz="1300" dirty="0"/>
+          </a:p>
+          <a:p>
+            <a:endParaRPr lang="en-US" altLang="ko-KR" sz="1500" dirty="0"/>
+          </a:p>
+          <a:p>
+            <a:endParaRPr lang="en-US" altLang="ko-KR" sz="1500" dirty="0"/>
+          </a:p>
+          <a:p>
+            <a:r>
+              <a:rPr lang="en-US" altLang="ko-KR" sz="1500" dirty="0"/>
+              <a:t>Content Provider</a:t>
+            </a:r>
+          </a:p>
+          <a:p>
+            <a:r>
+              <a:rPr lang="en-US" altLang="ko-KR" sz="1300" dirty="0"/>
+              <a:t>- </a:t>
+            </a:r>
+            <a:r>
+              <a:rPr lang="ko-KR" altLang="en-US" sz="1300" dirty="0"/>
+              <a:t>데이터를 관리하고 다른 </a:t>
+            </a:r>
+            <a:r>
+              <a:rPr lang="en-US" altLang="ko-KR" sz="1300" dirty="0"/>
+              <a:t>application</a:t>
+            </a:r>
+            <a:r>
+              <a:rPr lang="ko-KR" altLang="en-US" sz="1300" dirty="0"/>
+              <a:t>에 데이터를 제공하는 </a:t>
+            </a:r>
+            <a:r>
+              <a:rPr lang="en-US" altLang="ko-KR" sz="1300" dirty="0"/>
+              <a:t>component</a:t>
+            </a:r>
+            <a:endParaRPr lang="ko-KR" altLang="en-US" sz="1300" dirty="0"/>
+          </a:p>
+        </p:txBody>
+      </p:sp>
+      <p:cxnSp>
+        <p:nvCxnSpPr>
+          <p:cNvPr id="8" name="직선 연결선 7">
+            <a:extLst>
+              <a:ext uri="{FF2B5EF4-FFF2-40B4-BE49-F238E27FC236}">
+                <a16:creationId xmlns:a16="http://schemas.microsoft.com/office/drawing/2014/main" id="{DF13C32A-6CB1-3873-9027-B2750C1D390F}"/>
+              </a:ext>
+            </a:extLst>
+          </p:cNvPr>
+          <p:cNvCxnSpPr/>
+          <p:nvPr/>
+        </p:nvCxnSpPr>
+        <p:spPr>
+          <a:xfrm>
+            <a:off x="311150" y="640665"/>
+            <a:ext cx="11499850" cy="0"/>
+          </a:xfrm>
+          <a:prstGeom prst="line">
+            <a:avLst/>
+          </a:prstGeom>
+        </p:spPr>
+        <p:style>
+          <a:lnRef idx="2">
+            <a:schemeClr val="accent1"/>
+          </a:lnRef>
+          <a:fillRef idx="0">
+            <a:schemeClr val="accent1"/>
+          </a:fillRef>
+          <a:effectRef idx="1">
+            <a:schemeClr val="accent1"/>
+          </a:effectRef>
+          <a:fontRef idx="minor">
+            <a:schemeClr val="tx1"/>
+          </a:fontRef>
+        </p:style>
+      </p:cxnSp>
+      <p:sp>
+        <p:nvSpPr>
+          <p:cNvPr id="10" name="TextBox 9">
+            <a:extLst>
+              <a:ext uri="{FF2B5EF4-FFF2-40B4-BE49-F238E27FC236}">
+                <a16:creationId xmlns:a16="http://schemas.microsoft.com/office/drawing/2014/main" id="{6B9D6A29-2679-D658-96EE-B7FF0954BB32}"/>
+              </a:ext>
+            </a:extLst>
+          </p:cNvPr>
+          <p:cNvSpPr txBox="1"/>
+          <p:nvPr/>
+        </p:nvSpPr>
+        <p:spPr>
+          <a:xfrm>
+            <a:off x="311150" y="211668"/>
+            <a:ext cx="2451100" cy="323165"/>
+          </a:xfrm>
+          <a:prstGeom prst="rect">
+            <a:avLst/>
+          </a:prstGeom>
+          <a:noFill/>
+        </p:spPr>
+        <p:txBody>
+          <a:bodyPr wrap="square" rtlCol="0">
+            <a:spAutoFit/>
+          </a:bodyPr>
+          <a:lstStyle/>
+          <a:p>
+            <a:r>
+              <a:rPr lang="en-US" altLang="ko-KR" sz="1500" dirty="0"/>
+              <a:t>Project View</a:t>
+            </a:r>
+            <a:endParaRPr lang="ko-KR" altLang="en-US" sz="1500" dirty="0"/>
+          </a:p>
+        </p:txBody>
+      </p:sp>
+      <p:sp>
+        <p:nvSpPr>
+          <p:cNvPr id="11" name="TextBox 10">
+            <a:extLst>
+              <a:ext uri="{FF2B5EF4-FFF2-40B4-BE49-F238E27FC236}">
+                <a16:creationId xmlns:a16="http://schemas.microsoft.com/office/drawing/2014/main" id="{0DD1D5B3-0EB7-C277-2DFB-ADA6049DB1CC}"/>
+              </a:ext>
+            </a:extLst>
+          </p:cNvPr>
+          <p:cNvSpPr txBox="1"/>
+          <p:nvPr/>
+        </p:nvSpPr>
+        <p:spPr>
+          <a:xfrm>
+            <a:off x="57150" y="6611778"/>
+            <a:ext cx="1479550" cy="215444"/>
+          </a:xfrm>
+          <a:prstGeom prst="rect">
+            <a:avLst/>
+          </a:prstGeom>
+          <a:noFill/>
+        </p:spPr>
+        <p:txBody>
+          <a:bodyPr wrap="square" rtlCol="0">
+            <a:spAutoFit/>
+          </a:bodyPr>
+          <a:lstStyle/>
+          <a:p>
+            <a:r>
+              <a:rPr lang="en-US" altLang="ko-KR" sz="800" dirty="0"/>
+              <a:t>UI: User Interface</a:t>
+            </a:r>
+            <a:endParaRPr lang="ko-KR" altLang="en-US" sz="800" dirty="0"/>
+          </a:p>
+        </p:txBody>
+      </p:sp>
+      <p:sp>
+        <p:nvSpPr>
+          <p:cNvPr id="12" name="TextBox 11">
+            <a:extLst>
+              <a:ext uri="{FF2B5EF4-FFF2-40B4-BE49-F238E27FC236}">
+                <a16:creationId xmlns:a16="http://schemas.microsoft.com/office/drawing/2014/main" id="{25D19196-CD30-3AF6-3F56-12A35968416D}"/>
+              </a:ext>
+            </a:extLst>
+          </p:cNvPr>
+          <p:cNvSpPr txBox="1"/>
+          <p:nvPr/>
+        </p:nvSpPr>
+        <p:spPr>
+          <a:xfrm>
+            <a:off x="311150" y="5762288"/>
+            <a:ext cx="8350250" cy="553998"/>
+          </a:xfrm>
+          <a:prstGeom prst="rect">
+            <a:avLst/>
+          </a:prstGeom>
+          <a:noFill/>
+        </p:spPr>
+        <p:txBody>
+          <a:bodyPr wrap="square" rtlCol="0">
+            <a:spAutoFit/>
+          </a:bodyPr>
+          <a:lstStyle/>
+          <a:p>
+            <a:r>
+              <a:rPr lang="en-US" altLang="ko-KR" sz="1500" dirty="0"/>
+              <a:t>Intent</a:t>
+            </a:r>
+          </a:p>
+          <a:p>
+            <a:r>
+              <a:rPr lang="en-US" altLang="ko-KR" sz="1500" dirty="0"/>
+              <a:t>- </a:t>
+            </a:r>
+            <a:endParaRPr lang="ko-KR" altLang="en-US" sz="1300" dirty="0"/>
+          </a:p>
+        </p:txBody>
+      </p:sp>
+    </p:spTree>
+    <p:extLst>
+      <p:ext uri="{BB962C8B-B14F-4D97-AF65-F5344CB8AC3E}">
+        <p14:creationId xmlns:p14="http://schemas.microsoft.com/office/powerpoint/2010/main" val="4114807805"/>
+      </p:ext>
+    </p:extLst>
+  </p:cSld>
+  <p:clrMapOvr>
+    <a:masterClrMapping/>
+  </p:clrMapOvr>
+</p:sld>
+</file>
+
+<file path=ppt/slides/slide7.xml><?xml version="1.0" encoding="utf-8"?>
+<p:sld xmlns:a="http://schemas.openxmlformats.org/drawingml/2006/main" xmlns:r="http://schemas.openxmlformats.org/officeDocument/2006/relationships" xmlns:p="http://schemas.openxmlformats.org/presentationml/2006/main">
+  <p:cSld>
+    <p:spTree>
+      <p:nvGrpSpPr>
+        <p:cNvPr id="1" name=""/>
+        <p:cNvGrpSpPr/>
+        <p:nvPr/>
+      </p:nvGrpSpPr>
+      <p:grpSpPr>
+        <a:xfrm>
+          <a:off x="0" y="0"/>
+          <a:ext cx="0" cy="0"/>
+          <a:chOff x="0" y="0"/>
+          <a:chExt cx="0" cy="0"/>
+        </a:xfrm>
+      </p:grpSpPr>
+      <p:sp>
+        <p:nvSpPr>
+          <p:cNvPr id="4" name="TextBox 3">
+            <a:extLst>
+              <a:ext uri="{FF2B5EF4-FFF2-40B4-BE49-F238E27FC236}">
+                <a16:creationId xmlns:a16="http://schemas.microsoft.com/office/drawing/2014/main" id="{29FAE5ED-BA65-8D6C-2FA4-D5B3391B71B6}"/>
+              </a:ext>
+            </a:extLst>
+          </p:cNvPr>
+          <p:cNvSpPr txBox="1"/>
+          <p:nvPr/>
+        </p:nvSpPr>
+        <p:spPr>
+          <a:xfrm>
+            <a:off x="11664950" y="6581001"/>
+            <a:ext cx="527050" cy="276999"/>
+          </a:xfrm>
+          <a:prstGeom prst="rect">
+            <a:avLst/>
+          </a:prstGeom>
+          <a:noFill/>
+        </p:spPr>
+        <p:txBody>
+          <a:bodyPr wrap="square" rtlCol="0">
+            <a:spAutoFit/>
+          </a:bodyPr>
+          <a:lstStyle/>
+          <a:p>
+            <a:pPr algn="r"/>
+            <a:r>
+              <a:rPr lang="en-US" altLang="ko-KR" sz="1200" dirty="0"/>
+              <a:t>Ch2</a:t>
+            </a:r>
+            <a:endParaRPr lang="ko-KR" altLang="en-US" sz="1200" dirty="0"/>
+          </a:p>
+        </p:txBody>
+      </p:sp>
+      <p:sp>
+        <p:nvSpPr>
+          <p:cNvPr id="2" name="TextBox 1">
+            <a:extLst>
+              <a:ext uri="{FF2B5EF4-FFF2-40B4-BE49-F238E27FC236}">
+                <a16:creationId xmlns:a16="http://schemas.microsoft.com/office/drawing/2014/main" id="{955667E6-3F14-F68F-0A56-A90A6AB59974}"/>
+              </a:ext>
+            </a:extLst>
+          </p:cNvPr>
+          <p:cNvSpPr txBox="1"/>
+          <p:nvPr/>
+        </p:nvSpPr>
+        <p:spPr>
+          <a:xfrm>
+            <a:off x="311150" y="863243"/>
+            <a:ext cx="8350250" cy="3631763"/>
+          </a:xfrm>
+          <a:prstGeom prst="rect">
+            <a:avLst/>
+          </a:prstGeom>
+          <a:noFill/>
+        </p:spPr>
+        <p:txBody>
+          <a:bodyPr wrap="square" rtlCol="0">
+            <a:spAutoFit/>
+          </a:bodyPr>
+          <a:lstStyle/>
+          <a:p>
+            <a:r>
+              <a:rPr lang="en-US" altLang="ko-KR" sz="1500" dirty="0"/>
+              <a:t>Activity</a:t>
+            </a:r>
+          </a:p>
+          <a:p>
+            <a:pPr marL="285750" indent="-285750">
+              <a:buFontTx/>
+              <a:buChar char="-"/>
+            </a:pPr>
+            <a:r>
+              <a:rPr lang="en-US" altLang="ko-KR" sz="1300" dirty="0"/>
+              <a:t>UI </a:t>
+            </a:r>
+            <a:r>
+              <a:rPr lang="ko-KR" altLang="en-US" sz="1300" dirty="0"/>
+              <a:t>화면을 가지고 하나의 작업을 담당하는 </a:t>
+            </a:r>
+            <a:r>
+              <a:rPr lang="en-US" altLang="ko-KR" sz="1300" dirty="0"/>
+              <a:t>component</a:t>
+            </a:r>
+          </a:p>
+          <a:p>
+            <a:pPr marL="285750" indent="-285750">
+              <a:buFontTx/>
+              <a:buChar char="-"/>
+            </a:pPr>
+            <a:r>
+              <a:rPr lang="ko-KR" altLang="en-US" sz="1300" dirty="0"/>
+              <a:t>하나의 </a:t>
+            </a:r>
+            <a:r>
+              <a:rPr lang="en-US" altLang="ko-KR" sz="1300" dirty="0"/>
+              <a:t>application</a:t>
+            </a:r>
+            <a:r>
+              <a:rPr lang="ko-KR" altLang="en-US" sz="1300" dirty="0"/>
+              <a:t>은 여러 개의 </a:t>
+            </a:r>
+            <a:r>
+              <a:rPr lang="en-US" altLang="ko-KR" sz="1300" dirty="0"/>
+              <a:t>activity</a:t>
+            </a:r>
+            <a:r>
+              <a:rPr lang="ko-KR" altLang="en-US" sz="1300" dirty="0"/>
+              <a:t>를 가질 수 있음</a:t>
+            </a:r>
+            <a:endParaRPr lang="en-US" altLang="ko-KR" sz="1300" dirty="0"/>
+          </a:p>
+          <a:p>
+            <a:endParaRPr lang="en-US" altLang="ko-KR" sz="1500" dirty="0"/>
+          </a:p>
+          <a:p>
+            <a:r>
+              <a:rPr lang="en-US" altLang="ko-KR" sz="1500" dirty="0"/>
+              <a:t>Service</a:t>
+            </a:r>
+          </a:p>
+          <a:p>
+            <a:pPr marL="285750" indent="-285750">
+              <a:buFontTx/>
+              <a:buChar char="-"/>
+            </a:pPr>
+            <a:r>
+              <a:rPr lang="ko-KR" altLang="en-US" sz="1300" dirty="0"/>
+              <a:t>백그라운드에서 실행되는 </a:t>
+            </a:r>
+            <a:r>
+              <a:rPr lang="en-US" altLang="ko-KR" sz="1300" dirty="0"/>
+              <a:t>component</a:t>
+            </a:r>
+          </a:p>
+          <a:p>
+            <a:pPr marL="285750" indent="-285750">
+              <a:buFontTx/>
+              <a:buChar char="-"/>
+            </a:pPr>
+            <a:r>
+              <a:rPr lang="ko-KR" altLang="en-US" sz="1300" dirty="0"/>
+              <a:t>오랫동안 실행되는 작업이나 원격 프로세스를 위한 작업</a:t>
+            </a:r>
+            <a:endParaRPr lang="en-US" altLang="ko-KR" sz="1300" dirty="0"/>
+          </a:p>
+          <a:p>
+            <a:pPr marL="285750" indent="-285750">
+              <a:buFontTx/>
+              <a:buChar char="-"/>
+            </a:pPr>
+            <a:r>
+              <a:rPr lang="en-US" altLang="ko-KR" sz="1300" dirty="0"/>
+              <a:t>UI </a:t>
+            </a:r>
+            <a:r>
+              <a:rPr lang="ko-KR" altLang="en-US" sz="1300" dirty="0"/>
+              <a:t>화면을 가지지 않음</a:t>
+            </a:r>
+            <a:endParaRPr lang="en-US" altLang="ko-KR" sz="1300" dirty="0"/>
+          </a:p>
+          <a:p>
+            <a:endParaRPr lang="en-US" altLang="ko-KR" sz="1500" dirty="0"/>
+          </a:p>
+          <a:p>
+            <a:r>
+              <a:rPr lang="en-US" altLang="ko-KR" sz="1500" dirty="0"/>
+              <a:t>Broadcast Receiver</a:t>
+            </a:r>
+          </a:p>
+          <a:p>
+            <a:pPr marL="285750" indent="-285750">
+              <a:buFontTx/>
+              <a:buChar char="-"/>
+            </a:pPr>
+            <a:r>
+              <a:rPr lang="ko-KR" altLang="en-US" sz="1300" dirty="0"/>
+              <a:t>시스템 등에서 발생하는 </a:t>
+            </a:r>
+            <a:r>
+              <a:rPr lang="en-US" altLang="ko-KR" sz="1300" dirty="0"/>
+              <a:t>broadcast</a:t>
+            </a:r>
+            <a:r>
+              <a:rPr lang="ko-KR" altLang="en-US" sz="1300" dirty="0"/>
+              <a:t>를 받고 반응하는 </a:t>
+            </a:r>
+            <a:r>
+              <a:rPr lang="en-US" altLang="ko-KR" sz="1300" dirty="0"/>
+              <a:t>component</a:t>
+            </a:r>
+          </a:p>
+          <a:p>
+            <a:pPr marL="285750" indent="-285750">
+              <a:buFontTx/>
+              <a:buChar char="-"/>
+            </a:pPr>
+            <a:r>
+              <a:rPr lang="ko-KR" altLang="en-US" sz="1300" dirty="0"/>
+              <a:t>일반적으로 </a:t>
+            </a:r>
+            <a:r>
+              <a:rPr lang="en-US" altLang="ko-KR" sz="1300" dirty="0"/>
+              <a:t>UI</a:t>
+            </a:r>
+            <a:r>
+              <a:rPr lang="ko-KR" altLang="en-US" sz="1300" dirty="0"/>
+              <a:t>를 가지지 않음</a:t>
+            </a:r>
+            <a:endParaRPr lang="en-US" altLang="ko-KR" sz="1300" dirty="0"/>
+          </a:p>
+          <a:p>
+            <a:endParaRPr lang="en-US" altLang="ko-KR" sz="1500" dirty="0"/>
+          </a:p>
+          <a:p>
+            <a:endParaRPr lang="en-US" altLang="ko-KR" sz="1500" dirty="0"/>
+          </a:p>
+          <a:p>
+            <a:r>
+              <a:rPr lang="en-US" altLang="ko-KR" sz="1500" dirty="0"/>
+              <a:t>Content Provider</a:t>
+            </a:r>
+          </a:p>
+          <a:p>
+            <a:r>
+              <a:rPr lang="en-US" altLang="ko-KR" sz="1300" dirty="0"/>
+              <a:t>- </a:t>
+            </a:r>
+            <a:r>
+              <a:rPr lang="ko-KR" altLang="en-US" sz="1300" dirty="0"/>
+              <a:t>데이터를 관리하고 다른 </a:t>
+            </a:r>
+            <a:r>
+              <a:rPr lang="en-US" altLang="ko-KR" sz="1300" dirty="0"/>
+              <a:t>application</a:t>
+            </a:r>
+            <a:r>
+              <a:rPr lang="ko-KR" altLang="en-US" sz="1300" dirty="0"/>
+              <a:t>에 데이터를 제공하는 </a:t>
+            </a:r>
+            <a:r>
+              <a:rPr lang="en-US" altLang="ko-KR" sz="1300" dirty="0"/>
+              <a:t>component</a:t>
+            </a:r>
+            <a:endParaRPr lang="ko-KR" altLang="en-US" sz="1300" dirty="0"/>
+          </a:p>
+        </p:txBody>
+      </p:sp>
+      <p:cxnSp>
+        <p:nvCxnSpPr>
+          <p:cNvPr id="8" name="직선 연결선 7">
+            <a:extLst>
+              <a:ext uri="{FF2B5EF4-FFF2-40B4-BE49-F238E27FC236}">
+                <a16:creationId xmlns:a16="http://schemas.microsoft.com/office/drawing/2014/main" id="{DF13C32A-6CB1-3873-9027-B2750C1D390F}"/>
+              </a:ext>
+            </a:extLst>
+          </p:cNvPr>
+          <p:cNvCxnSpPr/>
+          <p:nvPr/>
+        </p:nvCxnSpPr>
+        <p:spPr>
+          <a:xfrm>
+            <a:off x="311150" y="640665"/>
+            <a:ext cx="11499850" cy="0"/>
+          </a:xfrm>
+          <a:prstGeom prst="line">
+            <a:avLst/>
+          </a:prstGeom>
+        </p:spPr>
+        <p:style>
+          <a:lnRef idx="2">
+            <a:schemeClr val="accent1"/>
+          </a:lnRef>
+          <a:fillRef idx="0">
+            <a:schemeClr val="accent1"/>
+          </a:fillRef>
+          <a:effectRef idx="1">
+            <a:schemeClr val="accent1"/>
+          </a:effectRef>
+          <a:fontRef idx="minor">
+            <a:schemeClr val="tx1"/>
+          </a:fontRef>
+        </p:style>
+      </p:cxnSp>
+      <p:sp>
+        <p:nvSpPr>
+          <p:cNvPr id="10" name="TextBox 9">
+            <a:extLst>
+              <a:ext uri="{FF2B5EF4-FFF2-40B4-BE49-F238E27FC236}">
+                <a16:creationId xmlns:a16="http://schemas.microsoft.com/office/drawing/2014/main" id="{6B9D6A29-2679-D658-96EE-B7FF0954BB32}"/>
+              </a:ext>
+            </a:extLst>
+          </p:cNvPr>
+          <p:cNvSpPr txBox="1"/>
+          <p:nvPr/>
+        </p:nvSpPr>
+        <p:spPr>
+          <a:xfrm>
+            <a:off x="311150" y="211668"/>
+            <a:ext cx="2451100" cy="323165"/>
+          </a:xfrm>
+          <a:prstGeom prst="rect">
+            <a:avLst/>
+          </a:prstGeom>
+          <a:noFill/>
+        </p:spPr>
+        <p:txBody>
+          <a:bodyPr wrap="square" rtlCol="0">
+            <a:spAutoFit/>
+          </a:bodyPr>
+          <a:lstStyle/>
+          <a:p>
+            <a:r>
+              <a:rPr lang="en-US" altLang="ko-KR" sz="1500" dirty="0"/>
+              <a:t>Java Code</a:t>
+            </a:r>
+            <a:endParaRPr lang="ko-KR" altLang="en-US" sz="1500" dirty="0"/>
+          </a:p>
+        </p:txBody>
+      </p:sp>
+      <p:sp>
+        <p:nvSpPr>
+          <p:cNvPr id="11" name="TextBox 10">
+            <a:extLst>
+              <a:ext uri="{FF2B5EF4-FFF2-40B4-BE49-F238E27FC236}">
+                <a16:creationId xmlns:a16="http://schemas.microsoft.com/office/drawing/2014/main" id="{0DD1D5B3-0EB7-C277-2DFB-ADA6049DB1CC}"/>
+              </a:ext>
+            </a:extLst>
+          </p:cNvPr>
+          <p:cNvSpPr txBox="1"/>
+          <p:nvPr/>
+        </p:nvSpPr>
+        <p:spPr>
+          <a:xfrm>
+            <a:off x="57150" y="6611778"/>
+            <a:ext cx="1479550" cy="215444"/>
+          </a:xfrm>
+          <a:prstGeom prst="rect">
+            <a:avLst/>
+          </a:prstGeom>
+          <a:noFill/>
+        </p:spPr>
+        <p:txBody>
+          <a:bodyPr wrap="square" rtlCol="0">
+            <a:spAutoFit/>
+          </a:bodyPr>
+          <a:lstStyle/>
+          <a:p>
+            <a:r>
+              <a:rPr lang="en-US" altLang="ko-KR" sz="800" dirty="0"/>
+              <a:t>UI: User Interface</a:t>
+            </a:r>
+            <a:endParaRPr lang="ko-KR" altLang="en-US" sz="800" dirty="0"/>
+          </a:p>
+        </p:txBody>
+      </p:sp>
+      <p:sp>
+        <p:nvSpPr>
+          <p:cNvPr id="12" name="TextBox 11">
+            <a:extLst>
+              <a:ext uri="{FF2B5EF4-FFF2-40B4-BE49-F238E27FC236}">
+                <a16:creationId xmlns:a16="http://schemas.microsoft.com/office/drawing/2014/main" id="{25D19196-CD30-3AF6-3F56-12A35968416D}"/>
+              </a:ext>
+            </a:extLst>
+          </p:cNvPr>
+          <p:cNvSpPr txBox="1"/>
+          <p:nvPr/>
+        </p:nvSpPr>
+        <p:spPr>
+          <a:xfrm>
+            <a:off x="311150" y="5762288"/>
+            <a:ext cx="8350250" cy="553998"/>
+          </a:xfrm>
+          <a:prstGeom prst="rect">
+            <a:avLst/>
+          </a:prstGeom>
+          <a:noFill/>
+        </p:spPr>
+        <p:txBody>
+          <a:bodyPr wrap="square" rtlCol="0">
+            <a:spAutoFit/>
+          </a:bodyPr>
+          <a:lstStyle/>
+          <a:p>
+            <a:r>
+              <a:rPr lang="en-US" altLang="ko-KR" sz="1500" dirty="0"/>
+              <a:t>Intent</a:t>
+            </a:r>
+          </a:p>
+          <a:p>
+            <a:r>
+              <a:rPr lang="en-US" altLang="ko-KR" sz="1500" dirty="0"/>
+              <a:t>- </a:t>
+            </a:r>
+            <a:endParaRPr lang="ko-KR" altLang="en-US" sz="1300" dirty="0"/>
+          </a:p>
+        </p:txBody>
+      </p:sp>
+    </p:spTree>
+    <p:extLst>
+      <p:ext uri="{BB962C8B-B14F-4D97-AF65-F5344CB8AC3E}">
+        <p14:creationId xmlns:p14="http://schemas.microsoft.com/office/powerpoint/2010/main" val="1348420701"/>
+      </p:ext>
+    </p:extLst>
+  </p:cSld>
+  <p:clrMapOvr>
+    <a:masterClrMapping/>
+  </p:clrMapOvr>
+</p:sld>
+</file>
+
+<file path=ppt/slides/slide8.xml><?xml version="1.0" encoding="utf-8"?>
+<p:sld xmlns:a="http://schemas.openxmlformats.org/drawingml/2006/main" xmlns:r="http://schemas.openxmlformats.org/officeDocument/2006/relationships" xmlns:p="http://schemas.openxmlformats.org/presentationml/2006/main">
+  <p:cSld>
+    <p:spTree>
+      <p:nvGrpSpPr>
+        <p:cNvPr id="1" name=""/>
+        <p:cNvGrpSpPr/>
+        <p:nvPr/>
+      </p:nvGrpSpPr>
+      <p:grpSpPr>
+        <a:xfrm>
+          <a:off x="0" y="0"/>
+          <a:ext cx="0" cy="0"/>
+          <a:chOff x="0" y="0"/>
+          <a:chExt cx="0" cy="0"/>
+        </a:xfrm>
+      </p:grpSpPr>
+      <p:sp>
+        <p:nvSpPr>
+          <p:cNvPr id="4" name="TextBox 3">
+            <a:extLst>
+              <a:ext uri="{FF2B5EF4-FFF2-40B4-BE49-F238E27FC236}">
+                <a16:creationId xmlns:a16="http://schemas.microsoft.com/office/drawing/2014/main" id="{29FAE5ED-BA65-8D6C-2FA4-D5B3391B71B6}"/>
+              </a:ext>
+            </a:extLst>
+          </p:cNvPr>
+          <p:cNvSpPr txBox="1"/>
+          <p:nvPr/>
+        </p:nvSpPr>
+        <p:spPr>
+          <a:xfrm>
+            <a:off x="11664950" y="6581001"/>
+            <a:ext cx="527050" cy="276999"/>
+          </a:xfrm>
+          <a:prstGeom prst="rect">
+            <a:avLst/>
+          </a:prstGeom>
+          <a:noFill/>
+        </p:spPr>
+        <p:txBody>
+          <a:bodyPr wrap="square" rtlCol="0">
+            <a:spAutoFit/>
+          </a:bodyPr>
+          <a:lstStyle/>
+          <a:p>
+            <a:pPr algn="r"/>
+            <a:r>
+              <a:rPr lang="en-US" altLang="ko-KR" sz="1200" dirty="0"/>
+              <a:t>Ch2</a:t>
+            </a:r>
+            <a:endParaRPr lang="ko-KR" altLang="en-US" sz="1200" dirty="0"/>
+          </a:p>
+        </p:txBody>
+      </p:sp>
+      <p:cxnSp>
+        <p:nvCxnSpPr>
+          <p:cNvPr id="8" name="직선 연결선 7">
+            <a:extLst>
+              <a:ext uri="{FF2B5EF4-FFF2-40B4-BE49-F238E27FC236}">
+                <a16:creationId xmlns:a16="http://schemas.microsoft.com/office/drawing/2014/main" id="{DF13C32A-6CB1-3873-9027-B2750C1D390F}"/>
+              </a:ext>
+            </a:extLst>
+          </p:cNvPr>
+          <p:cNvCxnSpPr/>
+          <p:nvPr/>
+        </p:nvCxnSpPr>
+        <p:spPr>
+          <a:xfrm>
+            <a:off x="311150" y="640665"/>
+            <a:ext cx="11499850" cy="0"/>
+          </a:xfrm>
+          <a:prstGeom prst="line">
+            <a:avLst/>
+          </a:prstGeom>
+        </p:spPr>
+        <p:style>
+          <a:lnRef idx="2">
+            <a:schemeClr val="accent1"/>
+          </a:lnRef>
+          <a:fillRef idx="0">
+            <a:schemeClr val="accent1"/>
+          </a:fillRef>
+          <a:effectRef idx="1">
+            <a:schemeClr val="accent1"/>
+          </a:effectRef>
+          <a:fontRef idx="minor">
+            <a:schemeClr val="tx1"/>
+          </a:fontRef>
+        </p:style>
+      </p:cxnSp>
+      <p:sp>
+        <p:nvSpPr>
+          <p:cNvPr id="10" name="TextBox 9">
+            <a:extLst>
+              <a:ext uri="{FF2B5EF4-FFF2-40B4-BE49-F238E27FC236}">
+                <a16:creationId xmlns:a16="http://schemas.microsoft.com/office/drawing/2014/main" id="{6B9D6A29-2679-D658-96EE-B7FF0954BB32}"/>
+              </a:ext>
+            </a:extLst>
+          </p:cNvPr>
+          <p:cNvSpPr txBox="1"/>
+          <p:nvPr/>
+        </p:nvSpPr>
+        <p:spPr>
+          <a:xfrm>
+            <a:off x="311150" y="211668"/>
+            <a:ext cx="2451100" cy="323165"/>
+          </a:xfrm>
+          <a:prstGeom prst="rect">
+            <a:avLst/>
+          </a:prstGeom>
+          <a:noFill/>
+        </p:spPr>
+        <p:txBody>
+          <a:bodyPr wrap="square" rtlCol="0">
+            <a:spAutoFit/>
+          </a:bodyPr>
+          <a:lstStyle/>
+          <a:p>
+            <a:r>
+              <a:rPr lang="en-US" altLang="ko-KR" sz="1500" dirty="0"/>
+              <a:t>Resource</a:t>
+            </a:r>
+            <a:endParaRPr lang="ko-KR" altLang="en-US" sz="1500" dirty="0"/>
+          </a:p>
+        </p:txBody>
+      </p:sp>
+      <p:sp>
+        <p:nvSpPr>
+          <p:cNvPr id="11" name="TextBox 10">
+            <a:extLst>
+              <a:ext uri="{FF2B5EF4-FFF2-40B4-BE49-F238E27FC236}">
+                <a16:creationId xmlns:a16="http://schemas.microsoft.com/office/drawing/2014/main" id="{0DD1D5B3-0EB7-C277-2DFB-ADA6049DB1CC}"/>
+              </a:ext>
+            </a:extLst>
+          </p:cNvPr>
+          <p:cNvSpPr txBox="1"/>
+          <p:nvPr/>
+        </p:nvSpPr>
+        <p:spPr>
+          <a:xfrm>
+            <a:off x="57150" y="6611778"/>
+            <a:ext cx="1479550" cy="215444"/>
+          </a:xfrm>
+          <a:prstGeom prst="rect">
+            <a:avLst/>
+          </a:prstGeom>
+          <a:noFill/>
+        </p:spPr>
+        <p:txBody>
+          <a:bodyPr wrap="square" rtlCol="0">
+            <a:spAutoFit/>
+          </a:bodyPr>
+          <a:lstStyle/>
+          <a:p>
+            <a:r>
+              <a:rPr lang="en-US" altLang="ko-KR" sz="800" dirty="0"/>
+              <a:t>UI: User Interface</a:t>
+            </a:r>
+            <a:endParaRPr lang="ko-KR" altLang="en-US" sz="800" dirty="0"/>
+          </a:p>
+        </p:txBody>
+      </p:sp>
+      <p:sp>
+        <p:nvSpPr>
+          <p:cNvPr id="12" name="TextBox 11">
+            <a:extLst>
+              <a:ext uri="{FF2B5EF4-FFF2-40B4-BE49-F238E27FC236}">
+                <a16:creationId xmlns:a16="http://schemas.microsoft.com/office/drawing/2014/main" id="{25D19196-CD30-3AF6-3F56-12A35968416D}"/>
+              </a:ext>
+            </a:extLst>
+          </p:cNvPr>
+          <p:cNvSpPr txBox="1"/>
+          <p:nvPr/>
+        </p:nvSpPr>
+        <p:spPr>
+          <a:xfrm>
+            <a:off x="311150" y="5762288"/>
+            <a:ext cx="8350250" cy="553998"/>
+          </a:xfrm>
+          <a:prstGeom prst="rect">
+            <a:avLst/>
+          </a:prstGeom>
+          <a:noFill/>
+        </p:spPr>
+        <p:txBody>
+          <a:bodyPr wrap="square" rtlCol="0">
+            <a:spAutoFit/>
+          </a:bodyPr>
+          <a:lstStyle/>
+          <a:p>
+            <a:r>
+              <a:rPr lang="en-US" altLang="ko-KR" sz="1500" dirty="0"/>
+              <a:t>Intent</a:t>
+            </a:r>
+          </a:p>
+          <a:p>
+            <a:r>
+              <a:rPr lang="en-US" altLang="ko-KR" sz="1500" dirty="0"/>
+              <a:t>- </a:t>
+            </a:r>
+            <a:endParaRPr lang="ko-KR" altLang="en-US" sz="1300" dirty="0"/>
+          </a:p>
+        </p:txBody>
+      </p:sp>
+    </p:spTree>
+    <p:extLst>
+      <p:ext uri="{BB962C8B-B14F-4D97-AF65-F5344CB8AC3E}">
+        <p14:creationId xmlns:p14="http://schemas.microsoft.com/office/powerpoint/2010/main" val="2812416985"/>
+      </p:ext>
+    </p:extLst>
+  </p:cSld>
+  <p:clrMapOvr>
+    <a:masterClrMapping/>
+  </p:clrMapOvr>
+</p:sld>
+</file>
+
+<file path=ppt/slides/slide9.xml><?xml version="1.0" encoding="utf-8"?>
+<p:sld xmlns:a="http://schemas.openxmlformats.org/drawingml/2006/main" xmlns:r="http://schemas.openxmlformats.org/officeDocument/2006/relationships" xmlns:p="http://schemas.openxmlformats.org/presentationml/2006/main">
+  <p:cSld>
+    <p:spTree>
+      <p:nvGrpSpPr>
+        <p:cNvPr id="1" name=""/>
+        <p:cNvGrpSpPr/>
+        <p:nvPr/>
+      </p:nvGrpSpPr>
+      <p:grpSpPr>
+        <a:xfrm>
+          <a:off x="0" y="0"/>
+          <a:ext cx="0" cy="0"/>
+          <a:chOff x="0" y="0"/>
+          <a:chExt cx="0" cy="0"/>
+        </a:xfrm>
+      </p:grpSpPr>
+      <p:sp>
+        <p:nvSpPr>
+          <p:cNvPr id="4" name="TextBox 3">
+            <a:extLst>
+              <a:ext uri="{FF2B5EF4-FFF2-40B4-BE49-F238E27FC236}">
+                <a16:creationId xmlns:a16="http://schemas.microsoft.com/office/drawing/2014/main" id="{29FAE5ED-BA65-8D6C-2FA4-D5B3391B71B6}"/>
+              </a:ext>
+            </a:extLst>
+          </p:cNvPr>
+          <p:cNvSpPr txBox="1"/>
+          <p:nvPr/>
+        </p:nvSpPr>
+        <p:spPr>
+          <a:xfrm>
+            <a:off x="11664950" y="6581001"/>
+            <a:ext cx="527050" cy="276999"/>
+          </a:xfrm>
+          <a:prstGeom prst="rect">
+            <a:avLst/>
+          </a:prstGeom>
+          <a:noFill/>
+        </p:spPr>
+        <p:txBody>
+          <a:bodyPr wrap="square" rtlCol="0">
+            <a:spAutoFit/>
+          </a:bodyPr>
+          <a:lstStyle/>
+          <a:p>
+            <a:pPr algn="r"/>
+            <a:r>
+              <a:rPr lang="en-US" altLang="ko-KR" sz="1200" dirty="0"/>
+              <a:t>Ch2</a:t>
+            </a:r>
+            <a:endParaRPr lang="ko-KR" altLang="en-US" sz="1200" dirty="0"/>
+          </a:p>
+        </p:txBody>
+      </p:sp>
+      <p:sp>
+        <p:nvSpPr>
+          <p:cNvPr id="2" name="TextBox 1">
+            <a:extLst>
+              <a:ext uri="{FF2B5EF4-FFF2-40B4-BE49-F238E27FC236}">
+                <a16:creationId xmlns:a16="http://schemas.microsoft.com/office/drawing/2014/main" id="{955667E6-3F14-F68F-0A56-A90A6AB59974}"/>
+              </a:ext>
+            </a:extLst>
+          </p:cNvPr>
+          <p:cNvSpPr txBox="1"/>
+          <p:nvPr/>
+        </p:nvSpPr>
+        <p:spPr>
+          <a:xfrm>
+            <a:off x="311150" y="863243"/>
+            <a:ext cx="8350250" cy="3631763"/>
+          </a:xfrm>
+          <a:prstGeom prst="rect">
+            <a:avLst/>
+          </a:prstGeom>
+          <a:noFill/>
+        </p:spPr>
+        <p:txBody>
+          <a:bodyPr wrap="square" rtlCol="0">
+            <a:spAutoFit/>
+          </a:bodyPr>
+          <a:lstStyle/>
+          <a:p>
+            <a:r>
+              <a:rPr lang="en-US" altLang="ko-KR" sz="1500" dirty="0"/>
+              <a:t>Activity</a:t>
+            </a:r>
+          </a:p>
+          <a:p>
+            <a:pPr marL="285750" indent="-285750">
+              <a:buFontTx/>
+              <a:buChar char="-"/>
+            </a:pPr>
+            <a:r>
+              <a:rPr lang="en-US" altLang="ko-KR" sz="1300" dirty="0"/>
+              <a:t>UI </a:t>
+            </a:r>
+            <a:r>
+              <a:rPr lang="ko-KR" altLang="en-US" sz="1300" dirty="0"/>
+              <a:t>화면을 가지고 하나의 작업을 담당하는 </a:t>
+            </a:r>
+            <a:r>
+              <a:rPr lang="en-US" altLang="ko-KR" sz="1300" dirty="0"/>
+              <a:t>component</a:t>
+            </a:r>
+          </a:p>
+          <a:p>
+            <a:pPr marL="285750" indent="-285750">
+              <a:buFontTx/>
+              <a:buChar char="-"/>
+            </a:pPr>
+            <a:r>
+              <a:rPr lang="ko-KR" altLang="en-US" sz="1300" dirty="0"/>
+              <a:t>하나의 </a:t>
+            </a:r>
+            <a:r>
+              <a:rPr lang="en-US" altLang="ko-KR" sz="1300" dirty="0"/>
+              <a:t>application</a:t>
+            </a:r>
+            <a:r>
+              <a:rPr lang="ko-KR" altLang="en-US" sz="1300" dirty="0"/>
+              <a:t>은 여러 개의 </a:t>
+            </a:r>
+            <a:r>
+              <a:rPr lang="en-US" altLang="ko-KR" sz="1300" dirty="0"/>
+              <a:t>activity</a:t>
+            </a:r>
+            <a:r>
+              <a:rPr lang="ko-KR" altLang="en-US" sz="1300" dirty="0"/>
+              <a:t>를 가질 수 있음</a:t>
+            </a:r>
+            <a:endParaRPr lang="en-US" altLang="ko-KR" sz="1300" dirty="0"/>
+          </a:p>
+          <a:p>
+            <a:endParaRPr lang="en-US" altLang="ko-KR" sz="1500" dirty="0"/>
+          </a:p>
+          <a:p>
+            <a:r>
+              <a:rPr lang="en-US" altLang="ko-KR" sz="1500" dirty="0"/>
+              <a:t>Service</a:t>
+            </a:r>
+          </a:p>
+          <a:p>
+            <a:pPr marL="285750" indent="-285750">
+              <a:buFontTx/>
+              <a:buChar char="-"/>
+            </a:pPr>
+            <a:r>
+              <a:rPr lang="ko-KR" altLang="en-US" sz="1300" dirty="0"/>
+              <a:t>백그라운드에서 실행되는 </a:t>
+            </a:r>
+            <a:r>
+              <a:rPr lang="en-US" altLang="ko-KR" sz="1300" dirty="0"/>
+              <a:t>component</a:t>
+            </a:r>
+          </a:p>
+          <a:p>
+            <a:pPr marL="285750" indent="-285750">
+              <a:buFontTx/>
+              <a:buChar char="-"/>
+            </a:pPr>
+            <a:r>
+              <a:rPr lang="ko-KR" altLang="en-US" sz="1300" dirty="0"/>
+              <a:t>오랫동안 실행되는 작업이나 원격 프로세스를 위한 작업</a:t>
+            </a:r>
+            <a:endParaRPr lang="en-US" altLang="ko-KR" sz="1300" dirty="0"/>
+          </a:p>
+          <a:p>
+            <a:pPr marL="285750" indent="-285750">
+              <a:buFontTx/>
+              <a:buChar char="-"/>
+            </a:pPr>
+            <a:r>
+              <a:rPr lang="en-US" altLang="ko-KR" sz="1300" dirty="0"/>
+              <a:t>UI </a:t>
+            </a:r>
+            <a:r>
+              <a:rPr lang="ko-KR" altLang="en-US" sz="1300" dirty="0"/>
+              <a:t>화면을 가지지 않음</a:t>
+            </a:r>
+            <a:endParaRPr lang="en-US" altLang="ko-KR" sz="1300" dirty="0"/>
+          </a:p>
+          <a:p>
+            <a:endParaRPr lang="en-US" altLang="ko-KR" sz="1500" dirty="0"/>
+          </a:p>
+          <a:p>
+            <a:r>
+              <a:rPr lang="en-US" altLang="ko-KR" sz="1500" dirty="0"/>
+              <a:t>Broadcast Receiver</a:t>
+            </a:r>
+          </a:p>
+          <a:p>
+            <a:pPr marL="285750" indent="-285750">
+              <a:buFontTx/>
+              <a:buChar char="-"/>
+            </a:pPr>
+            <a:r>
+              <a:rPr lang="ko-KR" altLang="en-US" sz="1300" dirty="0"/>
+              <a:t>시스템 등에서 발생하는 </a:t>
+            </a:r>
+            <a:r>
+              <a:rPr lang="en-US" altLang="ko-KR" sz="1300" dirty="0"/>
+              <a:t>broadcast</a:t>
+            </a:r>
+            <a:r>
+              <a:rPr lang="ko-KR" altLang="en-US" sz="1300" dirty="0"/>
+              <a:t>를 받고 반응하는 </a:t>
+            </a:r>
+            <a:r>
+              <a:rPr lang="en-US" altLang="ko-KR" sz="1300" dirty="0"/>
+              <a:t>component</a:t>
+            </a:r>
+          </a:p>
+          <a:p>
+            <a:pPr marL="285750" indent="-285750">
+              <a:buFontTx/>
+              <a:buChar char="-"/>
+            </a:pPr>
+            <a:r>
+              <a:rPr lang="ko-KR" altLang="en-US" sz="1300" dirty="0"/>
+              <a:t>일반적으로 </a:t>
+            </a:r>
+            <a:r>
+              <a:rPr lang="en-US" altLang="ko-KR" sz="1300" dirty="0"/>
+              <a:t>UI</a:t>
+            </a:r>
+            <a:r>
+              <a:rPr lang="ko-KR" altLang="en-US" sz="1300" dirty="0"/>
+              <a:t>를 가지지 않음</a:t>
+            </a:r>
+            <a:endParaRPr lang="en-US" altLang="ko-KR" sz="1300" dirty="0"/>
+          </a:p>
+          <a:p>
+            <a:endParaRPr lang="en-US" altLang="ko-KR" sz="1500" dirty="0"/>
+          </a:p>
+          <a:p>
+            <a:endParaRPr lang="en-US" altLang="ko-KR" sz="1500" dirty="0"/>
+          </a:p>
+          <a:p>
+            <a:r>
+              <a:rPr lang="en-US" altLang="ko-KR" sz="1500" dirty="0"/>
+              <a:t>Content Provider</a:t>
+            </a:r>
+          </a:p>
+          <a:p>
+            <a:r>
+              <a:rPr lang="en-US" altLang="ko-KR" sz="1300" dirty="0"/>
+              <a:t>- </a:t>
+            </a:r>
+            <a:r>
+              <a:rPr lang="ko-KR" altLang="en-US" sz="1300" dirty="0"/>
+              <a:t>데이터를 관리하고 다른 </a:t>
+            </a:r>
+            <a:r>
+              <a:rPr lang="en-US" altLang="ko-KR" sz="1300" dirty="0"/>
+              <a:t>application</a:t>
+            </a:r>
+            <a:r>
+              <a:rPr lang="ko-KR" altLang="en-US" sz="1300" dirty="0"/>
+              <a:t>에 데이터를 제공하는 </a:t>
+            </a:r>
+            <a:r>
+              <a:rPr lang="en-US" altLang="ko-KR" sz="1300" dirty="0"/>
+              <a:t>component</a:t>
+            </a:r>
+            <a:endParaRPr lang="ko-KR" altLang="en-US" sz="1300" dirty="0"/>
+          </a:p>
+        </p:txBody>
+      </p:sp>
+      <p:cxnSp>
+        <p:nvCxnSpPr>
+          <p:cNvPr id="8" name="직선 연결선 7">
+            <a:extLst>
+              <a:ext uri="{FF2B5EF4-FFF2-40B4-BE49-F238E27FC236}">
+                <a16:creationId xmlns:a16="http://schemas.microsoft.com/office/drawing/2014/main" id="{DF13C32A-6CB1-3873-9027-B2750C1D390F}"/>
+              </a:ext>
+            </a:extLst>
+          </p:cNvPr>
+          <p:cNvCxnSpPr/>
+          <p:nvPr/>
+        </p:nvCxnSpPr>
+        <p:spPr>
+          <a:xfrm>
+            <a:off x="311150" y="640665"/>
+            <a:ext cx="11499850" cy="0"/>
+          </a:xfrm>
+          <a:prstGeom prst="line">
+            <a:avLst/>
+          </a:prstGeom>
+        </p:spPr>
+        <p:style>
+          <a:lnRef idx="2">
+            <a:schemeClr val="accent1"/>
+          </a:lnRef>
+          <a:fillRef idx="0">
+            <a:schemeClr val="accent1"/>
+          </a:fillRef>
+          <a:effectRef idx="1">
+            <a:schemeClr val="accent1"/>
+          </a:effectRef>
+          <a:fontRef idx="minor">
+            <a:schemeClr val="tx1"/>
+          </a:fontRef>
+        </p:style>
+      </p:cxnSp>
+      <p:sp>
+        <p:nvSpPr>
+          <p:cNvPr id="10" name="TextBox 9">
+            <a:extLst>
+              <a:ext uri="{FF2B5EF4-FFF2-40B4-BE49-F238E27FC236}">
+                <a16:creationId xmlns:a16="http://schemas.microsoft.com/office/drawing/2014/main" id="{6B9D6A29-2679-D658-96EE-B7FF0954BB32}"/>
+              </a:ext>
+            </a:extLst>
+          </p:cNvPr>
+          <p:cNvSpPr txBox="1"/>
+          <p:nvPr/>
+        </p:nvSpPr>
+        <p:spPr>
+          <a:xfrm>
+            <a:off x="311150" y="211668"/>
+            <a:ext cx="2451100" cy="323165"/>
+          </a:xfrm>
+          <a:prstGeom prst="rect">
+            <a:avLst/>
+          </a:prstGeom>
+          <a:noFill/>
+        </p:spPr>
+        <p:txBody>
+          <a:bodyPr wrap="square" rtlCol="0">
+            <a:spAutoFit/>
+          </a:bodyPr>
+          <a:lstStyle/>
+          <a:p>
+            <a:r>
+              <a:rPr lang="en-US" altLang="ko-KR" sz="1500" dirty="0"/>
+              <a:t>Gradle</a:t>
+            </a:r>
+            <a:endParaRPr lang="ko-KR" altLang="en-US" sz="1500" dirty="0"/>
+          </a:p>
+        </p:txBody>
+      </p:sp>
+      <p:sp>
+        <p:nvSpPr>
+          <p:cNvPr id="11" name="TextBox 10">
+            <a:extLst>
+              <a:ext uri="{FF2B5EF4-FFF2-40B4-BE49-F238E27FC236}">
+                <a16:creationId xmlns:a16="http://schemas.microsoft.com/office/drawing/2014/main" id="{0DD1D5B3-0EB7-C277-2DFB-ADA6049DB1CC}"/>
+              </a:ext>
+            </a:extLst>
+          </p:cNvPr>
+          <p:cNvSpPr txBox="1"/>
+          <p:nvPr/>
+        </p:nvSpPr>
+        <p:spPr>
+          <a:xfrm>
+            <a:off x="57150" y="6611778"/>
+            <a:ext cx="1479550" cy="215444"/>
+          </a:xfrm>
+          <a:prstGeom prst="rect">
+            <a:avLst/>
+          </a:prstGeom>
+          <a:noFill/>
+        </p:spPr>
+        <p:txBody>
+          <a:bodyPr wrap="square" rtlCol="0">
+            <a:spAutoFit/>
+          </a:bodyPr>
+          <a:lstStyle/>
+          <a:p>
+            <a:r>
+              <a:rPr lang="en-US" altLang="ko-KR" sz="800" dirty="0"/>
+              <a:t>UI: User Interface</a:t>
+            </a:r>
+            <a:endParaRPr lang="ko-KR" altLang="en-US" sz="800" dirty="0"/>
+          </a:p>
+        </p:txBody>
+      </p:sp>
+      <p:sp>
+        <p:nvSpPr>
+          <p:cNvPr id="12" name="TextBox 11">
+            <a:extLst>
+              <a:ext uri="{FF2B5EF4-FFF2-40B4-BE49-F238E27FC236}">
+                <a16:creationId xmlns:a16="http://schemas.microsoft.com/office/drawing/2014/main" id="{25D19196-CD30-3AF6-3F56-12A35968416D}"/>
+              </a:ext>
+            </a:extLst>
+          </p:cNvPr>
+          <p:cNvSpPr txBox="1"/>
+          <p:nvPr/>
+        </p:nvSpPr>
+        <p:spPr>
+          <a:xfrm>
+            <a:off x="311150" y="5762288"/>
+            <a:ext cx="8350250" cy="553998"/>
+          </a:xfrm>
+          <a:prstGeom prst="rect">
+            <a:avLst/>
+          </a:prstGeom>
+          <a:noFill/>
+        </p:spPr>
+        <p:txBody>
+          <a:bodyPr wrap="square" rtlCol="0">
+            <a:spAutoFit/>
+          </a:bodyPr>
+          <a:lstStyle/>
+          <a:p>
+            <a:r>
+              <a:rPr lang="en-US" altLang="ko-KR" sz="1500" dirty="0"/>
+              <a:t>Intent</a:t>
+            </a:r>
+          </a:p>
+          <a:p>
+            <a:r>
+              <a:rPr lang="en-US" altLang="ko-KR" sz="1500" dirty="0"/>
+              <a:t>- </a:t>
+            </a:r>
+            <a:endParaRPr lang="ko-KR" altLang="en-US" sz="1300" dirty="0"/>
+          </a:p>
+        </p:txBody>
+      </p:sp>
+    </p:spTree>
+    <p:extLst>
+      <p:ext uri="{BB962C8B-B14F-4D97-AF65-F5344CB8AC3E}">
+        <p14:creationId xmlns:p14="http://schemas.microsoft.com/office/powerpoint/2010/main" val="3291185193"/>
       </p:ext>
     </p:extLst>
   </p:cSld>
@@ -3718,4 +12107,319 @@
     </a:ext>
   </a:extLst>
 </a:theme>
+</file>
+
+<file path=ppt/theme/theme2.xml><?xml version="1.0" encoding="utf-8"?>
+<a:theme xmlns:a="http://schemas.openxmlformats.org/drawingml/2006/main" name="Office 테마">
+  <a:themeElements>
+    <a:clrScheme name="Office">
+      <a:dk1>
+        <a:sysClr val="windowText" lastClr="000000"/>
+      </a:dk1>
+      <a:lt1>
+        <a:sysClr val="window" lastClr="FFFFFF"/>
+      </a:lt1>
+      <a:dk2>
+        <a:srgbClr val="0E2841"/>
+      </a:dk2>
+      <a:lt2>
+        <a:srgbClr val="E8E8E8"/>
+      </a:lt2>
+      <a:accent1>
+        <a:srgbClr val="156082"/>
+      </a:accent1>
+      <a:accent2>
+        <a:srgbClr val="E97132"/>
+      </a:accent2>
+      <a:accent3>
+        <a:srgbClr val="196B24"/>
+      </a:accent3>
+      <a:accent4>
+        <a:srgbClr val="0F9ED5"/>
+      </a:accent4>
+      <a:accent5>
+        <a:srgbClr val="A02B93"/>
+      </a:accent5>
+      <a:accent6>
+        <a:srgbClr val="4EA72E"/>
+      </a:accent6>
+      <a:hlink>
+        <a:srgbClr val="467886"/>
+      </a:hlink>
+      <a:folHlink>
+        <a:srgbClr val="96607D"/>
+      </a:folHlink>
+    </a:clrScheme>
+    <a:fontScheme name="Office">
+      <a:majorFont>
+        <a:latin typeface="맑은 고딕" panose="02110004020202020204"/>
+        <a:ea typeface=""/>
+        <a:cs typeface=""/>
+        <a:font script="Jpan" typeface="游ゴシック Light"/>
+        <a:font script="Hang" typeface="맑은 고딕"/>
+        <a:font script="Hans" typeface="等线 Light"/>
+        <a:font script="Hant" typeface="新細明體"/>
+        <a:font script="Arab" typeface="Times New Roman"/>
+        <a:font script="Hebr" typeface="Times New Roman"/>
+        <a:font script="Thai" typeface="Angsana New"/>
+        <a:font script="Ethi" typeface="Nyala"/>
+        <a:font script="Beng" typeface="Vrinda"/>
+        <a:font script="Gujr" typeface="Shruti"/>
+        <a:font script="Khmr" typeface="MoolBoran"/>
+        <a:font script="Knda" typeface="Tunga"/>
+        <a:font script="Guru" typeface="Raavi"/>
+        <a:font script="Cans" typeface="Euphemia"/>
+        <a:font script="Cher" typeface="Plantagenet Cherokee"/>
+        <a:font script="Yiii" typeface="Microsoft Yi Baiti"/>
+        <a:font script="Tibt" typeface="Microsoft Himalaya"/>
+        <a:font script="Thaa" typeface="MV Boli"/>
+        <a:font script="Deva" typeface="Mangal"/>
+        <a:font script="Telu" typeface="Gautami"/>
+        <a:font script="Taml" typeface="Latha"/>
+        <a:font script="Syrc" typeface="Estrangelo Edessa"/>
+        <a:font script="Orya" typeface="Kalinga"/>
+        <a:font script="Mlym" typeface="Kartika"/>
+        <a:font script="Laoo" typeface="DokChampa"/>
+        <a:font script="Sinh" typeface="Iskoola Pota"/>
+        <a:font script="Mong" typeface="Mongolian Baiti"/>
+        <a:font script="Viet" typeface="Times New Roman"/>
+        <a:font script="Uigh" typeface="Microsoft Uighur"/>
+        <a:font script="Geor" typeface="Sylfaen"/>
+        <a:font script="Armn" typeface="Arial"/>
+        <a:font script="Bugi" typeface="Leelawadee UI"/>
+        <a:font script="Bopo" typeface="Microsoft JhengHei"/>
+        <a:font script="Java" typeface="Javanese Text"/>
+        <a:font script="Lisu" typeface="Segoe UI"/>
+        <a:font script="Mymr" typeface="Myanmar Text"/>
+        <a:font script="Nkoo" typeface="Ebrima"/>
+        <a:font script="Olck" typeface="Nirmala UI"/>
+        <a:font script="Osma" typeface="Ebrima"/>
+        <a:font script="Phag" typeface="Phagspa"/>
+        <a:font script="Syrn" typeface="Estrangelo Edessa"/>
+        <a:font script="Syrj" typeface="Estrangelo Edessa"/>
+        <a:font script="Syre" typeface="Estrangelo Edessa"/>
+        <a:font script="Sora" typeface="Nirmala UI"/>
+        <a:font script="Tale" typeface="Microsoft Tai Le"/>
+        <a:font script="Talu" typeface="Microsoft New Tai Lue"/>
+        <a:font script="Tfng" typeface="Ebrima"/>
+      </a:majorFont>
+      <a:minorFont>
+        <a:latin typeface="맑은 고딕" panose="02110004020202020204"/>
+        <a:ea typeface=""/>
+        <a:cs typeface=""/>
+        <a:font script="Jpan" typeface="游ゴシック"/>
+        <a:font script="Hang" typeface="맑은 고딕"/>
+        <a:font script="Hans" typeface="等线"/>
+        <a:font script="Hant" typeface="新細明體"/>
+        <a:font script="Arab" typeface="Arial"/>
+        <a:font script="Hebr" typeface="Arial"/>
+        <a:font script="Thai" typeface="Cordia New"/>
+        <a:font script="Ethi" typeface="Nyala"/>
+        <a:font script="Beng" typeface="Vrinda"/>
+        <a:font script="Gujr" typeface="Shruti"/>
+        <a:font script="Khmr" typeface="DaunPenh"/>
+        <a:font script="Knda" typeface="Tunga"/>
+        <a:font script="Guru" typeface="Raavi"/>
+        <a:font script="Cans" typeface="Euphemia"/>
+        <a:font script="Cher" typeface="Plantagenet Cherokee"/>
+        <a:font script="Yiii" typeface="Microsoft Yi Baiti"/>
+        <a:font script="Tibt" typeface="Microsoft Himalaya"/>
+        <a:font script="Thaa" typeface="MV Boli"/>
+        <a:font script="Deva" typeface="Mangal"/>
+        <a:font script="Telu" typeface="Gautami"/>
+        <a:font script="Taml" typeface="Latha"/>
+        <a:font script="Syrc" typeface="Estrangelo Edessa"/>
+        <a:font script="Orya" typeface="Kalinga"/>
+        <a:font script="Mlym" typeface="Kartika"/>
+        <a:font script="Laoo" typeface="DokChampa"/>
+        <a:font script="Sinh" typeface="Iskoola Pota"/>
+        <a:font script="Mong" typeface="Mongolian Baiti"/>
+        <a:font script="Viet" typeface="Arial"/>
+        <a:font script="Uigh" typeface="Microsoft Uighur"/>
+        <a:font script="Geor" typeface="Sylfaen"/>
+        <a:font script="Armn" typeface="Arial"/>
+        <a:font script="Bugi" typeface="Leelawadee UI"/>
+        <a:font script="Bopo" typeface="Microsoft JhengHei"/>
+        <a:font script="Java" typeface="Javanese Text"/>
+        <a:font script="Lisu" typeface="Segoe UI"/>
+        <a:font script="Mymr" typeface="Myanmar Text"/>
+        <a:font script="Nkoo" typeface="Ebrima"/>
+        <a:font script="Olck" typeface="Nirmala UI"/>
+        <a:font script="Osma" typeface="Ebrima"/>
+        <a:font script="Phag" typeface="Phagspa"/>
+        <a:font script="Syrn" typeface="Estrangelo Edessa"/>
+        <a:font script="Syrj" typeface="Estrangelo Edessa"/>
+        <a:font script="Syre" typeface="Estrangelo Edessa"/>
+        <a:font script="Sora" typeface="Nirmala UI"/>
+        <a:font script="Tale" typeface="Microsoft Tai Le"/>
+        <a:font script="Talu" typeface="Microsoft New Tai Lue"/>
+        <a:font script="Tfng" typeface="Ebrima"/>
+      </a:minorFont>
+    </a:fontScheme>
+    <a:fmtScheme name="Office">
+      <a:fillStyleLst>
+        <a:solidFill>
+          <a:schemeClr val="phClr"/>
+        </a:solidFill>
+        <a:gradFill rotWithShape="1">
+          <a:gsLst>
+            <a:gs pos="0">
+              <a:schemeClr val="phClr">
+                <a:lumMod val="110000"/>
+                <a:satMod val="105000"/>
+                <a:tint val="67000"/>
+              </a:schemeClr>
+            </a:gs>
+            <a:gs pos="50000">
+              <a:schemeClr val="phClr">
+                <a:lumMod val="105000"/>
+                <a:satMod val="103000"/>
+                <a:tint val="73000"/>
+              </a:schemeClr>
+            </a:gs>
+            <a:gs pos="100000">
+              <a:schemeClr val="phClr">
+                <a:lumMod val="105000"/>
+                <a:satMod val="109000"/>
+                <a:tint val="81000"/>
+              </a:schemeClr>
+            </a:gs>
+          </a:gsLst>
+          <a:lin ang="5400000" scaled="0"/>
+        </a:gradFill>
+        <a:gradFill rotWithShape="1">
+          <a:gsLst>
+            <a:gs pos="0">
+              <a:schemeClr val="phClr">
+                <a:satMod val="103000"/>
+                <a:lumMod val="102000"/>
+                <a:tint val="94000"/>
+              </a:schemeClr>
+            </a:gs>
+            <a:gs pos="50000">
+              <a:schemeClr val="phClr">
+                <a:satMod val="110000"/>
+                <a:lumMod val="100000"/>
+                <a:shade val="100000"/>
+              </a:schemeClr>
+            </a:gs>
+            <a:gs pos="100000">
+              <a:schemeClr val="phClr">
+                <a:lumMod val="99000"/>
+                <a:satMod val="120000"/>
+                <a:shade val="78000"/>
+              </a:schemeClr>
+            </a:gs>
+          </a:gsLst>
+          <a:lin ang="5400000" scaled="0"/>
+        </a:gradFill>
+      </a:fillStyleLst>
+      <a:lnStyleLst>
+        <a:ln w="12700" cap="flat" cmpd="sng" algn="ctr">
+          <a:solidFill>
+            <a:schemeClr val="phClr"/>
+          </a:solidFill>
+          <a:prstDash val="solid"/>
+          <a:miter lim="800000"/>
+        </a:ln>
+        <a:ln w="19050" cap="flat" cmpd="sng" algn="ctr">
+          <a:solidFill>
+            <a:schemeClr val="phClr"/>
+          </a:solidFill>
+          <a:prstDash val="solid"/>
+          <a:miter lim="800000"/>
+        </a:ln>
+        <a:ln w="25400" cap="flat" cmpd="sng" algn="ctr">
+          <a:solidFill>
+            <a:schemeClr val="phClr"/>
+          </a:solidFill>
+          <a:prstDash val="solid"/>
+          <a:miter lim="800000"/>
+        </a:ln>
+      </a:lnStyleLst>
+      <a:effectStyleLst>
+        <a:effectStyle>
+          <a:effectLst/>
+        </a:effectStyle>
+        <a:effectStyle>
+          <a:effectLst/>
+        </a:effectStyle>
+        <a:effectStyle>
+          <a:effectLst>
+            <a:outerShdw blurRad="57150" dist="19050" dir="5400000" algn="ctr" rotWithShape="0">
+              <a:srgbClr val="000000">
+                <a:alpha val="63000"/>
+              </a:srgbClr>
+            </a:outerShdw>
+          </a:effectLst>
+        </a:effectStyle>
+      </a:effectStyleLst>
+      <a:bgFillStyleLst>
+        <a:solidFill>
+          <a:schemeClr val="phClr"/>
+        </a:solidFill>
+        <a:solidFill>
+          <a:schemeClr val="phClr">
+            <a:tint val="95000"/>
+            <a:satMod val="170000"/>
+          </a:schemeClr>
+        </a:solidFill>
+        <a:gradFill rotWithShape="1">
+          <a:gsLst>
+            <a:gs pos="0">
+              <a:schemeClr val="phClr">
+                <a:tint val="93000"/>
+                <a:satMod val="150000"/>
+                <a:shade val="98000"/>
+                <a:lumMod val="102000"/>
+              </a:schemeClr>
+            </a:gs>
+            <a:gs pos="50000">
+              <a:schemeClr val="phClr">
+                <a:tint val="98000"/>
+                <a:satMod val="130000"/>
+                <a:shade val="90000"/>
+                <a:lumMod val="103000"/>
+              </a:schemeClr>
+            </a:gs>
+            <a:gs pos="100000">
+              <a:schemeClr val="phClr">
+                <a:shade val="63000"/>
+                <a:satMod val="120000"/>
+              </a:schemeClr>
+            </a:gs>
+          </a:gsLst>
+          <a:lin ang="5400000" scaled="0"/>
+        </a:gradFill>
+      </a:bgFillStyleLst>
+    </a:fmtScheme>
+  </a:themeElements>
+  <a:objectDefaults>
+    <a:lnDef>
+      <a:spPr/>
+      <a:bodyPr/>
+      <a:lstStyle/>
+      <a:style>
+        <a:lnRef idx="2">
+          <a:schemeClr val="accent1"/>
+        </a:lnRef>
+        <a:fillRef idx="0">
+          <a:schemeClr val="accent1"/>
+        </a:fillRef>
+        <a:effectRef idx="1">
+          <a:schemeClr val="accent1"/>
+        </a:effectRef>
+        <a:fontRef idx="minor">
+          <a:schemeClr val="tx1"/>
+        </a:fontRef>
+      </a:style>
+    </a:lnDef>
+  </a:objectDefaults>
+  <a:extraClrSchemeLst/>
+  <a:extLst>
+    <a:ext uri="{05A4C25C-085E-4340-85A3-A5531E510DB2}">
+      <thm15:themeFamily xmlns:thm15="http://schemas.microsoft.com/office/thememl/2012/main" name="Office Theme" id="{2E142A2C-CD16-42D6-873A-C26D2A0506FA}" vid="{1BDDFF52-6CD6-40A5-AB3C-68EB2F1E4D0A}"/>
+    </a:ext>
+  </a:extLst>
+</a:theme>
 </file>